--- a/vince_mckeown/DungeonExplorer/slides/pitch.pptx
+++ b/vince_mckeown/DungeonExplorer/slides/pitch.pptx
@@ -12,6 +12,7 @@
     <p:sldId id="260" r:id="rId6"/>
     <p:sldId id="261" r:id="rId7"/>
     <p:sldId id="262" r:id="rId8"/>
+    <p:sldId id="263" r:id="rId9"/>
   </p:sldIdLst>
   <p:sldSz cx="12192000" cy="6858000"/>
   <p:notesSz cx="6858000" cy="9144000"/>
@@ -121,7 +122,7 @@
 <file path=ppt/revisionInfo.xml><?xml version="1.0" encoding="utf-8"?>
 <p1510:revInfo xmlns:a="http://schemas.openxmlformats.org/drawingml/2006/main" xmlns:r="http://schemas.openxmlformats.org/officeDocument/2006/relationships" xmlns:p1510="http://schemas.microsoft.com/office/powerpoint/2015/10/main">
   <p1510:revLst>
-    <p1510:client id="{A85D52D4-5BB4-419E-9F72-290F12A4CB0E}" v="54" dt="2023-10-14T14:14:41.038"/>
+    <p1510:client id="{A85D52D4-5BB4-419E-9F72-290F12A4CB0E}" v="373" dt="2023-10-21T17:07:45.710"/>
   </p1510:revLst>
 </p1510:revInfo>
 </file>
@@ -131,12 +132,12 @@
   <pc:docChgLst>
     <pc:chgData name="Pauline McKeown" userId="31f1b572cc8f689e" providerId="LiveId" clId="{A85D52D4-5BB4-419E-9F72-290F12A4CB0E}"/>
     <pc:docChg chg="undo custSel addSld delSld modSld">
-      <pc:chgData name="Pauline McKeown" userId="31f1b572cc8f689e" providerId="LiveId" clId="{A85D52D4-5BB4-419E-9F72-290F12A4CB0E}" dt="2023-10-14T14:14:41.038" v="543"/>
+      <pc:chgData name="Pauline McKeown" userId="31f1b572cc8f689e" providerId="LiveId" clId="{A85D52D4-5BB4-419E-9F72-290F12A4CB0E}" dt="2023-10-21T17:07:45.704" v="1961"/>
       <pc:docMkLst>
         <pc:docMk/>
       </pc:docMkLst>
-      <pc:sldChg chg="addSp delSp modSp mod">
-        <pc:chgData name="Pauline McKeown" userId="31f1b572cc8f689e" providerId="LiveId" clId="{A85D52D4-5BB4-419E-9F72-290F12A4CB0E}" dt="2023-10-14T13:33:35.251" v="330" actId="207"/>
+      <pc:sldChg chg="addSp delSp modSp mod modTransition">
+        <pc:chgData name="Pauline McKeown" userId="31f1b572cc8f689e" providerId="LiveId" clId="{A85D52D4-5BB4-419E-9F72-290F12A4CB0E}" dt="2023-10-21T17:07:45.704" v="1961"/>
         <pc:sldMkLst>
           <pc:docMk/>
           <pc:sldMk cId="4214349629" sldId="256"/>
@@ -150,7 +151,7 @@
           </ac:spMkLst>
         </pc:spChg>
         <pc:spChg chg="mod">
-          <ac:chgData name="Pauline McKeown" userId="31f1b572cc8f689e" providerId="LiveId" clId="{A85D52D4-5BB4-419E-9F72-290F12A4CB0E}" dt="2023-10-14T13:00:43.421" v="13" actId="20577"/>
+          <ac:chgData name="Pauline McKeown" userId="31f1b572cc8f689e" providerId="LiveId" clId="{A85D52D4-5BB4-419E-9F72-290F12A4CB0E}" dt="2023-10-20T15:55:12.003" v="1711" actId="20577"/>
           <ac:spMkLst>
             <pc:docMk/>
             <pc:sldMk cId="4214349629" sldId="256"/>
@@ -231,13 +232,13 @@
         </pc:picChg>
       </pc:sldChg>
       <pc:sldChg chg="addSp delSp modSp new mod modAnim">
-        <pc:chgData name="Pauline McKeown" userId="31f1b572cc8f689e" providerId="LiveId" clId="{A85D52D4-5BB4-419E-9F72-290F12A4CB0E}" dt="2023-10-14T14:14:41.038" v="543"/>
+        <pc:chgData name="Pauline McKeown" userId="31f1b572cc8f689e" providerId="LiveId" clId="{A85D52D4-5BB4-419E-9F72-290F12A4CB0E}" dt="2023-10-20T15:55:40.555" v="1727" actId="20577"/>
         <pc:sldMkLst>
           <pc:docMk/>
           <pc:sldMk cId="2127320520" sldId="257"/>
         </pc:sldMkLst>
         <pc:spChg chg="mod">
-          <ac:chgData name="Pauline McKeown" userId="31f1b572cc8f689e" providerId="LiveId" clId="{A85D52D4-5BB4-419E-9F72-290F12A4CB0E}" dt="2023-10-14T14:03:01.751" v="501" actId="1076"/>
+          <ac:chgData name="Pauline McKeown" userId="31f1b572cc8f689e" providerId="LiveId" clId="{A85D52D4-5BB4-419E-9F72-290F12A4CB0E}" dt="2023-10-20T15:55:32.016" v="1726" actId="20577"/>
           <ac:spMkLst>
             <pc:docMk/>
             <pc:sldMk cId="2127320520" sldId="257"/>
@@ -285,7 +286,7 @@
           </ac:spMkLst>
         </pc:spChg>
         <pc:spChg chg="add mod">
-          <ac:chgData name="Pauline McKeown" userId="31f1b572cc8f689e" providerId="LiveId" clId="{A85D52D4-5BB4-419E-9F72-290F12A4CB0E}" dt="2023-10-14T14:07:40.061" v="521" actId="1076"/>
+          <ac:chgData name="Pauline McKeown" userId="31f1b572cc8f689e" providerId="LiveId" clId="{A85D52D4-5BB4-419E-9F72-290F12A4CB0E}" dt="2023-10-20T15:55:40.555" v="1727" actId="20577"/>
           <ac:spMkLst>
             <pc:docMk/>
             <pc:sldMk cId="2127320520" sldId="257"/>
@@ -389,8 +390,8 @@
           </ac:picMkLst>
         </pc:picChg>
       </pc:sldChg>
-      <pc:sldChg chg="modSp add mod">
-        <pc:chgData name="Pauline McKeown" userId="31f1b572cc8f689e" providerId="LiveId" clId="{A85D52D4-5BB4-419E-9F72-290F12A4CB0E}" dt="2023-10-14T13:10:12.773" v="158" actId="20577"/>
+      <pc:sldChg chg="addSp delSp modSp add mod">
+        <pc:chgData name="Pauline McKeown" userId="31f1b572cc8f689e" providerId="LiveId" clId="{A85D52D4-5BB4-419E-9F72-290F12A4CB0E}" dt="2023-10-15T18:52:22.338" v="603" actId="1076"/>
         <pc:sldMkLst>
           <pc:docMk/>
           <pc:sldMk cId="1465306405" sldId="258"/>
@@ -403,6 +404,30 @@
             <ac:spMk id="2" creationId="{44E74DF2-5EF2-3F34-75E3-2748D36A8B66}"/>
           </ac:spMkLst>
         </pc:spChg>
+        <pc:spChg chg="mod">
+          <ac:chgData name="Pauline McKeown" userId="31f1b572cc8f689e" providerId="LiveId" clId="{A85D52D4-5BB4-419E-9F72-290F12A4CB0E}" dt="2023-10-15T18:42:28.774" v="590" actId="5793"/>
+          <ac:spMkLst>
+            <pc:docMk/>
+            <pc:sldMk cId="1465306405" sldId="258"/>
+            <ac:spMk id="3" creationId="{9C4EA411-11DE-E905-3421-2CAE8A6E3C02}"/>
+          </ac:spMkLst>
+        </pc:spChg>
+        <pc:picChg chg="add del mod">
+          <ac:chgData name="Pauline McKeown" userId="31f1b572cc8f689e" providerId="LiveId" clId="{A85D52D4-5BB4-419E-9F72-290F12A4CB0E}" dt="2023-10-15T18:46:01.673" v="597" actId="478"/>
+          <ac:picMkLst>
+            <pc:docMk/>
+            <pc:sldMk cId="1465306405" sldId="258"/>
+            <ac:picMk id="4" creationId="{73A5BB44-8F78-1D7E-C837-12DD1A298F91}"/>
+          </ac:picMkLst>
+        </pc:picChg>
+        <pc:picChg chg="add mod">
+          <ac:chgData name="Pauline McKeown" userId="31f1b572cc8f689e" providerId="LiveId" clId="{A85D52D4-5BB4-419E-9F72-290F12A4CB0E}" dt="2023-10-15T18:52:22.338" v="603" actId="1076"/>
+          <ac:picMkLst>
+            <pc:docMk/>
+            <pc:sldMk cId="1465306405" sldId="258"/>
+            <ac:picMk id="6" creationId="{D3AEEAF6-3AE7-327F-D32B-020B93A9F4D9}"/>
+          </ac:picMkLst>
+        </pc:picChg>
       </pc:sldChg>
       <pc:sldChg chg="modSp add mod">
         <pc:chgData name="Pauline McKeown" userId="31f1b572cc8f689e" providerId="LiveId" clId="{A85D52D4-5BB4-419E-9F72-290F12A4CB0E}" dt="2023-10-14T13:11:16.142" v="184" actId="20577"/>
@@ -420,7 +445,7 @@
         </pc:spChg>
       </pc:sldChg>
       <pc:sldChg chg="modSp add mod">
-        <pc:chgData name="Pauline McKeown" userId="31f1b572cc8f689e" providerId="LiveId" clId="{A85D52D4-5BB4-419E-9F72-290F12A4CB0E}" dt="2023-10-14T13:11:59.819" v="233" actId="20577"/>
+        <pc:chgData name="Pauline McKeown" userId="31f1b572cc8f689e" providerId="LiveId" clId="{A85D52D4-5BB4-419E-9F72-290F12A4CB0E}" dt="2023-10-15T20:16:12.383" v="1652" actId="20577"/>
         <pc:sldMkLst>
           <pc:docMk/>
           <pc:sldMk cId="3244594980" sldId="260"/>
@@ -433,9 +458,17 @@
             <ac:spMk id="2" creationId="{44E74DF2-5EF2-3F34-75E3-2748D36A8B66}"/>
           </ac:spMkLst>
         </pc:spChg>
+        <pc:spChg chg="mod">
+          <ac:chgData name="Pauline McKeown" userId="31f1b572cc8f689e" providerId="LiveId" clId="{A85D52D4-5BB4-419E-9F72-290F12A4CB0E}" dt="2023-10-15T20:16:12.383" v="1652" actId="20577"/>
+          <ac:spMkLst>
+            <pc:docMk/>
+            <pc:sldMk cId="3244594980" sldId="260"/>
+            <ac:spMk id="3" creationId="{9C4EA411-11DE-E905-3421-2CAE8A6E3C02}"/>
+          </ac:spMkLst>
+        </pc:spChg>
       </pc:sldChg>
-      <pc:sldChg chg="modSp add mod">
-        <pc:chgData name="Pauline McKeown" userId="31f1b572cc8f689e" providerId="LiveId" clId="{A85D52D4-5BB4-419E-9F72-290F12A4CB0E}" dt="2023-10-14T13:12:38.118" v="264" actId="20577"/>
+      <pc:sldChg chg="addSp delSp modSp add mod">
+        <pc:chgData name="Pauline McKeown" userId="31f1b572cc8f689e" providerId="LiveId" clId="{A85D52D4-5BB4-419E-9F72-290F12A4CB0E}" dt="2023-10-20T15:56:28.402" v="1737" actId="20577"/>
         <pc:sldMkLst>
           <pc:docMk/>
           <pc:sldMk cId="1381033241" sldId="261"/>
@@ -448,9 +481,25 @@
             <ac:spMk id="2" creationId="{44E74DF2-5EF2-3F34-75E3-2748D36A8B66}"/>
           </ac:spMkLst>
         </pc:spChg>
+        <pc:spChg chg="del">
+          <ac:chgData name="Pauline McKeown" userId="31f1b572cc8f689e" providerId="LiveId" clId="{A85D52D4-5BB4-419E-9F72-290F12A4CB0E}" dt="2023-10-15T19:56:25.226" v="1101" actId="1032"/>
+          <ac:spMkLst>
+            <pc:docMk/>
+            <pc:sldMk cId="1381033241" sldId="261"/>
+            <ac:spMk id="3" creationId="{9C4EA411-11DE-E905-3421-2CAE8A6E3C02}"/>
+          </ac:spMkLst>
+        </pc:spChg>
+        <pc:graphicFrameChg chg="add mod modGraphic">
+          <ac:chgData name="Pauline McKeown" userId="31f1b572cc8f689e" providerId="LiveId" clId="{A85D52D4-5BB4-419E-9F72-290F12A4CB0E}" dt="2023-10-20T15:56:28.402" v="1737" actId="20577"/>
+          <ac:graphicFrameMkLst>
+            <pc:docMk/>
+            <pc:sldMk cId="1381033241" sldId="261"/>
+            <ac:graphicFrameMk id="4" creationId="{9C4FA549-8557-4981-51FE-E9C7AFE207AC}"/>
+          </ac:graphicFrameMkLst>
+        </pc:graphicFrameChg>
       </pc:sldChg>
       <pc:sldChg chg="modSp add mod">
-        <pc:chgData name="Pauline McKeown" userId="31f1b572cc8f689e" providerId="LiveId" clId="{A85D52D4-5BB4-419E-9F72-290F12A4CB0E}" dt="2023-10-14T13:13:11.332" v="288" actId="20577"/>
+        <pc:chgData name="Pauline McKeown" userId="31f1b572cc8f689e" providerId="LiveId" clId="{A85D52D4-5BB4-419E-9F72-290F12A4CB0E}" dt="2023-10-20T15:59:17.057" v="1888" actId="20577"/>
         <pc:sldMkLst>
           <pc:docMk/>
           <pc:sldMk cId="2228426716" sldId="262"/>
@@ -461,6 +510,37 @@
             <pc:docMk/>
             <pc:sldMk cId="2228426716" sldId="262"/>
             <ac:spMk id="2" creationId="{44E74DF2-5EF2-3F34-75E3-2748D36A8B66}"/>
+          </ac:spMkLst>
+        </pc:spChg>
+        <pc:spChg chg="mod">
+          <ac:chgData name="Pauline McKeown" userId="31f1b572cc8f689e" providerId="LiveId" clId="{A85D52D4-5BB4-419E-9F72-290F12A4CB0E}" dt="2023-10-20T15:59:17.057" v="1888" actId="20577"/>
+          <ac:spMkLst>
+            <pc:docMk/>
+            <pc:sldMk cId="2228426716" sldId="262"/>
+            <ac:spMk id="3" creationId="{9C4EA411-11DE-E905-3421-2CAE8A6E3C02}"/>
+          </ac:spMkLst>
+        </pc:spChg>
+      </pc:sldChg>
+      <pc:sldChg chg="modSp add mod">
+        <pc:chgData name="Pauline McKeown" userId="31f1b572cc8f689e" providerId="LiveId" clId="{A85D52D4-5BB4-419E-9F72-290F12A4CB0E}" dt="2023-10-20T16:00:08.668" v="1960" actId="20577"/>
+        <pc:sldMkLst>
+          <pc:docMk/>
+          <pc:sldMk cId="3916152852" sldId="263"/>
+        </pc:sldMkLst>
+        <pc:spChg chg="mod">
+          <ac:chgData name="Pauline McKeown" userId="31f1b572cc8f689e" providerId="LiveId" clId="{A85D52D4-5BB4-419E-9F72-290F12A4CB0E}" dt="2023-10-20T15:59:40.498" v="1908" actId="20577"/>
+          <ac:spMkLst>
+            <pc:docMk/>
+            <pc:sldMk cId="3916152852" sldId="263"/>
+            <ac:spMk id="2" creationId="{44E74DF2-5EF2-3F34-75E3-2748D36A8B66}"/>
+          </ac:spMkLst>
+        </pc:spChg>
+        <pc:spChg chg="mod">
+          <ac:chgData name="Pauline McKeown" userId="31f1b572cc8f689e" providerId="LiveId" clId="{A85D52D4-5BB4-419E-9F72-290F12A4CB0E}" dt="2023-10-20T16:00:08.668" v="1960" actId="20577"/>
+          <ac:spMkLst>
+            <pc:docMk/>
+            <pc:sldMk cId="3916152852" sldId="263"/>
+            <ac:spMk id="3" creationId="{9C4EA411-11DE-E905-3421-2CAE8A6E3C02}"/>
           </ac:spMkLst>
         </pc:spChg>
       </pc:sldChg>
@@ -491,6 +571,753 @@
 </file>
 
 <file path=ppt/diagrams/colors1.xml><?xml version="1.0" encoding="utf-8"?>
+<dgm:colorsDef xmlns:dgm="http://schemas.openxmlformats.org/drawingml/2006/diagram" xmlns:a="http://schemas.openxmlformats.org/drawingml/2006/main" uniqueId="urn:microsoft.com/office/officeart/2005/8/colors/accent1_2">
+  <dgm:title val=""/>
+  <dgm:desc val=""/>
+  <dgm:catLst>
+    <dgm:cat type="accent1" pri="11200"/>
+  </dgm:catLst>
+  <dgm:styleLbl name="node0">
+    <dgm:fillClrLst meth="repeat">
+      <a:schemeClr val="accent1"/>
+    </dgm:fillClrLst>
+    <dgm:linClrLst meth="repeat">
+      <a:schemeClr val="lt1"/>
+    </dgm:linClrLst>
+    <dgm:effectClrLst/>
+    <dgm:txLinClrLst/>
+    <dgm:txFillClrLst/>
+    <dgm:txEffectClrLst/>
+  </dgm:styleLbl>
+  <dgm:styleLbl name="alignNode1">
+    <dgm:fillClrLst meth="repeat">
+      <a:schemeClr val="accent1"/>
+    </dgm:fillClrLst>
+    <dgm:linClrLst meth="repeat">
+      <a:schemeClr val="accent1"/>
+    </dgm:linClrLst>
+    <dgm:effectClrLst/>
+    <dgm:txLinClrLst/>
+    <dgm:txFillClrLst/>
+    <dgm:txEffectClrLst/>
+  </dgm:styleLbl>
+  <dgm:styleLbl name="node1">
+    <dgm:fillClrLst meth="repeat">
+      <a:schemeClr val="accent1"/>
+    </dgm:fillClrLst>
+    <dgm:linClrLst meth="repeat">
+      <a:schemeClr val="lt1"/>
+    </dgm:linClrLst>
+    <dgm:effectClrLst/>
+    <dgm:txLinClrLst/>
+    <dgm:txFillClrLst/>
+    <dgm:txEffectClrLst/>
+  </dgm:styleLbl>
+  <dgm:styleLbl name="lnNode1">
+    <dgm:fillClrLst meth="repeat">
+      <a:schemeClr val="accent1"/>
+    </dgm:fillClrLst>
+    <dgm:linClrLst meth="repeat">
+      <a:schemeClr val="lt1"/>
+    </dgm:linClrLst>
+    <dgm:effectClrLst/>
+    <dgm:txLinClrLst/>
+    <dgm:txFillClrLst/>
+    <dgm:txEffectClrLst/>
+  </dgm:styleLbl>
+  <dgm:styleLbl name="vennNode1">
+    <dgm:fillClrLst meth="repeat">
+      <a:schemeClr val="accent1">
+        <a:alpha val="50000"/>
+      </a:schemeClr>
+    </dgm:fillClrLst>
+    <dgm:linClrLst meth="repeat">
+      <a:schemeClr val="lt1"/>
+    </dgm:linClrLst>
+    <dgm:effectClrLst/>
+    <dgm:txLinClrLst/>
+    <dgm:txFillClrLst/>
+    <dgm:txEffectClrLst/>
+  </dgm:styleLbl>
+  <dgm:styleLbl name="node2">
+    <dgm:fillClrLst meth="repeat">
+      <a:schemeClr val="accent1"/>
+    </dgm:fillClrLst>
+    <dgm:linClrLst meth="repeat">
+      <a:schemeClr val="lt1"/>
+    </dgm:linClrLst>
+    <dgm:effectClrLst/>
+    <dgm:txLinClrLst/>
+    <dgm:txFillClrLst/>
+    <dgm:txEffectClrLst/>
+  </dgm:styleLbl>
+  <dgm:styleLbl name="node3">
+    <dgm:fillClrLst meth="repeat">
+      <a:schemeClr val="accent1"/>
+    </dgm:fillClrLst>
+    <dgm:linClrLst meth="repeat">
+      <a:schemeClr val="lt1"/>
+    </dgm:linClrLst>
+    <dgm:effectClrLst/>
+    <dgm:txLinClrLst/>
+    <dgm:txFillClrLst/>
+    <dgm:txEffectClrLst/>
+  </dgm:styleLbl>
+  <dgm:styleLbl name="node4">
+    <dgm:fillClrLst meth="repeat">
+      <a:schemeClr val="accent1"/>
+    </dgm:fillClrLst>
+    <dgm:linClrLst meth="repeat">
+      <a:schemeClr val="lt1"/>
+    </dgm:linClrLst>
+    <dgm:effectClrLst/>
+    <dgm:txLinClrLst/>
+    <dgm:txFillClrLst/>
+    <dgm:txEffectClrLst/>
+  </dgm:styleLbl>
+  <dgm:styleLbl name="fgImgPlace1">
+    <dgm:fillClrLst meth="repeat">
+      <a:schemeClr val="accent1">
+        <a:tint val="50000"/>
+      </a:schemeClr>
+    </dgm:fillClrLst>
+    <dgm:linClrLst meth="repeat">
+      <a:schemeClr val="lt1"/>
+    </dgm:linClrLst>
+    <dgm:effectClrLst/>
+    <dgm:txLinClrLst/>
+    <dgm:txFillClrLst meth="repeat">
+      <a:schemeClr val="lt1"/>
+    </dgm:txFillClrLst>
+    <dgm:txEffectClrLst/>
+  </dgm:styleLbl>
+  <dgm:styleLbl name="alignImgPlace1">
+    <dgm:fillClrLst meth="repeat">
+      <a:schemeClr val="accent1">
+        <a:tint val="50000"/>
+      </a:schemeClr>
+    </dgm:fillClrLst>
+    <dgm:linClrLst meth="repeat">
+      <a:schemeClr val="lt1"/>
+    </dgm:linClrLst>
+    <dgm:effectClrLst/>
+    <dgm:txLinClrLst/>
+    <dgm:txFillClrLst meth="repeat">
+      <a:schemeClr val="lt1"/>
+    </dgm:txFillClrLst>
+    <dgm:txEffectClrLst/>
+  </dgm:styleLbl>
+  <dgm:styleLbl name="bgImgPlace1">
+    <dgm:fillClrLst meth="repeat">
+      <a:schemeClr val="accent1">
+        <a:tint val="50000"/>
+      </a:schemeClr>
+    </dgm:fillClrLst>
+    <dgm:linClrLst meth="repeat">
+      <a:schemeClr val="lt1"/>
+    </dgm:linClrLst>
+    <dgm:effectClrLst/>
+    <dgm:txLinClrLst/>
+    <dgm:txFillClrLst meth="repeat">
+      <a:schemeClr val="lt1"/>
+    </dgm:txFillClrLst>
+    <dgm:txEffectClrLst/>
+  </dgm:styleLbl>
+  <dgm:styleLbl name="sibTrans2D1">
+    <dgm:fillClrLst meth="repeat">
+      <a:schemeClr val="accent1">
+        <a:tint val="60000"/>
+      </a:schemeClr>
+    </dgm:fillClrLst>
+    <dgm:linClrLst meth="repeat">
+      <a:schemeClr val="accent1">
+        <a:tint val="60000"/>
+      </a:schemeClr>
+    </dgm:linClrLst>
+    <dgm:effectClrLst/>
+    <dgm:txLinClrLst/>
+    <dgm:txFillClrLst/>
+    <dgm:txEffectClrLst/>
+  </dgm:styleLbl>
+  <dgm:styleLbl name="fgSibTrans2D1">
+    <dgm:fillClrLst meth="repeat">
+      <a:schemeClr val="accent1">
+        <a:tint val="60000"/>
+      </a:schemeClr>
+    </dgm:fillClrLst>
+    <dgm:linClrLst meth="repeat">
+      <a:schemeClr val="accent1">
+        <a:tint val="60000"/>
+      </a:schemeClr>
+    </dgm:linClrLst>
+    <dgm:effectClrLst/>
+    <dgm:txLinClrLst/>
+    <dgm:txFillClrLst/>
+    <dgm:txEffectClrLst/>
+  </dgm:styleLbl>
+  <dgm:styleLbl name="bgSibTrans2D1">
+    <dgm:fillClrLst meth="repeat">
+      <a:schemeClr val="accent1">
+        <a:tint val="60000"/>
+      </a:schemeClr>
+    </dgm:fillClrLst>
+    <dgm:linClrLst meth="repeat">
+      <a:schemeClr val="accent1">
+        <a:tint val="60000"/>
+      </a:schemeClr>
+    </dgm:linClrLst>
+    <dgm:effectClrLst/>
+    <dgm:txLinClrLst/>
+    <dgm:txFillClrLst/>
+    <dgm:txEffectClrLst/>
+  </dgm:styleLbl>
+  <dgm:styleLbl name="sibTrans1D1">
+    <dgm:fillClrLst meth="repeat">
+      <a:schemeClr val="accent1"/>
+    </dgm:fillClrLst>
+    <dgm:linClrLst meth="repeat">
+      <a:schemeClr val="accent1"/>
+    </dgm:linClrLst>
+    <dgm:effectClrLst/>
+    <dgm:txLinClrLst/>
+    <dgm:txFillClrLst meth="repeat">
+      <a:schemeClr val="tx1"/>
+    </dgm:txFillClrLst>
+    <dgm:txEffectClrLst/>
+  </dgm:styleLbl>
+  <dgm:styleLbl name="callout">
+    <dgm:fillClrLst meth="repeat">
+      <a:schemeClr val="accent1"/>
+    </dgm:fillClrLst>
+    <dgm:linClrLst meth="repeat">
+      <a:schemeClr val="accent1">
+        <a:tint val="50000"/>
+      </a:schemeClr>
+    </dgm:linClrLst>
+    <dgm:effectClrLst/>
+    <dgm:txLinClrLst/>
+    <dgm:txFillClrLst meth="repeat">
+      <a:schemeClr val="tx1"/>
+    </dgm:txFillClrLst>
+    <dgm:txEffectClrLst/>
+  </dgm:styleLbl>
+  <dgm:styleLbl name="asst0">
+    <dgm:fillClrLst meth="repeat">
+      <a:schemeClr val="accent1"/>
+    </dgm:fillClrLst>
+    <dgm:linClrLst meth="repeat">
+      <a:schemeClr val="lt1"/>
+    </dgm:linClrLst>
+    <dgm:effectClrLst/>
+    <dgm:txLinClrLst/>
+    <dgm:txFillClrLst/>
+    <dgm:txEffectClrLst/>
+  </dgm:styleLbl>
+  <dgm:styleLbl name="asst1">
+    <dgm:fillClrLst meth="repeat">
+      <a:schemeClr val="accent1"/>
+    </dgm:fillClrLst>
+    <dgm:linClrLst meth="repeat">
+      <a:schemeClr val="lt1"/>
+    </dgm:linClrLst>
+    <dgm:effectClrLst/>
+    <dgm:txLinClrLst/>
+    <dgm:txFillClrLst/>
+    <dgm:txEffectClrLst/>
+  </dgm:styleLbl>
+  <dgm:styleLbl name="asst2">
+    <dgm:fillClrLst meth="repeat">
+      <a:schemeClr val="accent1"/>
+    </dgm:fillClrLst>
+    <dgm:linClrLst meth="repeat">
+      <a:schemeClr val="lt1"/>
+    </dgm:linClrLst>
+    <dgm:effectClrLst/>
+    <dgm:txLinClrLst/>
+    <dgm:txFillClrLst/>
+    <dgm:txEffectClrLst/>
+  </dgm:styleLbl>
+  <dgm:styleLbl name="asst3">
+    <dgm:fillClrLst meth="repeat">
+      <a:schemeClr val="accent1"/>
+    </dgm:fillClrLst>
+    <dgm:linClrLst meth="repeat">
+      <a:schemeClr val="lt1"/>
+    </dgm:linClrLst>
+    <dgm:effectClrLst/>
+    <dgm:txLinClrLst/>
+    <dgm:txFillClrLst/>
+    <dgm:txEffectClrLst/>
+  </dgm:styleLbl>
+  <dgm:styleLbl name="asst4">
+    <dgm:fillClrLst meth="repeat">
+      <a:schemeClr val="accent1"/>
+    </dgm:fillClrLst>
+    <dgm:linClrLst meth="repeat">
+      <a:schemeClr val="lt1"/>
+    </dgm:linClrLst>
+    <dgm:effectClrLst/>
+    <dgm:txLinClrLst/>
+    <dgm:txFillClrLst/>
+    <dgm:txEffectClrLst/>
+  </dgm:styleLbl>
+  <dgm:styleLbl name="parChTrans2D1">
+    <dgm:fillClrLst meth="repeat">
+      <a:schemeClr val="accent1">
+        <a:tint val="60000"/>
+      </a:schemeClr>
+    </dgm:fillClrLst>
+    <dgm:linClrLst meth="repeat">
+      <a:schemeClr val="accent1">
+        <a:tint val="60000"/>
+      </a:schemeClr>
+    </dgm:linClrLst>
+    <dgm:effectClrLst/>
+    <dgm:txLinClrLst/>
+    <dgm:txFillClrLst meth="repeat">
+      <a:schemeClr val="lt1"/>
+    </dgm:txFillClrLst>
+    <dgm:txEffectClrLst/>
+  </dgm:styleLbl>
+  <dgm:styleLbl name="parChTrans2D2">
+    <dgm:fillClrLst meth="repeat">
+      <a:schemeClr val="accent1"/>
+    </dgm:fillClrLst>
+    <dgm:linClrLst meth="repeat">
+      <a:schemeClr val="accent1"/>
+    </dgm:linClrLst>
+    <dgm:effectClrLst/>
+    <dgm:txLinClrLst/>
+    <dgm:txFillClrLst meth="repeat">
+      <a:schemeClr val="lt1"/>
+    </dgm:txFillClrLst>
+    <dgm:txEffectClrLst/>
+  </dgm:styleLbl>
+  <dgm:styleLbl name="parChTrans2D3">
+    <dgm:fillClrLst meth="repeat">
+      <a:schemeClr val="accent1"/>
+    </dgm:fillClrLst>
+    <dgm:linClrLst meth="repeat">
+      <a:schemeClr val="accent1"/>
+    </dgm:linClrLst>
+    <dgm:effectClrLst/>
+    <dgm:txLinClrLst/>
+    <dgm:txFillClrLst meth="repeat">
+      <a:schemeClr val="lt1"/>
+    </dgm:txFillClrLst>
+    <dgm:txEffectClrLst/>
+  </dgm:styleLbl>
+  <dgm:styleLbl name="parChTrans2D4">
+    <dgm:fillClrLst meth="repeat">
+      <a:schemeClr val="accent1"/>
+    </dgm:fillClrLst>
+    <dgm:linClrLst meth="repeat">
+      <a:schemeClr val="accent1"/>
+    </dgm:linClrLst>
+    <dgm:effectClrLst/>
+    <dgm:txLinClrLst/>
+    <dgm:txFillClrLst meth="repeat">
+      <a:schemeClr val="lt1"/>
+    </dgm:txFillClrLst>
+    <dgm:txEffectClrLst/>
+  </dgm:styleLbl>
+  <dgm:styleLbl name="parChTrans1D1">
+    <dgm:fillClrLst meth="repeat">
+      <a:schemeClr val="accent1"/>
+    </dgm:fillClrLst>
+    <dgm:linClrLst meth="repeat">
+      <a:schemeClr val="accent1">
+        <a:shade val="60000"/>
+      </a:schemeClr>
+    </dgm:linClrLst>
+    <dgm:effectClrLst/>
+    <dgm:txLinClrLst/>
+    <dgm:txFillClrLst meth="repeat">
+      <a:schemeClr val="tx1"/>
+    </dgm:txFillClrLst>
+    <dgm:txEffectClrLst/>
+  </dgm:styleLbl>
+  <dgm:styleLbl name="parChTrans1D2">
+    <dgm:fillClrLst meth="repeat">
+      <a:schemeClr val="accent1"/>
+    </dgm:fillClrLst>
+    <dgm:linClrLst meth="repeat">
+      <a:schemeClr val="accent1">
+        <a:shade val="60000"/>
+      </a:schemeClr>
+    </dgm:linClrLst>
+    <dgm:effectClrLst/>
+    <dgm:txLinClrLst/>
+    <dgm:txFillClrLst meth="repeat">
+      <a:schemeClr val="tx1"/>
+    </dgm:txFillClrLst>
+    <dgm:txEffectClrLst/>
+  </dgm:styleLbl>
+  <dgm:styleLbl name="parChTrans1D3">
+    <dgm:fillClrLst meth="repeat">
+      <a:schemeClr val="accent1"/>
+    </dgm:fillClrLst>
+    <dgm:linClrLst meth="repeat">
+      <a:schemeClr val="accent1">
+        <a:shade val="80000"/>
+      </a:schemeClr>
+    </dgm:linClrLst>
+    <dgm:effectClrLst/>
+    <dgm:txLinClrLst/>
+    <dgm:txFillClrLst meth="repeat">
+      <a:schemeClr val="tx1"/>
+    </dgm:txFillClrLst>
+    <dgm:txEffectClrLst/>
+  </dgm:styleLbl>
+  <dgm:styleLbl name="parChTrans1D4">
+    <dgm:fillClrLst meth="repeat">
+      <a:schemeClr val="accent1"/>
+    </dgm:fillClrLst>
+    <dgm:linClrLst meth="repeat">
+      <a:schemeClr val="accent1">
+        <a:shade val="80000"/>
+      </a:schemeClr>
+    </dgm:linClrLst>
+    <dgm:effectClrLst/>
+    <dgm:txLinClrLst/>
+    <dgm:txFillClrLst meth="repeat">
+      <a:schemeClr val="tx1"/>
+    </dgm:txFillClrLst>
+    <dgm:txEffectClrLst/>
+  </dgm:styleLbl>
+  <dgm:styleLbl name="fgAcc1">
+    <dgm:fillClrLst meth="repeat">
+      <a:schemeClr val="lt1">
+        <a:alpha val="90000"/>
+      </a:schemeClr>
+    </dgm:fillClrLst>
+    <dgm:linClrLst meth="repeat">
+      <a:schemeClr val="accent1"/>
+    </dgm:linClrLst>
+    <dgm:effectClrLst/>
+    <dgm:txLinClrLst/>
+    <dgm:txFillClrLst meth="repeat">
+      <a:schemeClr val="dk1"/>
+    </dgm:txFillClrLst>
+    <dgm:txEffectClrLst/>
+  </dgm:styleLbl>
+  <dgm:styleLbl name="conFgAcc1">
+    <dgm:fillClrLst meth="repeat">
+      <a:schemeClr val="lt1">
+        <a:alpha val="90000"/>
+      </a:schemeClr>
+    </dgm:fillClrLst>
+    <dgm:linClrLst meth="repeat">
+      <a:schemeClr val="accent1"/>
+    </dgm:linClrLst>
+    <dgm:effectClrLst/>
+    <dgm:txLinClrLst/>
+    <dgm:txFillClrLst meth="repeat">
+      <a:schemeClr val="dk1"/>
+    </dgm:txFillClrLst>
+    <dgm:txEffectClrLst/>
+  </dgm:styleLbl>
+  <dgm:styleLbl name="alignAcc1">
+    <dgm:fillClrLst meth="repeat">
+      <a:schemeClr val="lt1">
+        <a:alpha val="90000"/>
+      </a:schemeClr>
+    </dgm:fillClrLst>
+    <dgm:linClrLst meth="repeat">
+      <a:schemeClr val="accent1"/>
+    </dgm:linClrLst>
+    <dgm:effectClrLst/>
+    <dgm:txLinClrLst/>
+    <dgm:txFillClrLst meth="repeat">
+      <a:schemeClr val="dk1"/>
+    </dgm:txFillClrLst>
+    <dgm:txEffectClrLst/>
+  </dgm:styleLbl>
+  <dgm:styleLbl name="trAlignAcc1">
+    <dgm:fillClrLst meth="repeat">
+      <a:schemeClr val="lt1">
+        <a:alpha val="40000"/>
+      </a:schemeClr>
+    </dgm:fillClrLst>
+    <dgm:linClrLst meth="repeat">
+      <a:schemeClr val="accent1"/>
+    </dgm:linClrLst>
+    <dgm:effectClrLst/>
+    <dgm:txLinClrLst/>
+    <dgm:txFillClrLst meth="repeat">
+      <a:schemeClr val="dk1"/>
+    </dgm:txFillClrLst>
+    <dgm:txEffectClrLst/>
+  </dgm:styleLbl>
+  <dgm:styleLbl name="bgAcc1">
+    <dgm:fillClrLst meth="repeat">
+      <a:schemeClr val="lt1">
+        <a:alpha val="90000"/>
+      </a:schemeClr>
+    </dgm:fillClrLst>
+    <dgm:linClrLst meth="repeat">
+      <a:schemeClr val="accent1"/>
+    </dgm:linClrLst>
+    <dgm:effectClrLst/>
+    <dgm:txLinClrLst/>
+    <dgm:txFillClrLst meth="repeat">
+      <a:schemeClr val="dk1"/>
+    </dgm:txFillClrLst>
+    <dgm:txEffectClrLst/>
+  </dgm:styleLbl>
+  <dgm:styleLbl name="solidFgAcc1">
+    <dgm:fillClrLst meth="repeat">
+      <a:schemeClr val="lt1"/>
+    </dgm:fillClrLst>
+    <dgm:linClrLst meth="repeat">
+      <a:schemeClr val="accent1"/>
+    </dgm:linClrLst>
+    <dgm:effectClrLst/>
+    <dgm:txLinClrLst/>
+    <dgm:txFillClrLst meth="repeat">
+      <a:schemeClr val="dk1"/>
+    </dgm:txFillClrLst>
+    <dgm:txEffectClrLst/>
+  </dgm:styleLbl>
+  <dgm:styleLbl name="solidAlignAcc1">
+    <dgm:fillClrLst meth="repeat">
+      <a:schemeClr val="lt1"/>
+    </dgm:fillClrLst>
+    <dgm:linClrLst meth="repeat">
+      <a:schemeClr val="accent1"/>
+    </dgm:linClrLst>
+    <dgm:effectClrLst/>
+    <dgm:txLinClrLst/>
+    <dgm:txFillClrLst meth="repeat">
+      <a:schemeClr val="dk1"/>
+    </dgm:txFillClrLst>
+    <dgm:txEffectClrLst/>
+  </dgm:styleLbl>
+  <dgm:styleLbl name="solidBgAcc1">
+    <dgm:fillClrLst meth="repeat">
+      <a:schemeClr val="lt1"/>
+    </dgm:fillClrLst>
+    <dgm:linClrLst meth="repeat">
+      <a:schemeClr val="accent1"/>
+    </dgm:linClrLst>
+    <dgm:effectClrLst/>
+    <dgm:txLinClrLst/>
+    <dgm:txFillClrLst meth="repeat">
+      <a:schemeClr val="dk1"/>
+    </dgm:txFillClrLst>
+    <dgm:txEffectClrLst/>
+  </dgm:styleLbl>
+  <dgm:styleLbl name="fgAccFollowNode1">
+    <dgm:fillClrLst meth="repeat">
+      <a:schemeClr val="accent1">
+        <a:alpha val="90000"/>
+        <a:tint val="40000"/>
+      </a:schemeClr>
+    </dgm:fillClrLst>
+    <dgm:linClrLst meth="repeat">
+      <a:schemeClr val="accent1">
+        <a:alpha val="90000"/>
+        <a:tint val="40000"/>
+      </a:schemeClr>
+    </dgm:linClrLst>
+    <dgm:effectClrLst/>
+    <dgm:txLinClrLst/>
+    <dgm:txFillClrLst meth="repeat">
+      <a:schemeClr val="dk1"/>
+    </dgm:txFillClrLst>
+    <dgm:txEffectClrLst/>
+  </dgm:styleLbl>
+  <dgm:styleLbl name="alignAccFollowNode1">
+    <dgm:fillClrLst meth="repeat">
+      <a:schemeClr val="accent1">
+        <a:alpha val="90000"/>
+        <a:tint val="40000"/>
+      </a:schemeClr>
+    </dgm:fillClrLst>
+    <dgm:linClrLst meth="repeat">
+      <a:schemeClr val="accent1">
+        <a:alpha val="90000"/>
+        <a:tint val="40000"/>
+      </a:schemeClr>
+    </dgm:linClrLst>
+    <dgm:effectClrLst/>
+    <dgm:txLinClrLst/>
+    <dgm:txFillClrLst meth="repeat">
+      <a:schemeClr val="dk1"/>
+    </dgm:txFillClrLst>
+    <dgm:txEffectClrLst/>
+  </dgm:styleLbl>
+  <dgm:styleLbl name="bgAccFollowNode1">
+    <dgm:fillClrLst meth="repeat">
+      <a:schemeClr val="accent1">
+        <a:alpha val="90000"/>
+        <a:tint val="40000"/>
+      </a:schemeClr>
+    </dgm:fillClrLst>
+    <dgm:linClrLst meth="repeat">
+      <a:schemeClr val="accent1">
+        <a:alpha val="90000"/>
+        <a:tint val="40000"/>
+      </a:schemeClr>
+    </dgm:linClrLst>
+    <dgm:effectClrLst/>
+    <dgm:txLinClrLst/>
+    <dgm:txFillClrLst meth="repeat">
+      <a:schemeClr val="dk1"/>
+    </dgm:txFillClrLst>
+    <dgm:txEffectClrLst/>
+  </dgm:styleLbl>
+  <dgm:styleLbl name="fgAcc0">
+    <dgm:fillClrLst meth="repeat">
+      <a:schemeClr val="lt1">
+        <a:alpha val="90000"/>
+      </a:schemeClr>
+    </dgm:fillClrLst>
+    <dgm:linClrLst meth="repeat">
+      <a:schemeClr val="accent1"/>
+    </dgm:linClrLst>
+    <dgm:effectClrLst/>
+    <dgm:txLinClrLst/>
+    <dgm:txFillClrLst meth="repeat">
+      <a:schemeClr val="dk1"/>
+    </dgm:txFillClrLst>
+    <dgm:txEffectClrLst/>
+  </dgm:styleLbl>
+  <dgm:styleLbl name="fgAcc2">
+    <dgm:fillClrLst meth="repeat">
+      <a:schemeClr val="lt1">
+        <a:alpha val="90000"/>
+      </a:schemeClr>
+    </dgm:fillClrLst>
+    <dgm:linClrLst meth="repeat">
+      <a:schemeClr val="accent1"/>
+    </dgm:linClrLst>
+    <dgm:effectClrLst/>
+    <dgm:txLinClrLst/>
+    <dgm:txFillClrLst meth="repeat">
+      <a:schemeClr val="dk1"/>
+    </dgm:txFillClrLst>
+    <dgm:txEffectClrLst/>
+  </dgm:styleLbl>
+  <dgm:styleLbl name="fgAcc3">
+    <dgm:fillClrLst meth="repeat">
+      <a:schemeClr val="lt1">
+        <a:alpha val="90000"/>
+      </a:schemeClr>
+    </dgm:fillClrLst>
+    <dgm:linClrLst meth="repeat">
+      <a:schemeClr val="accent1"/>
+    </dgm:linClrLst>
+    <dgm:effectClrLst/>
+    <dgm:txLinClrLst/>
+    <dgm:txFillClrLst meth="repeat">
+      <a:schemeClr val="dk1"/>
+    </dgm:txFillClrLst>
+    <dgm:txEffectClrLst/>
+  </dgm:styleLbl>
+  <dgm:styleLbl name="fgAcc4">
+    <dgm:fillClrLst meth="repeat">
+      <a:schemeClr val="lt1">
+        <a:alpha val="90000"/>
+      </a:schemeClr>
+    </dgm:fillClrLst>
+    <dgm:linClrLst meth="repeat">
+      <a:schemeClr val="accent1"/>
+    </dgm:linClrLst>
+    <dgm:effectClrLst/>
+    <dgm:txLinClrLst/>
+    <dgm:txFillClrLst meth="repeat">
+      <a:schemeClr val="dk1"/>
+    </dgm:txFillClrLst>
+    <dgm:txEffectClrLst/>
+  </dgm:styleLbl>
+  <dgm:styleLbl name="bgShp">
+    <dgm:fillClrLst meth="repeat">
+      <a:schemeClr val="accent1">
+        <a:tint val="40000"/>
+      </a:schemeClr>
+    </dgm:fillClrLst>
+    <dgm:linClrLst meth="repeat">
+      <a:schemeClr val="accent1"/>
+    </dgm:linClrLst>
+    <dgm:effectClrLst/>
+    <dgm:txLinClrLst/>
+    <dgm:txFillClrLst meth="repeat">
+      <a:schemeClr val="dk1"/>
+    </dgm:txFillClrLst>
+    <dgm:txEffectClrLst/>
+  </dgm:styleLbl>
+  <dgm:styleLbl name="dkBgShp">
+    <dgm:fillClrLst meth="repeat">
+      <a:schemeClr val="accent1">
+        <a:shade val="80000"/>
+      </a:schemeClr>
+    </dgm:fillClrLst>
+    <dgm:linClrLst meth="repeat">
+      <a:schemeClr val="accent1"/>
+    </dgm:linClrLst>
+    <dgm:effectClrLst/>
+    <dgm:txLinClrLst/>
+    <dgm:txFillClrLst meth="repeat">
+      <a:schemeClr val="lt1"/>
+    </dgm:txFillClrLst>
+    <dgm:txEffectClrLst/>
+  </dgm:styleLbl>
+  <dgm:styleLbl name="trBgShp">
+    <dgm:fillClrLst meth="repeat">
+      <a:schemeClr val="accent1">
+        <a:tint val="50000"/>
+        <a:alpha val="40000"/>
+      </a:schemeClr>
+    </dgm:fillClrLst>
+    <dgm:linClrLst meth="repeat">
+      <a:schemeClr val="accent1"/>
+    </dgm:linClrLst>
+    <dgm:effectClrLst/>
+    <dgm:txLinClrLst/>
+    <dgm:txFillClrLst meth="repeat">
+      <a:schemeClr val="lt1"/>
+    </dgm:txFillClrLst>
+    <dgm:txEffectClrLst/>
+  </dgm:styleLbl>
+  <dgm:styleLbl name="fgShp">
+    <dgm:fillClrLst meth="repeat">
+      <a:schemeClr val="accent1">
+        <a:tint val="60000"/>
+      </a:schemeClr>
+    </dgm:fillClrLst>
+    <dgm:linClrLst meth="repeat">
+      <a:schemeClr val="lt1"/>
+    </dgm:linClrLst>
+    <dgm:effectClrLst/>
+    <dgm:txLinClrLst/>
+    <dgm:txFillClrLst meth="repeat">
+      <a:schemeClr val="dk1"/>
+    </dgm:txFillClrLst>
+    <dgm:txEffectClrLst/>
+  </dgm:styleLbl>
+  <dgm:styleLbl name="revTx">
+    <dgm:fillClrLst meth="repeat">
+      <a:schemeClr val="lt1">
+        <a:alpha val="0"/>
+      </a:schemeClr>
+    </dgm:fillClrLst>
+    <dgm:linClrLst meth="repeat">
+      <a:schemeClr val="dk1">
+        <a:alpha val="0"/>
+      </a:schemeClr>
+    </dgm:linClrLst>
+    <dgm:effectClrLst/>
+    <dgm:txLinClrLst/>
+    <dgm:txFillClrLst meth="repeat">
+      <a:schemeClr val="tx1"/>
+    </dgm:txFillClrLst>
+    <dgm:txEffectClrLst/>
+  </dgm:styleLbl>
+</dgm:colorsDef>
+</file>
+
+<file path=ppt/diagrams/colors2.xml><?xml version="1.0" encoding="utf-8"?>
 <dgm:colorsDef xmlns:dgm="http://schemas.openxmlformats.org/drawingml/2006/diagram" xmlns:a="http://schemas.openxmlformats.org/drawingml/2006/main" uniqueId="urn:microsoft.com/office/officeart/2005/8/colors/accent1_2">
   <dgm:title val=""/>
   <dgm:desc val=""/>
@@ -2455,6 +3282,848 @@
 </dgm:dataModel>
 </file>
 
+<file path=ppt/diagrams/data2.xml><?xml version="1.0" encoding="utf-8"?>
+<dgm:dataModel xmlns:dgm="http://schemas.openxmlformats.org/drawingml/2006/diagram" xmlns:a="http://schemas.openxmlformats.org/drawingml/2006/main">
+  <dgm:ptLst>
+    <dgm:pt modelId="{AC395F03-F456-4DE2-8004-81FC65E4291B}" type="doc">
+      <dgm:prSet loTypeId="urn:microsoft.com/office/officeart/2005/8/layout/hChevron3" loCatId="process" qsTypeId="urn:microsoft.com/office/officeart/2005/8/quickstyle/simple1" qsCatId="simple" csTypeId="urn:microsoft.com/office/officeart/2005/8/colors/accent1_2" csCatId="accent1" phldr="1"/>
+      <dgm:spPr/>
+    </dgm:pt>
+    <dgm:pt modelId="{887DFC68-0DF8-4CAF-AC26-5D2F76A9B168}">
+      <dgm:prSet phldrT="[Text]" custT="1"/>
+      <dgm:spPr/>
+      <dgm:t>
+        <a:bodyPr/>
+        <a:lstStyle/>
+        <a:p>
+          <a:r>
+            <a:rPr lang="en-US" sz="2400" dirty="0"/>
+            <a:t>Weeks 1–4</a:t>
+          </a:r>
+        </a:p>
+      </dgm:t>
+    </dgm:pt>
+    <dgm:pt modelId="{12EBCE00-85B3-4802-840E-73E9BF94E9C6}" type="parTrans" cxnId="{9F631EE1-985C-4B1F-8CB4-D8C07E15CCF3}">
+      <dgm:prSet/>
+      <dgm:spPr/>
+      <dgm:t>
+        <a:bodyPr/>
+        <a:lstStyle/>
+        <a:p>
+          <a:endParaRPr lang="en-US"/>
+        </a:p>
+      </dgm:t>
+    </dgm:pt>
+    <dgm:pt modelId="{D7C573E0-B999-4D12-A97B-1022A8923D64}" type="sibTrans" cxnId="{9F631EE1-985C-4B1F-8CB4-D8C07E15CCF3}">
+      <dgm:prSet/>
+      <dgm:spPr/>
+      <dgm:t>
+        <a:bodyPr/>
+        <a:lstStyle/>
+        <a:p>
+          <a:endParaRPr lang="en-US"/>
+        </a:p>
+      </dgm:t>
+    </dgm:pt>
+    <dgm:pt modelId="{F80438B4-C1CA-4352-AD1A-237AAAC60D72}">
+      <dgm:prSet phldrT="[Text]" custT="1"/>
+      <dgm:spPr/>
+      <dgm:t>
+        <a:bodyPr/>
+        <a:lstStyle/>
+        <a:p>
+          <a:r>
+            <a:rPr lang="en-US" sz="2400" dirty="0"/>
+            <a:t>Weeks 9-12</a:t>
+          </a:r>
+        </a:p>
+      </dgm:t>
+    </dgm:pt>
+    <dgm:pt modelId="{3FB10138-87A6-44F0-B446-6095FD2B0732}" type="parTrans" cxnId="{70384C28-D6B2-462D-8BE6-230700083960}">
+      <dgm:prSet/>
+      <dgm:spPr/>
+      <dgm:t>
+        <a:bodyPr/>
+        <a:lstStyle/>
+        <a:p>
+          <a:endParaRPr lang="en-US"/>
+        </a:p>
+      </dgm:t>
+    </dgm:pt>
+    <dgm:pt modelId="{D1C89F3F-3E30-4E2E-9074-65E907508868}" type="sibTrans" cxnId="{70384C28-D6B2-462D-8BE6-230700083960}">
+      <dgm:prSet/>
+      <dgm:spPr/>
+      <dgm:t>
+        <a:bodyPr/>
+        <a:lstStyle/>
+        <a:p>
+          <a:endParaRPr lang="en-US"/>
+        </a:p>
+      </dgm:t>
+    </dgm:pt>
+    <dgm:pt modelId="{52837896-590A-48FC-9EBF-4F07435C235F}">
+      <dgm:prSet phldrT="[Text]" custT="1"/>
+      <dgm:spPr/>
+      <dgm:t>
+        <a:bodyPr/>
+        <a:lstStyle/>
+        <a:p>
+          <a:r>
+            <a:rPr lang="en-US" sz="2000" dirty="0"/>
+            <a:t>Weeks 13-16</a:t>
+          </a:r>
+        </a:p>
+      </dgm:t>
+    </dgm:pt>
+    <dgm:pt modelId="{4FAFD303-509D-4C13-B784-A77EC097E417}" type="parTrans" cxnId="{6E50271C-4868-4F62-9A9B-40A3E3D7982E}">
+      <dgm:prSet/>
+      <dgm:spPr/>
+      <dgm:t>
+        <a:bodyPr/>
+        <a:lstStyle/>
+        <a:p>
+          <a:endParaRPr lang="en-US"/>
+        </a:p>
+      </dgm:t>
+    </dgm:pt>
+    <dgm:pt modelId="{27C4ECCD-7376-4A59-BDD4-C50AB0694AA5}" type="sibTrans" cxnId="{6E50271C-4868-4F62-9A9B-40A3E3D7982E}">
+      <dgm:prSet/>
+      <dgm:spPr/>
+      <dgm:t>
+        <a:bodyPr/>
+        <a:lstStyle/>
+        <a:p>
+          <a:endParaRPr lang="en-US"/>
+        </a:p>
+      </dgm:t>
+    </dgm:pt>
+    <dgm:pt modelId="{16C91B15-B722-488A-98C6-417082CB9FFD}">
+      <dgm:prSet phldrT="[Text]"/>
+      <dgm:spPr/>
+      <dgm:t>
+        <a:bodyPr/>
+        <a:lstStyle/>
+        <a:p>
+          <a:r>
+            <a:rPr lang="en-US" sz="2100" dirty="0"/>
+            <a:t>Systems</a:t>
+          </a:r>
+        </a:p>
+      </dgm:t>
+    </dgm:pt>
+    <dgm:pt modelId="{EC2C6214-D139-47AE-BC37-1E5ED0D4E149}" type="parTrans" cxnId="{B360FEB2-E387-422D-9A1D-80142821220D}">
+      <dgm:prSet/>
+      <dgm:spPr/>
+      <dgm:t>
+        <a:bodyPr/>
+        <a:lstStyle/>
+        <a:p>
+          <a:endParaRPr lang="en-US"/>
+        </a:p>
+      </dgm:t>
+    </dgm:pt>
+    <dgm:pt modelId="{0F6ECBE2-F247-4D3E-B30B-D42F9820C27F}" type="sibTrans" cxnId="{B360FEB2-E387-422D-9A1D-80142821220D}">
+      <dgm:prSet/>
+      <dgm:spPr/>
+      <dgm:t>
+        <a:bodyPr/>
+        <a:lstStyle/>
+        <a:p>
+          <a:endParaRPr lang="en-US"/>
+        </a:p>
+      </dgm:t>
+    </dgm:pt>
+    <dgm:pt modelId="{7D6372B8-D4BB-4A9A-ADA4-98F81D363F79}">
+      <dgm:prSet phldrT="[Text]"/>
+      <dgm:spPr/>
+      <dgm:t>
+        <a:bodyPr/>
+        <a:lstStyle/>
+        <a:p>
+          <a:r>
+            <a:rPr lang="en-US" sz="2100" dirty="0"/>
+            <a:t>Combat</a:t>
+          </a:r>
+        </a:p>
+      </dgm:t>
+    </dgm:pt>
+    <dgm:pt modelId="{1DB1DF9B-0B0C-44E6-AFB4-27554F48B45C}" type="parTrans" cxnId="{7E44F6FF-F64B-4354-A52E-EDCEB4E00967}">
+      <dgm:prSet/>
+      <dgm:spPr/>
+      <dgm:t>
+        <a:bodyPr/>
+        <a:lstStyle/>
+        <a:p>
+          <a:endParaRPr lang="en-US"/>
+        </a:p>
+      </dgm:t>
+    </dgm:pt>
+    <dgm:pt modelId="{6763910C-CC87-4EBC-BCBC-153512D6C2C9}" type="sibTrans" cxnId="{7E44F6FF-F64B-4354-A52E-EDCEB4E00967}">
+      <dgm:prSet/>
+      <dgm:spPr/>
+      <dgm:t>
+        <a:bodyPr/>
+        <a:lstStyle/>
+        <a:p>
+          <a:endParaRPr lang="en-US"/>
+        </a:p>
+      </dgm:t>
+    </dgm:pt>
+    <dgm:pt modelId="{6993D8EE-0DC4-4A16-BCEF-D0001D378C66}">
+      <dgm:prSet phldrT="[Text]"/>
+      <dgm:spPr/>
+      <dgm:t>
+        <a:bodyPr/>
+        <a:lstStyle/>
+        <a:p>
+          <a:r>
+            <a:rPr lang="en-US" sz="2100" dirty="0"/>
+            <a:t>Inventory</a:t>
+          </a:r>
+        </a:p>
+      </dgm:t>
+    </dgm:pt>
+    <dgm:pt modelId="{F47E1D75-6391-4C41-8DD8-792FBEBBBE81}" type="parTrans" cxnId="{3C1920DE-6044-426F-94BC-7E19F9404CE5}">
+      <dgm:prSet/>
+      <dgm:spPr/>
+      <dgm:t>
+        <a:bodyPr/>
+        <a:lstStyle/>
+        <a:p>
+          <a:endParaRPr lang="en-US"/>
+        </a:p>
+      </dgm:t>
+    </dgm:pt>
+    <dgm:pt modelId="{227168F0-3843-4FB3-BF10-95457AB1A794}" type="sibTrans" cxnId="{3C1920DE-6044-426F-94BC-7E19F9404CE5}">
+      <dgm:prSet/>
+      <dgm:spPr/>
+      <dgm:t>
+        <a:bodyPr/>
+        <a:lstStyle/>
+        <a:p>
+          <a:endParaRPr lang="en-US"/>
+        </a:p>
+      </dgm:t>
+    </dgm:pt>
+    <dgm:pt modelId="{29297AEF-8659-4B29-BF60-AA47593D8008}">
+      <dgm:prSet phldrT="[Text]" custT="1"/>
+      <dgm:spPr/>
+      <dgm:t>
+        <a:bodyPr/>
+        <a:lstStyle/>
+        <a:p>
+          <a:r>
+            <a:rPr lang="en-US" sz="2400" dirty="0"/>
+            <a:t>Weeks 5–8 </a:t>
+          </a:r>
+        </a:p>
+      </dgm:t>
+    </dgm:pt>
+    <dgm:pt modelId="{E4EF205E-E14E-40FE-9BBF-CAF8B8542140}" type="parTrans" cxnId="{D21C855D-9310-4BCD-A2D6-19013B0B0DFE}">
+      <dgm:prSet/>
+      <dgm:spPr/>
+      <dgm:t>
+        <a:bodyPr/>
+        <a:lstStyle/>
+        <a:p>
+          <a:endParaRPr lang="en-US"/>
+        </a:p>
+      </dgm:t>
+    </dgm:pt>
+    <dgm:pt modelId="{74C9750A-F6AB-468A-94B7-A561EF507271}" type="sibTrans" cxnId="{D21C855D-9310-4BCD-A2D6-19013B0B0DFE}">
+      <dgm:prSet/>
+      <dgm:spPr/>
+      <dgm:t>
+        <a:bodyPr/>
+        <a:lstStyle/>
+        <a:p>
+          <a:endParaRPr lang="en-US"/>
+        </a:p>
+      </dgm:t>
+    </dgm:pt>
+    <dgm:pt modelId="{B8E008A8-8104-4B0D-9DDB-213F0041460F}">
+      <dgm:prSet phldrT="[Text]"/>
+      <dgm:spPr/>
+      <dgm:t>
+        <a:bodyPr/>
+        <a:lstStyle/>
+        <a:p>
+          <a:r>
+            <a:rPr lang="en-US" sz="2100" dirty="0"/>
+            <a:t>Pathfinding</a:t>
+          </a:r>
+        </a:p>
+      </dgm:t>
+    </dgm:pt>
+    <dgm:pt modelId="{E889392F-A4B5-4BD7-B61F-46951FA25D83}" type="parTrans" cxnId="{3166DF5F-1365-46CB-A872-90359243F985}">
+      <dgm:prSet/>
+      <dgm:spPr/>
+      <dgm:t>
+        <a:bodyPr/>
+        <a:lstStyle/>
+        <a:p>
+          <a:endParaRPr lang="en-US"/>
+        </a:p>
+      </dgm:t>
+    </dgm:pt>
+    <dgm:pt modelId="{B3B9702B-6651-4540-AE86-24032B4901F4}" type="sibTrans" cxnId="{3166DF5F-1365-46CB-A872-90359243F985}">
+      <dgm:prSet/>
+      <dgm:spPr/>
+      <dgm:t>
+        <a:bodyPr/>
+        <a:lstStyle/>
+        <a:p>
+          <a:endParaRPr lang="en-US"/>
+        </a:p>
+      </dgm:t>
+    </dgm:pt>
+    <dgm:pt modelId="{D80B3018-4239-4024-BE34-20AD4B4BA90D}">
+      <dgm:prSet phldrT="[Text]"/>
+      <dgm:spPr/>
+      <dgm:t>
+        <a:bodyPr/>
+        <a:lstStyle/>
+        <a:p>
+          <a:r>
+            <a:rPr lang="en-US" sz="2100" dirty="0"/>
+            <a:t>Castle</a:t>
+          </a:r>
+        </a:p>
+      </dgm:t>
+    </dgm:pt>
+    <dgm:pt modelId="{7625A539-71AF-4CCD-AE36-70E6EABC9B35}" type="parTrans" cxnId="{3DFAF44F-C509-456D-882D-7953E8C455EB}">
+      <dgm:prSet/>
+      <dgm:spPr/>
+      <dgm:t>
+        <a:bodyPr/>
+        <a:lstStyle/>
+        <a:p>
+          <a:endParaRPr lang="en-US"/>
+        </a:p>
+      </dgm:t>
+    </dgm:pt>
+    <dgm:pt modelId="{859E3569-616D-4BF5-AE97-918988D0B3FC}" type="sibTrans" cxnId="{3DFAF44F-C509-456D-882D-7953E8C455EB}">
+      <dgm:prSet/>
+      <dgm:spPr/>
+      <dgm:t>
+        <a:bodyPr/>
+        <a:lstStyle/>
+        <a:p>
+          <a:endParaRPr lang="en-US"/>
+        </a:p>
+      </dgm:t>
+    </dgm:pt>
+    <dgm:pt modelId="{80DA9952-68E5-4825-9FE6-9F28833ADA2B}">
+      <dgm:prSet phldrT="[Text]"/>
+      <dgm:spPr/>
+      <dgm:t>
+        <a:bodyPr/>
+        <a:lstStyle/>
+        <a:p>
+          <a:r>
+            <a:rPr lang="en-US" sz="2100" dirty="0"/>
+            <a:t>Monsters</a:t>
+          </a:r>
+        </a:p>
+      </dgm:t>
+    </dgm:pt>
+    <dgm:pt modelId="{1CE6E7F9-1192-4137-A486-5BB6784CF413}" type="parTrans" cxnId="{A436790F-3FBB-47D5-B5DE-9AF4499C8511}">
+      <dgm:prSet/>
+      <dgm:spPr/>
+      <dgm:t>
+        <a:bodyPr/>
+        <a:lstStyle/>
+        <a:p>
+          <a:endParaRPr lang="en-US"/>
+        </a:p>
+      </dgm:t>
+    </dgm:pt>
+    <dgm:pt modelId="{B1C06439-8EBB-4EDE-B00B-946780775733}" type="sibTrans" cxnId="{A436790F-3FBB-47D5-B5DE-9AF4499C8511}">
+      <dgm:prSet/>
+      <dgm:spPr/>
+      <dgm:t>
+        <a:bodyPr/>
+        <a:lstStyle/>
+        <a:p>
+          <a:endParaRPr lang="en-US"/>
+        </a:p>
+      </dgm:t>
+    </dgm:pt>
+    <dgm:pt modelId="{8BA83E31-7642-44F9-8F45-0ACBECD06617}">
+      <dgm:prSet phldrT="[Text]"/>
+      <dgm:spPr/>
+      <dgm:t>
+        <a:bodyPr/>
+        <a:lstStyle/>
+        <a:p>
+          <a:r>
+            <a:rPr lang="en-US" sz="2100" dirty="0"/>
+            <a:t>Level</a:t>
+          </a:r>
+        </a:p>
+      </dgm:t>
+    </dgm:pt>
+    <dgm:pt modelId="{3CA3FACB-66CB-4935-A14A-1879AD4ABBA7}" type="parTrans" cxnId="{9BEE5795-35EA-4861-8540-4C11E9786D55}">
+      <dgm:prSet/>
+      <dgm:spPr/>
+      <dgm:t>
+        <a:bodyPr/>
+        <a:lstStyle/>
+        <a:p>
+          <a:endParaRPr lang="en-US"/>
+        </a:p>
+      </dgm:t>
+    </dgm:pt>
+    <dgm:pt modelId="{819BA6F1-BCF5-4346-AD83-BC3A5C193603}" type="sibTrans" cxnId="{9BEE5795-35EA-4861-8540-4C11E9786D55}">
+      <dgm:prSet/>
+      <dgm:spPr/>
+      <dgm:t>
+        <a:bodyPr/>
+        <a:lstStyle/>
+        <a:p>
+          <a:endParaRPr lang="en-US"/>
+        </a:p>
+      </dgm:t>
+    </dgm:pt>
+    <dgm:pt modelId="{FC2D5D16-0313-4CFE-8D22-44B214300941}">
+      <dgm:prSet phldrT="[Text]"/>
+      <dgm:spPr/>
+      <dgm:t>
+        <a:bodyPr/>
+        <a:lstStyle/>
+        <a:p>
+          <a:r>
+            <a:rPr lang="en-US" sz="2100" dirty="0"/>
+            <a:t>Puzzles</a:t>
+          </a:r>
+        </a:p>
+      </dgm:t>
+    </dgm:pt>
+    <dgm:pt modelId="{7DCC4EA2-0819-4179-A068-A7A3D5267DB2}" type="parTrans" cxnId="{47886902-766F-4C61-8B97-38A3F63FF619}">
+      <dgm:prSet/>
+      <dgm:spPr/>
+      <dgm:t>
+        <a:bodyPr/>
+        <a:lstStyle/>
+        <a:p>
+          <a:endParaRPr lang="en-US"/>
+        </a:p>
+      </dgm:t>
+    </dgm:pt>
+    <dgm:pt modelId="{133AA260-2E4F-4AD5-AC71-E3D9718337AF}" type="sibTrans" cxnId="{47886902-766F-4C61-8B97-38A3F63FF619}">
+      <dgm:prSet/>
+      <dgm:spPr/>
+      <dgm:t>
+        <a:bodyPr/>
+        <a:lstStyle/>
+        <a:p>
+          <a:endParaRPr lang="en-US"/>
+        </a:p>
+      </dgm:t>
+    </dgm:pt>
+    <dgm:pt modelId="{9171D1FD-331C-43F2-BA8A-18A3C8E1740D}">
+      <dgm:prSet phldrT="[Text]"/>
+      <dgm:spPr/>
+      <dgm:t>
+        <a:bodyPr/>
+        <a:lstStyle/>
+        <a:p>
+          <a:r>
+            <a:rPr lang="en-US" sz="2100" dirty="0"/>
+            <a:t>Player</a:t>
+          </a:r>
+        </a:p>
+      </dgm:t>
+    </dgm:pt>
+    <dgm:pt modelId="{1A412F7A-DB27-4084-8E3B-DD7981090396}" type="parTrans" cxnId="{AB21D528-B2DB-4E5B-B323-2AA00102E54C}">
+      <dgm:prSet/>
+      <dgm:spPr/>
+      <dgm:t>
+        <a:bodyPr/>
+        <a:lstStyle/>
+        <a:p>
+          <a:endParaRPr lang="en-US"/>
+        </a:p>
+      </dgm:t>
+    </dgm:pt>
+    <dgm:pt modelId="{C2F0D146-379B-4708-AF2D-E4D674962808}" type="sibTrans" cxnId="{AB21D528-B2DB-4E5B-B323-2AA00102E54C}">
+      <dgm:prSet/>
+      <dgm:spPr/>
+      <dgm:t>
+        <a:bodyPr/>
+        <a:lstStyle/>
+        <a:p>
+          <a:endParaRPr lang="en-US"/>
+        </a:p>
+      </dgm:t>
+    </dgm:pt>
+    <dgm:pt modelId="{E07514EE-35D1-43D7-B4A9-77E6A51CFDC7}">
+      <dgm:prSet phldrT="[Text]" custT="1"/>
+      <dgm:spPr/>
+      <dgm:t>
+        <a:bodyPr/>
+        <a:lstStyle/>
+        <a:p>
+          <a:r>
+            <a:rPr lang="en-US" sz="2100" dirty="0"/>
+            <a:t>Catacombs</a:t>
+          </a:r>
+        </a:p>
+      </dgm:t>
+    </dgm:pt>
+    <dgm:pt modelId="{324DD7DF-97C6-46F9-8E0D-0834DA58704E}" type="parTrans" cxnId="{C74A8231-78FF-4A5C-9909-39265AE349A8}">
+      <dgm:prSet/>
+      <dgm:spPr/>
+      <dgm:t>
+        <a:bodyPr/>
+        <a:lstStyle/>
+        <a:p>
+          <a:endParaRPr lang="en-US"/>
+        </a:p>
+      </dgm:t>
+    </dgm:pt>
+    <dgm:pt modelId="{6AF7869B-60C2-4F3D-8EB1-F65443FEE595}" type="sibTrans" cxnId="{C74A8231-78FF-4A5C-9909-39265AE349A8}">
+      <dgm:prSet/>
+      <dgm:spPr/>
+      <dgm:t>
+        <a:bodyPr/>
+        <a:lstStyle/>
+        <a:p>
+          <a:endParaRPr lang="en-US"/>
+        </a:p>
+      </dgm:t>
+    </dgm:pt>
+    <dgm:pt modelId="{7628AE3D-B74C-4C90-B0DC-28E4C1D9FF3C}">
+      <dgm:prSet phldrT="[Text]" custT="1"/>
+      <dgm:spPr/>
+      <dgm:t>
+        <a:bodyPr/>
+        <a:lstStyle/>
+        <a:p>
+          <a:r>
+            <a:rPr lang="en-US" sz="2100" dirty="0"/>
+            <a:t>Monsters</a:t>
+          </a:r>
+        </a:p>
+      </dgm:t>
+    </dgm:pt>
+    <dgm:pt modelId="{6301FC5E-3E06-401B-B15E-9ABE78353AD5}" type="parTrans" cxnId="{C12933A4-F678-429F-B502-11AF501DD102}">
+      <dgm:prSet/>
+      <dgm:spPr/>
+      <dgm:t>
+        <a:bodyPr/>
+        <a:lstStyle/>
+        <a:p>
+          <a:endParaRPr lang="en-US"/>
+        </a:p>
+      </dgm:t>
+    </dgm:pt>
+    <dgm:pt modelId="{EB8E0860-9A7E-4EFC-AF64-8E02A02D8DED}" type="sibTrans" cxnId="{C12933A4-F678-429F-B502-11AF501DD102}">
+      <dgm:prSet/>
+      <dgm:spPr/>
+      <dgm:t>
+        <a:bodyPr/>
+        <a:lstStyle/>
+        <a:p>
+          <a:endParaRPr lang="en-US"/>
+        </a:p>
+      </dgm:t>
+    </dgm:pt>
+    <dgm:pt modelId="{D29E88E0-7C36-40FD-B9DA-097B8966F5E8}">
+      <dgm:prSet phldrT="[Text]" custT="1"/>
+      <dgm:spPr/>
+      <dgm:t>
+        <a:bodyPr/>
+        <a:lstStyle/>
+        <a:p>
+          <a:r>
+            <a:rPr lang="en-US" sz="2100" dirty="0"/>
+            <a:t>Level</a:t>
+          </a:r>
+        </a:p>
+      </dgm:t>
+    </dgm:pt>
+    <dgm:pt modelId="{D95B2AA9-0970-4DBF-8746-66B9A9DAF226}" type="parTrans" cxnId="{D2DD84BE-D710-4883-AAF3-3550FC696F3B}">
+      <dgm:prSet/>
+      <dgm:spPr/>
+      <dgm:t>
+        <a:bodyPr/>
+        <a:lstStyle/>
+        <a:p>
+          <a:endParaRPr lang="en-US"/>
+        </a:p>
+      </dgm:t>
+    </dgm:pt>
+    <dgm:pt modelId="{6EAB8013-9506-4659-86AA-7F8B142A26D0}" type="sibTrans" cxnId="{D2DD84BE-D710-4883-AAF3-3550FC696F3B}">
+      <dgm:prSet/>
+      <dgm:spPr/>
+      <dgm:t>
+        <a:bodyPr/>
+        <a:lstStyle/>
+        <a:p>
+          <a:endParaRPr lang="en-US"/>
+        </a:p>
+      </dgm:t>
+    </dgm:pt>
+    <dgm:pt modelId="{0D351C7E-0E01-4082-947D-370F7E1C1EB0}">
+      <dgm:prSet phldrT="[Text]" custT="1"/>
+      <dgm:spPr/>
+      <dgm:t>
+        <a:bodyPr/>
+        <a:lstStyle/>
+        <a:p>
+          <a:r>
+            <a:rPr lang="en-US" sz="2100" dirty="0"/>
+            <a:t>Puzzles</a:t>
+          </a:r>
+          <a:endParaRPr lang="en-US" sz="2400" dirty="0"/>
+        </a:p>
+      </dgm:t>
+    </dgm:pt>
+    <dgm:pt modelId="{62B31597-0820-4358-B77C-71DCBEC711B0}" type="parTrans" cxnId="{79875D61-B46E-4DAF-B250-31171C27F6B7}">
+      <dgm:prSet/>
+      <dgm:spPr/>
+      <dgm:t>
+        <a:bodyPr/>
+        <a:lstStyle/>
+        <a:p>
+          <a:endParaRPr lang="en-US"/>
+        </a:p>
+      </dgm:t>
+    </dgm:pt>
+    <dgm:pt modelId="{FA6AFC60-D148-4449-96F4-B00B743F3F35}" type="sibTrans" cxnId="{79875D61-B46E-4DAF-B250-31171C27F6B7}">
+      <dgm:prSet/>
+      <dgm:spPr/>
+      <dgm:t>
+        <a:bodyPr/>
+        <a:lstStyle/>
+        <a:p>
+          <a:endParaRPr lang="en-US"/>
+        </a:p>
+      </dgm:t>
+    </dgm:pt>
+    <dgm:pt modelId="{923A6405-E436-47F5-A7F5-27C4CE9C384B}">
+      <dgm:prSet phldrT="[Text]"/>
+      <dgm:spPr/>
+      <dgm:t>
+        <a:bodyPr/>
+        <a:lstStyle/>
+        <a:p>
+          <a:r>
+            <a:rPr lang="en-US" sz="2000" dirty="0"/>
+            <a:t>Refinement</a:t>
+          </a:r>
+        </a:p>
+      </dgm:t>
+    </dgm:pt>
+    <dgm:pt modelId="{F8EC0792-251B-4636-B778-20B50F983C93}" type="parTrans" cxnId="{BDD253EE-C49F-4A5F-88CA-A29AC80262EB}">
+      <dgm:prSet/>
+      <dgm:spPr/>
+      <dgm:t>
+        <a:bodyPr/>
+        <a:lstStyle/>
+        <a:p>
+          <a:endParaRPr lang="en-US"/>
+        </a:p>
+      </dgm:t>
+    </dgm:pt>
+    <dgm:pt modelId="{C01B3C5D-5CBC-4AB4-B2A6-0C9026A81471}" type="sibTrans" cxnId="{BDD253EE-C49F-4A5F-88CA-A29AC80262EB}">
+      <dgm:prSet/>
+      <dgm:spPr/>
+      <dgm:t>
+        <a:bodyPr/>
+        <a:lstStyle/>
+        <a:p>
+          <a:endParaRPr lang="en-US"/>
+        </a:p>
+      </dgm:t>
+    </dgm:pt>
+    <dgm:pt modelId="{2E8ABB77-C9A0-4543-A1B6-DF9687BE5042}">
+      <dgm:prSet phldrT="[Text]"/>
+      <dgm:spPr/>
+      <dgm:t>
+        <a:bodyPr/>
+        <a:lstStyle/>
+        <a:p>
+          <a:r>
+            <a:rPr lang="en-US" sz="2000" dirty="0"/>
+            <a:t>Testing</a:t>
+          </a:r>
+        </a:p>
+      </dgm:t>
+    </dgm:pt>
+    <dgm:pt modelId="{9B815DB1-196C-4094-B897-43EAE8E887AE}" type="parTrans" cxnId="{804C6A58-0531-4141-825C-EED67AF03827}">
+      <dgm:prSet/>
+      <dgm:spPr/>
+      <dgm:t>
+        <a:bodyPr/>
+        <a:lstStyle/>
+        <a:p>
+          <a:endParaRPr lang="en-US"/>
+        </a:p>
+      </dgm:t>
+    </dgm:pt>
+    <dgm:pt modelId="{FE07E6C8-9927-4436-9972-AC2588712B44}" type="sibTrans" cxnId="{804C6A58-0531-4141-825C-EED67AF03827}">
+      <dgm:prSet/>
+      <dgm:spPr/>
+      <dgm:t>
+        <a:bodyPr/>
+        <a:lstStyle/>
+        <a:p>
+          <a:endParaRPr lang="en-US"/>
+        </a:p>
+      </dgm:t>
+    </dgm:pt>
+    <dgm:pt modelId="{2C7AB860-542D-428F-A285-A1FCF5ABC8B5}">
+      <dgm:prSet phldrT="[Text]"/>
+      <dgm:spPr/>
+      <dgm:t>
+        <a:bodyPr/>
+        <a:lstStyle/>
+        <a:p>
+          <a:r>
+            <a:rPr lang="en-US" sz="2000" dirty="0"/>
+            <a:t>Storyline</a:t>
+          </a:r>
+        </a:p>
+      </dgm:t>
+    </dgm:pt>
+    <dgm:pt modelId="{41940949-5659-442C-A376-E768661A5F3C}" type="parTrans" cxnId="{F1FE82DF-52BB-411E-ADD0-D578E76B04C6}">
+      <dgm:prSet/>
+      <dgm:spPr/>
+      <dgm:t>
+        <a:bodyPr/>
+        <a:lstStyle/>
+        <a:p>
+          <a:endParaRPr lang="en-US"/>
+        </a:p>
+      </dgm:t>
+    </dgm:pt>
+    <dgm:pt modelId="{4B3DD3BE-0EBF-4951-BA2C-C7158A0D757A}" type="sibTrans" cxnId="{F1FE82DF-52BB-411E-ADD0-D578E76B04C6}">
+      <dgm:prSet/>
+      <dgm:spPr/>
+      <dgm:t>
+        <a:bodyPr/>
+        <a:lstStyle/>
+        <a:p>
+          <a:endParaRPr lang="en-US"/>
+        </a:p>
+      </dgm:t>
+    </dgm:pt>
+    <dgm:pt modelId="{945715E5-A15F-4EB3-A663-C007B3F9427F}" type="pres">
+      <dgm:prSet presAssocID="{AC395F03-F456-4DE2-8004-81FC65E4291B}" presName="Name0" presStyleCnt="0">
+        <dgm:presLayoutVars>
+          <dgm:dir/>
+          <dgm:resizeHandles val="exact"/>
+        </dgm:presLayoutVars>
+      </dgm:prSet>
+      <dgm:spPr/>
+    </dgm:pt>
+    <dgm:pt modelId="{F73A1A33-9B7A-451E-AC5A-7E10F06FB1D8}" type="pres">
+      <dgm:prSet presAssocID="{887DFC68-0DF8-4CAF-AC26-5D2F76A9B168}" presName="parAndChTx" presStyleLbl="node1" presStyleIdx="0" presStyleCnt="4">
+        <dgm:presLayoutVars>
+          <dgm:bulletEnabled val="1"/>
+        </dgm:presLayoutVars>
+      </dgm:prSet>
+      <dgm:spPr/>
+    </dgm:pt>
+    <dgm:pt modelId="{12C468E0-39D3-4544-B08D-4DF7956A891A}" type="pres">
+      <dgm:prSet presAssocID="{D7C573E0-B999-4D12-A97B-1022A8923D64}" presName="parAndChSpace" presStyleCnt="0"/>
+      <dgm:spPr/>
+    </dgm:pt>
+    <dgm:pt modelId="{08780306-792E-4891-800E-003C8CABE436}" type="pres">
+      <dgm:prSet presAssocID="{29297AEF-8659-4B29-BF60-AA47593D8008}" presName="parAndChTx" presStyleLbl="node1" presStyleIdx="1" presStyleCnt="4">
+        <dgm:presLayoutVars>
+          <dgm:bulletEnabled val="1"/>
+        </dgm:presLayoutVars>
+      </dgm:prSet>
+      <dgm:spPr/>
+    </dgm:pt>
+    <dgm:pt modelId="{405A9B52-DD2F-4DBC-AD3C-37F3F7E52D14}" type="pres">
+      <dgm:prSet presAssocID="{74C9750A-F6AB-468A-94B7-A561EF507271}" presName="parAndChSpace" presStyleCnt="0"/>
+      <dgm:spPr/>
+    </dgm:pt>
+    <dgm:pt modelId="{306CC7D4-86B5-4735-96EF-90B4573CD7CA}" type="pres">
+      <dgm:prSet presAssocID="{F80438B4-C1CA-4352-AD1A-237AAAC60D72}" presName="parAndChTx" presStyleLbl="node1" presStyleIdx="2" presStyleCnt="4">
+        <dgm:presLayoutVars>
+          <dgm:bulletEnabled val="1"/>
+        </dgm:presLayoutVars>
+      </dgm:prSet>
+      <dgm:spPr/>
+    </dgm:pt>
+    <dgm:pt modelId="{94571ED2-51E6-4811-A1EC-62F879EDF7DD}" type="pres">
+      <dgm:prSet presAssocID="{D1C89F3F-3E30-4E2E-9074-65E907508868}" presName="parAndChSpace" presStyleCnt="0"/>
+      <dgm:spPr/>
+    </dgm:pt>
+    <dgm:pt modelId="{B203C465-15F1-48BB-B76C-A1C08EA2DB95}" type="pres">
+      <dgm:prSet presAssocID="{52837896-590A-48FC-9EBF-4F07435C235F}" presName="parAndChTx" presStyleLbl="node1" presStyleIdx="3" presStyleCnt="4">
+        <dgm:presLayoutVars>
+          <dgm:bulletEnabled val="1"/>
+        </dgm:presLayoutVars>
+      </dgm:prSet>
+      <dgm:spPr/>
+    </dgm:pt>
+  </dgm:ptLst>
+  <dgm:cxnLst>
+    <dgm:cxn modelId="{47886902-766F-4C61-8B97-38A3F63FF619}" srcId="{D80B3018-4239-4024-BE34-20AD4B4BA90D}" destId="{FC2D5D16-0313-4CFE-8D22-44B214300941}" srcOrd="2" destOrd="0" parTransId="{7DCC4EA2-0819-4179-A068-A7A3D5267DB2}" sibTransId="{133AA260-2E4F-4AD5-AC71-E3D9718337AF}"/>
+    <dgm:cxn modelId="{E504CB0C-3593-40E3-B264-B098A86B0EC0}" type="presOf" srcId="{B8E008A8-8104-4B0D-9DDB-213F0041460F}" destId="{F73A1A33-9B7A-451E-AC5A-7E10F06FB1D8}" srcOrd="0" destOrd="3" presId="urn:microsoft.com/office/officeart/2005/8/layout/hChevron3"/>
+    <dgm:cxn modelId="{CB4E380F-0823-40DA-BDE3-C38B6543AAB1}" type="presOf" srcId="{2E8ABB77-C9A0-4543-A1B6-DF9687BE5042}" destId="{B203C465-15F1-48BB-B76C-A1C08EA2DB95}" srcOrd="0" destOrd="3" presId="urn:microsoft.com/office/officeart/2005/8/layout/hChevron3"/>
+    <dgm:cxn modelId="{A436790F-3FBB-47D5-B5DE-9AF4499C8511}" srcId="{D80B3018-4239-4024-BE34-20AD4B4BA90D}" destId="{80DA9952-68E5-4825-9FE6-9F28833ADA2B}" srcOrd="0" destOrd="0" parTransId="{1CE6E7F9-1192-4137-A486-5BB6784CF413}" sibTransId="{B1C06439-8EBB-4EDE-B00B-946780775733}"/>
+    <dgm:cxn modelId="{29478415-314F-4B31-AEE9-B0EEB794D2E9}" type="presOf" srcId="{887DFC68-0DF8-4CAF-AC26-5D2F76A9B168}" destId="{F73A1A33-9B7A-451E-AC5A-7E10F06FB1D8}" srcOrd="0" destOrd="0" presId="urn:microsoft.com/office/officeart/2005/8/layout/hChevron3"/>
+    <dgm:cxn modelId="{85939015-867F-4E90-A78C-35AA2B10B994}" type="presOf" srcId="{E07514EE-35D1-43D7-B4A9-77E6A51CFDC7}" destId="{306CC7D4-86B5-4735-96EF-90B4573CD7CA}" srcOrd="0" destOrd="1" presId="urn:microsoft.com/office/officeart/2005/8/layout/hChevron3"/>
+    <dgm:cxn modelId="{6E50271C-4868-4F62-9A9B-40A3E3D7982E}" srcId="{AC395F03-F456-4DE2-8004-81FC65E4291B}" destId="{52837896-590A-48FC-9EBF-4F07435C235F}" srcOrd="3" destOrd="0" parTransId="{4FAFD303-509D-4C13-B784-A77EC097E417}" sibTransId="{27C4ECCD-7376-4A59-BDD4-C50AB0694AA5}"/>
+    <dgm:cxn modelId="{0F77571F-CB5A-4048-8860-ED3B29229D79}" type="presOf" srcId="{2C7AB860-542D-428F-A285-A1FCF5ABC8B5}" destId="{B203C465-15F1-48BB-B76C-A1C08EA2DB95}" srcOrd="0" destOrd="1" presId="urn:microsoft.com/office/officeart/2005/8/layout/hChevron3"/>
+    <dgm:cxn modelId="{70384C28-D6B2-462D-8BE6-230700083960}" srcId="{AC395F03-F456-4DE2-8004-81FC65E4291B}" destId="{F80438B4-C1CA-4352-AD1A-237AAAC60D72}" srcOrd="2" destOrd="0" parTransId="{3FB10138-87A6-44F0-B446-6095FD2B0732}" sibTransId="{D1C89F3F-3E30-4E2E-9074-65E907508868}"/>
+    <dgm:cxn modelId="{AB21D528-B2DB-4E5B-B323-2AA00102E54C}" srcId="{887DFC68-0DF8-4CAF-AC26-5D2F76A9B168}" destId="{9171D1FD-331C-43F2-BA8A-18A3C8E1740D}" srcOrd="0" destOrd="0" parTransId="{1A412F7A-DB27-4084-8E3B-DD7981090396}" sibTransId="{C2F0D146-379B-4708-AF2D-E4D674962808}"/>
+    <dgm:cxn modelId="{C74A8231-78FF-4A5C-9909-39265AE349A8}" srcId="{F80438B4-C1CA-4352-AD1A-237AAAC60D72}" destId="{E07514EE-35D1-43D7-B4A9-77E6A51CFDC7}" srcOrd="0" destOrd="0" parTransId="{324DD7DF-97C6-46F9-8E0D-0834DA58704E}" sibTransId="{6AF7869B-60C2-4F3D-8EB1-F65443FEE595}"/>
+    <dgm:cxn modelId="{D21C855D-9310-4BCD-A2D6-19013B0B0DFE}" srcId="{AC395F03-F456-4DE2-8004-81FC65E4291B}" destId="{29297AEF-8659-4B29-BF60-AA47593D8008}" srcOrd="1" destOrd="0" parTransId="{E4EF205E-E14E-40FE-9BBF-CAF8B8542140}" sibTransId="{74C9750A-F6AB-468A-94B7-A561EF507271}"/>
+    <dgm:cxn modelId="{3166DF5F-1365-46CB-A872-90359243F985}" srcId="{16C91B15-B722-488A-98C6-417082CB9FFD}" destId="{B8E008A8-8104-4B0D-9DDB-213F0041460F}" srcOrd="0" destOrd="0" parTransId="{E889392F-A4B5-4BD7-B61F-46951FA25D83}" sibTransId="{B3B9702B-6651-4540-AE86-24032B4901F4}"/>
+    <dgm:cxn modelId="{28C41160-08C1-4546-BC9C-F7E822440DC6}" type="presOf" srcId="{0D351C7E-0E01-4082-947D-370F7E1C1EB0}" destId="{306CC7D4-86B5-4735-96EF-90B4573CD7CA}" srcOrd="0" destOrd="4" presId="urn:microsoft.com/office/officeart/2005/8/layout/hChevron3"/>
+    <dgm:cxn modelId="{79875D61-B46E-4DAF-B250-31171C27F6B7}" srcId="{E07514EE-35D1-43D7-B4A9-77E6A51CFDC7}" destId="{0D351C7E-0E01-4082-947D-370F7E1C1EB0}" srcOrd="2" destOrd="0" parTransId="{62B31597-0820-4358-B77C-71DCBEC711B0}" sibTransId="{FA6AFC60-D148-4449-96F4-B00B743F3F35}"/>
+    <dgm:cxn modelId="{5850AC41-B0E3-422C-BAF6-82B4E3C0D5B9}" type="presOf" srcId="{16C91B15-B722-488A-98C6-417082CB9FFD}" destId="{F73A1A33-9B7A-451E-AC5A-7E10F06FB1D8}" srcOrd="0" destOrd="2" presId="urn:microsoft.com/office/officeart/2005/8/layout/hChevron3"/>
+    <dgm:cxn modelId="{7FE1FE42-9F7A-408D-8F5C-BD3715E8BD4D}" type="presOf" srcId="{9171D1FD-331C-43F2-BA8A-18A3C8E1740D}" destId="{F73A1A33-9B7A-451E-AC5A-7E10F06FB1D8}" srcOrd="0" destOrd="1" presId="urn:microsoft.com/office/officeart/2005/8/layout/hChevron3"/>
+    <dgm:cxn modelId="{3DFAF44F-C509-456D-882D-7953E8C455EB}" srcId="{29297AEF-8659-4B29-BF60-AA47593D8008}" destId="{D80B3018-4239-4024-BE34-20AD4B4BA90D}" srcOrd="0" destOrd="0" parTransId="{7625A539-71AF-4CCD-AE36-70E6EABC9B35}" sibTransId="{859E3569-616D-4BF5-AE97-918988D0B3FC}"/>
+    <dgm:cxn modelId="{B47C5354-3321-4D41-9D11-3F9B6840E5A6}" type="presOf" srcId="{D29E88E0-7C36-40FD-B9DA-097B8966F5E8}" destId="{306CC7D4-86B5-4735-96EF-90B4573CD7CA}" srcOrd="0" destOrd="3" presId="urn:microsoft.com/office/officeart/2005/8/layout/hChevron3"/>
+    <dgm:cxn modelId="{5DCAC875-AA1F-457E-98EB-7F151882B5FF}" type="presOf" srcId="{7628AE3D-B74C-4C90-B0DC-28E4C1D9FF3C}" destId="{306CC7D4-86B5-4735-96EF-90B4573CD7CA}" srcOrd="0" destOrd="2" presId="urn:microsoft.com/office/officeart/2005/8/layout/hChevron3"/>
+    <dgm:cxn modelId="{BF9F0856-D2FD-4B56-A7CA-410C4B4EAF03}" type="presOf" srcId="{6993D8EE-0DC4-4A16-BCEF-D0001D378C66}" destId="{F73A1A33-9B7A-451E-AC5A-7E10F06FB1D8}" srcOrd="0" destOrd="5" presId="urn:microsoft.com/office/officeart/2005/8/layout/hChevron3"/>
+    <dgm:cxn modelId="{804C6A58-0531-4141-825C-EED67AF03827}" srcId="{52837896-590A-48FC-9EBF-4F07435C235F}" destId="{2E8ABB77-C9A0-4543-A1B6-DF9687BE5042}" srcOrd="2" destOrd="0" parTransId="{9B815DB1-196C-4094-B897-43EAE8E887AE}" sibTransId="{FE07E6C8-9927-4436-9972-AC2588712B44}"/>
+    <dgm:cxn modelId="{73DFD57B-17EE-4F3F-9606-4281400B15FE}" type="presOf" srcId="{FC2D5D16-0313-4CFE-8D22-44B214300941}" destId="{08780306-792E-4891-800E-003C8CABE436}" srcOrd="0" destOrd="4" presId="urn:microsoft.com/office/officeart/2005/8/layout/hChevron3"/>
+    <dgm:cxn modelId="{769E1887-38AD-428B-9DA3-CEEA21D7F40D}" type="presOf" srcId="{80DA9952-68E5-4825-9FE6-9F28833ADA2B}" destId="{08780306-792E-4891-800E-003C8CABE436}" srcOrd="0" destOrd="2" presId="urn:microsoft.com/office/officeart/2005/8/layout/hChevron3"/>
+    <dgm:cxn modelId="{7C802489-B1E4-43B8-85A5-194241ADF979}" type="presOf" srcId="{D80B3018-4239-4024-BE34-20AD4B4BA90D}" destId="{08780306-792E-4891-800E-003C8CABE436}" srcOrd="0" destOrd="1" presId="urn:microsoft.com/office/officeart/2005/8/layout/hChevron3"/>
+    <dgm:cxn modelId="{9BEE5795-35EA-4861-8540-4C11E9786D55}" srcId="{D80B3018-4239-4024-BE34-20AD4B4BA90D}" destId="{8BA83E31-7642-44F9-8F45-0ACBECD06617}" srcOrd="1" destOrd="0" parTransId="{3CA3FACB-66CB-4935-A14A-1879AD4ABBA7}" sibTransId="{819BA6F1-BCF5-4346-AD83-BC3A5C193603}"/>
+    <dgm:cxn modelId="{1847AC96-BB00-4504-AA46-B38D67C25710}" type="presOf" srcId="{8BA83E31-7642-44F9-8F45-0ACBECD06617}" destId="{08780306-792E-4891-800E-003C8CABE436}" srcOrd="0" destOrd="3" presId="urn:microsoft.com/office/officeart/2005/8/layout/hChevron3"/>
+    <dgm:cxn modelId="{C12933A4-F678-429F-B502-11AF501DD102}" srcId="{E07514EE-35D1-43D7-B4A9-77E6A51CFDC7}" destId="{7628AE3D-B74C-4C90-B0DC-28E4C1D9FF3C}" srcOrd="0" destOrd="0" parTransId="{6301FC5E-3E06-401B-B15E-9ABE78353AD5}" sibTransId="{EB8E0860-9A7E-4EFC-AF64-8E02A02D8DED}"/>
+    <dgm:cxn modelId="{F94769A5-0A79-4B9C-A765-235F500401F5}" type="presOf" srcId="{AC395F03-F456-4DE2-8004-81FC65E4291B}" destId="{945715E5-A15F-4EB3-A663-C007B3F9427F}" srcOrd="0" destOrd="0" presId="urn:microsoft.com/office/officeart/2005/8/layout/hChevron3"/>
+    <dgm:cxn modelId="{B360FEB2-E387-422D-9A1D-80142821220D}" srcId="{887DFC68-0DF8-4CAF-AC26-5D2F76A9B168}" destId="{16C91B15-B722-488A-98C6-417082CB9FFD}" srcOrd="1" destOrd="0" parTransId="{EC2C6214-D139-47AE-BC37-1E5ED0D4E149}" sibTransId="{0F6ECBE2-F247-4D3E-B30B-D42F9820C27F}"/>
+    <dgm:cxn modelId="{D2DD84BE-D710-4883-AAF3-3550FC696F3B}" srcId="{E07514EE-35D1-43D7-B4A9-77E6A51CFDC7}" destId="{D29E88E0-7C36-40FD-B9DA-097B8966F5E8}" srcOrd="1" destOrd="0" parTransId="{D95B2AA9-0970-4DBF-8746-66B9A9DAF226}" sibTransId="{6EAB8013-9506-4659-86AA-7F8B142A26D0}"/>
+    <dgm:cxn modelId="{38E993C3-DD90-479F-8092-7A29F779561A}" type="presOf" srcId="{F80438B4-C1CA-4352-AD1A-237AAAC60D72}" destId="{306CC7D4-86B5-4735-96EF-90B4573CD7CA}" srcOrd="0" destOrd="0" presId="urn:microsoft.com/office/officeart/2005/8/layout/hChevron3"/>
+    <dgm:cxn modelId="{52CA9FC3-3D49-4C5E-86A8-DB22CC4BC972}" type="presOf" srcId="{29297AEF-8659-4B29-BF60-AA47593D8008}" destId="{08780306-792E-4891-800E-003C8CABE436}" srcOrd="0" destOrd="0" presId="urn:microsoft.com/office/officeart/2005/8/layout/hChevron3"/>
+    <dgm:cxn modelId="{E83D2DD1-AAD9-41D2-B124-1168C9A805F1}" type="presOf" srcId="{52837896-590A-48FC-9EBF-4F07435C235F}" destId="{B203C465-15F1-48BB-B76C-A1C08EA2DB95}" srcOrd="0" destOrd="0" presId="urn:microsoft.com/office/officeart/2005/8/layout/hChevron3"/>
+    <dgm:cxn modelId="{E890F6D8-A125-4765-9DE4-408A2FB52E19}" type="presOf" srcId="{7D6372B8-D4BB-4A9A-ADA4-98F81D363F79}" destId="{F73A1A33-9B7A-451E-AC5A-7E10F06FB1D8}" srcOrd="0" destOrd="4" presId="urn:microsoft.com/office/officeart/2005/8/layout/hChevron3"/>
+    <dgm:cxn modelId="{3C1920DE-6044-426F-94BC-7E19F9404CE5}" srcId="{16C91B15-B722-488A-98C6-417082CB9FFD}" destId="{6993D8EE-0DC4-4A16-BCEF-D0001D378C66}" srcOrd="2" destOrd="0" parTransId="{F47E1D75-6391-4C41-8DD8-792FBEBBBE81}" sibTransId="{227168F0-3843-4FB3-BF10-95457AB1A794}"/>
+    <dgm:cxn modelId="{F1FE82DF-52BB-411E-ADD0-D578E76B04C6}" srcId="{52837896-590A-48FC-9EBF-4F07435C235F}" destId="{2C7AB860-542D-428F-A285-A1FCF5ABC8B5}" srcOrd="0" destOrd="0" parTransId="{41940949-5659-442C-A376-E768661A5F3C}" sibTransId="{4B3DD3BE-0EBF-4951-BA2C-C7158A0D757A}"/>
+    <dgm:cxn modelId="{9F631EE1-985C-4B1F-8CB4-D8C07E15CCF3}" srcId="{AC395F03-F456-4DE2-8004-81FC65E4291B}" destId="{887DFC68-0DF8-4CAF-AC26-5D2F76A9B168}" srcOrd="0" destOrd="0" parTransId="{12EBCE00-85B3-4802-840E-73E9BF94E9C6}" sibTransId="{D7C573E0-B999-4D12-A97B-1022A8923D64}"/>
+    <dgm:cxn modelId="{9582E8ED-D1F0-41EB-8740-1CB6B6FE6784}" type="presOf" srcId="{923A6405-E436-47F5-A7F5-27C4CE9C384B}" destId="{B203C465-15F1-48BB-B76C-A1C08EA2DB95}" srcOrd="0" destOrd="2" presId="urn:microsoft.com/office/officeart/2005/8/layout/hChevron3"/>
+    <dgm:cxn modelId="{BDD253EE-C49F-4A5F-88CA-A29AC80262EB}" srcId="{52837896-590A-48FC-9EBF-4F07435C235F}" destId="{923A6405-E436-47F5-A7F5-27C4CE9C384B}" srcOrd="1" destOrd="0" parTransId="{F8EC0792-251B-4636-B778-20B50F983C93}" sibTransId="{C01B3C5D-5CBC-4AB4-B2A6-0C9026A81471}"/>
+    <dgm:cxn modelId="{7E44F6FF-F64B-4354-A52E-EDCEB4E00967}" srcId="{16C91B15-B722-488A-98C6-417082CB9FFD}" destId="{7D6372B8-D4BB-4A9A-ADA4-98F81D363F79}" srcOrd="1" destOrd="0" parTransId="{1DB1DF9B-0B0C-44E6-AFB4-27554F48B45C}" sibTransId="{6763910C-CC87-4EBC-BCBC-153512D6C2C9}"/>
+    <dgm:cxn modelId="{C44E3EF0-329A-489E-BD1C-47731653CBCE}" type="presParOf" srcId="{945715E5-A15F-4EB3-A663-C007B3F9427F}" destId="{F73A1A33-9B7A-451E-AC5A-7E10F06FB1D8}" srcOrd="0" destOrd="0" presId="urn:microsoft.com/office/officeart/2005/8/layout/hChevron3"/>
+    <dgm:cxn modelId="{C2C922B4-D779-4C29-9087-60F0A694AC19}" type="presParOf" srcId="{945715E5-A15F-4EB3-A663-C007B3F9427F}" destId="{12C468E0-39D3-4544-B08D-4DF7956A891A}" srcOrd="1" destOrd="0" presId="urn:microsoft.com/office/officeart/2005/8/layout/hChevron3"/>
+    <dgm:cxn modelId="{89DC9A52-6DFE-43F2-BEAF-32CB0EEB9093}" type="presParOf" srcId="{945715E5-A15F-4EB3-A663-C007B3F9427F}" destId="{08780306-792E-4891-800E-003C8CABE436}" srcOrd="2" destOrd="0" presId="urn:microsoft.com/office/officeart/2005/8/layout/hChevron3"/>
+    <dgm:cxn modelId="{5F7945B8-8EB3-4B4F-A1AA-FF95B68A649C}" type="presParOf" srcId="{945715E5-A15F-4EB3-A663-C007B3F9427F}" destId="{405A9B52-DD2F-4DBC-AD3C-37F3F7E52D14}" srcOrd="3" destOrd="0" presId="urn:microsoft.com/office/officeart/2005/8/layout/hChevron3"/>
+    <dgm:cxn modelId="{9B3EF4E5-65C9-450E-80C3-757F1C1A25A8}" type="presParOf" srcId="{945715E5-A15F-4EB3-A663-C007B3F9427F}" destId="{306CC7D4-86B5-4735-96EF-90B4573CD7CA}" srcOrd="4" destOrd="0" presId="urn:microsoft.com/office/officeart/2005/8/layout/hChevron3"/>
+    <dgm:cxn modelId="{21643581-A4A9-43B1-927D-5F080D7C15A8}" type="presParOf" srcId="{945715E5-A15F-4EB3-A663-C007B3F9427F}" destId="{94571ED2-51E6-4811-A1EC-62F879EDF7DD}" srcOrd="5" destOrd="0" presId="urn:microsoft.com/office/officeart/2005/8/layout/hChevron3"/>
+    <dgm:cxn modelId="{C8AE95CE-0A1B-4449-91D8-43D7486C45C2}" type="presParOf" srcId="{945715E5-A15F-4EB3-A663-C007B3F9427F}" destId="{B203C465-15F1-48BB-B76C-A1C08EA2DB95}" srcOrd="6" destOrd="0" presId="urn:microsoft.com/office/officeart/2005/8/layout/hChevron3"/>
+  </dgm:cxnLst>
+  <dgm:bg/>
+  <dgm:whole/>
+  <dgm:extLst>
+    <a:ext uri="http://schemas.microsoft.com/office/drawing/2008/diagram">
+      <dsp:dataModelExt xmlns:dsp="http://schemas.microsoft.com/office/drawing/2008/diagram" relId="rId6" minVer="http://schemas.openxmlformats.org/drawingml/2006/diagram"/>
+    </a:ext>
+  </dgm:extLst>
+</dgm:dataModel>
+</file>
+
 <file path=ppt/diagrams/drawing1.xml><?xml version="1.0" encoding="utf-8"?>
 <dsp:drawing xmlns:dgm="http://schemas.openxmlformats.org/drawingml/2006/diagram" xmlns:dsp="http://schemas.microsoft.com/office/drawing/2008/diagram" xmlns:a="http://schemas.openxmlformats.org/drawingml/2006/main">
   <dsp:spTree>
@@ -3663,6 +5332,623 @@
 </dsp:drawing>
 </file>
 
+<file path=ppt/diagrams/drawing2.xml><?xml version="1.0" encoding="utf-8"?>
+<dsp:drawing xmlns:dgm="http://schemas.openxmlformats.org/drawingml/2006/diagram" xmlns:dsp="http://schemas.microsoft.com/office/drawing/2008/diagram" xmlns:a="http://schemas.openxmlformats.org/drawingml/2006/main">
+  <dsp:spTree>
+    <dsp:nvGrpSpPr>
+      <dsp:cNvPr id="0" name=""/>
+      <dsp:cNvGrpSpPr/>
+    </dsp:nvGrpSpPr>
+    <dsp:grpSpPr/>
+    <dsp:sp modelId="{F73A1A33-9B7A-451E-AC5A-7E10F06FB1D8}">
+      <dsp:nvSpPr>
+        <dsp:cNvPr id="0" name=""/>
+        <dsp:cNvSpPr/>
+      </dsp:nvSpPr>
+      <dsp:spPr>
+        <a:xfrm>
+          <a:off x="3212" y="514467"/>
+          <a:ext cx="3223134" cy="2578507"/>
+        </a:xfrm>
+        <a:prstGeom prst="homePlate">
+          <a:avLst>
+            <a:gd name="adj" fmla="val 25000"/>
+          </a:avLst>
+        </a:prstGeom>
+        <a:solidFill>
+          <a:schemeClr val="accent1">
+            <a:hueOff val="0"/>
+            <a:satOff val="0"/>
+            <a:lumOff val="0"/>
+            <a:alphaOff val="0"/>
+          </a:schemeClr>
+        </a:solidFill>
+        <a:ln w="15875" cap="rnd" cmpd="sng" algn="ctr">
+          <a:solidFill>
+            <a:schemeClr val="lt1">
+              <a:hueOff val="0"/>
+              <a:satOff val="0"/>
+              <a:lumOff val="0"/>
+              <a:alphaOff val="0"/>
+            </a:schemeClr>
+          </a:solidFill>
+          <a:prstDash val="solid"/>
+        </a:ln>
+        <a:effectLst/>
+      </dsp:spPr>
+      <dsp:style>
+        <a:lnRef idx="2">
+          <a:scrgbClr r="0" g="0" b="0"/>
+        </a:lnRef>
+        <a:fillRef idx="1">
+          <a:scrgbClr r="0" g="0" b="0"/>
+        </a:fillRef>
+        <a:effectRef idx="0">
+          <a:scrgbClr r="0" g="0" b="0"/>
+        </a:effectRef>
+        <a:fontRef idx="minor">
+          <a:schemeClr val="lt1"/>
+        </a:fontRef>
+      </dsp:style>
+      <dsp:txBody>
+        <a:bodyPr spcFirstLastPara="0" vert="horz" wrap="square" lIns="113705" tIns="60960" rIns="454820" bIns="60960" numCol="1" spcCol="1270" anchor="t" anchorCtr="0">
+          <a:noAutofit/>
+        </a:bodyPr>
+        <a:lstStyle/>
+        <a:p>
+          <a:pPr marL="0" lvl="0" indent="0" algn="l" defTabSz="1066800">
+            <a:lnSpc>
+              <a:spcPct val="90000"/>
+            </a:lnSpc>
+            <a:spcBef>
+              <a:spcPct val="0"/>
+            </a:spcBef>
+            <a:spcAft>
+              <a:spcPct val="35000"/>
+            </a:spcAft>
+            <a:buNone/>
+          </a:pPr>
+          <a:r>
+            <a:rPr lang="en-US" sz="2400" kern="1200" dirty="0"/>
+            <a:t>Weeks 1–4</a:t>
+          </a:r>
+        </a:p>
+        <a:p>
+          <a:pPr marL="228600" lvl="1" indent="-228600" algn="l" defTabSz="933450">
+            <a:lnSpc>
+              <a:spcPct val="90000"/>
+            </a:lnSpc>
+            <a:spcBef>
+              <a:spcPct val="0"/>
+            </a:spcBef>
+            <a:spcAft>
+              <a:spcPct val="15000"/>
+            </a:spcAft>
+            <a:buChar char="•"/>
+          </a:pPr>
+          <a:r>
+            <a:rPr lang="en-US" sz="2100" kern="1200" dirty="0"/>
+            <a:t>Player</a:t>
+          </a:r>
+        </a:p>
+        <a:p>
+          <a:pPr marL="228600" lvl="1" indent="-228600" algn="l" defTabSz="933450">
+            <a:lnSpc>
+              <a:spcPct val="90000"/>
+            </a:lnSpc>
+            <a:spcBef>
+              <a:spcPct val="0"/>
+            </a:spcBef>
+            <a:spcAft>
+              <a:spcPct val="15000"/>
+            </a:spcAft>
+            <a:buChar char="•"/>
+          </a:pPr>
+          <a:r>
+            <a:rPr lang="en-US" sz="2100" kern="1200" dirty="0"/>
+            <a:t>Systems</a:t>
+          </a:r>
+        </a:p>
+        <a:p>
+          <a:pPr marL="457200" lvl="2" indent="-228600" algn="l" defTabSz="933450">
+            <a:lnSpc>
+              <a:spcPct val="90000"/>
+            </a:lnSpc>
+            <a:spcBef>
+              <a:spcPct val="0"/>
+            </a:spcBef>
+            <a:spcAft>
+              <a:spcPct val="15000"/>
+            </a:spcAft>
+            <a:buChar char="•"/>
+          </a:pPr>
+          <a:r>
+            <a:rPr lang="en-US" sz="2100" kern="1200" dirty="0"/>
+            <a:t>Pathfinding</a:t>
+          </a:r>
+        </a:p>
+        <a:p>
+          <a:pPr marL="457200" lvl="2" indent="-228600" algn="l" defTabSz="933450">
+            <a:lnSpc>
+              <a:spcPct val="90000"/>
+            </a:lnSpc>
+            <a:spcBef>
+              <a:spcPct val="0"/>
+            </a:spcBef>
+            <a:spcAft>
+              <a:spcPct val="15000"/>
+            </a:spcAft>
+            <a:buChar char="•"/>
+          </a:pPr>
+          <a:r>
+            <a:rPr lang="en-US" sz="2100" kern="1200" dirty="0"/>
+            <a:t>Combat</a:t>
+          </a:r>
+        </a:p>
+        <a:p>
+          <a:pPr marL="457200" lvl="2" indent="-228600" algn="l" defTabSz="933450">
+            <a:lnSpc>
+              <a:spcPct val="90000"/>
+            </a:lnSpc>
+            <a:spcBef>
+              <a:spcPct val="0"/>
+            </a:spcBef>
+            <a:spcAft>
+              <a:spcPct val="15000"/>
+            </a:spcAft>
+            <a:buChar char="•"/>
+          </a:pPr>
+          <a:r>
+            <a:rPr lang="en-US" sz="2100" kern="1200" dirty="0"/>
+            <a:t>Inventory</a:t>
+          </a:r>
+        </a:p>
+      </dsp:txBody>
+      <dsp:txXfrm>
+        <a:off x="3212" y="514467"/>
+        <a:ext cx="2900821" cy="2578507"/>
+      </dsp:txXfrm>
+    </dsp:sp>
+    <dsp:sp modelId="{08780306-792E-4891-800E-003C8CABE436}">
+      <dsp:nvSpPr>
+        <dsp:cNvPr id="0" name=""/>
+        <dsp:cNvSpPr/>
+      </dsp:nvSpPr>
+      <dsp:spPr>
+        <a:xfrm>
+          <a:off x="2581720" y="514467"/>
+          <a:ext cx="3223134" cy="2578507"/>
+        </a:xfrm>
+        <a:prstGeom prst="chevron">
+          <a:avLst>
+            <a:gd name="adj" fmla="val 25000"/>
+          </a:avLst>
+        </a:prstGeom>
+        <a:solidFill>
+          <a:schemeClr val="accent1">
+            <a:hueOff val="0"/>
+            <a:satOff val="0"/>
+            <a:lumOff val="0"/>
+            <a:alphaOff val="0"/>
+          </a:schemeClr>
+        </a:solidFill>
+        <a:ln w="15875" cap="rnd" cmpd="sng" algn="ctr">
+          <a:solidFill>
+            <a:schemeClr val="lt1">
+              <a:hueOff val="0"/>
+              <a:satOff val="0"/>
+              <a:lumOff val="0"/>
+              <a:alphaOff val="0"/>
+            </a:schemeClr>
+          </a:solidFill>
+          <a:prstDash val="solid"/>
+        </a:ln>
+        <a:effectLst/>
+      </dsp:spPr>
+      <dsp:style>
+        <a:lnRef idx="2">
+          <a:scrgbClr r="0" g="0" b="0"/>
+        </a:lnRef>
+        <a:fillRef idx="1">
+          <a:scrgbClr r="0" g="0" b="0"/>
+        </a:fillRef>
+        <a:effectRef idx="0">
+          <a:scrgbClr r="0" g="0" b="0"/>
+        </a:effectRef>
+        <a:fontRef idx="minor">
+          <a:schemeClr val="lt1"/>
+        </a:fontRef>
+      </dsp:style>
+      <dsp:txBody>
+        <a:bodyPr spcFirstLastPara="0" vert="horz" wrap="square" lIns="113705" tIns="60960" rIns="113705" bIns="60960" numCol="1" spcCol="1270" anchor="t" anchorCtr="0">
+          <a:noAutofit/>
+        </a:bodyPr>
+        <a:lstStyle/>
+        <a:p>
+          <a:pPr marL="0" lvl="0" indent="0" algn="l" defTabSz="1066800">
+            <a:lnSpc>
+              <a:spcPct val="90000"/>
+            </a:lnSpc>
+            <a:spcBef>
+              <a:spcPct val="0"/>
+            </a:spcBef>
+            <a:spcAft>
+              <a:spcPct val="35000"/>
+            </a:spcAft>
+            <a:buNone/>
+          </a:pPr>
+          <a:r>
+            <a:rPr lang="en-US" sz="2400" kern="1200" dirty="0"/>
+            <a:t>Weeks 5–8 </a:t>
+          </a:r>
+        </a:p>
+        <a:p>
+          <a:pPr marL="228600" lvl="1" indent="-228600" algn="l" defTabSz="933450">
+            <a:lnSpc>
+              <a:spcPct val="90000"/>
+            </a:lnSpc>
+            <a:spcBef>
+              <a:spcPct val="0"/>
+            </a:spcBef>
+            <a:spcAft>
+              <a:spcPct val="15000"/>
+            </a:spcAft>
+            <a:buChar char="•"/>
+          </a:pPr>
+          <a:r>
+            <a:rPr lang="en-US" sz="2100" kern="1200" dirty="0"/>
+            <a:t>Castle</a:t>
+          </a:r>
+        </a:p>
+        <a:p>
+          <a:pPr marL="457200" lvl="2" indent="-228600" algn="l" defTabSz="933450">
+            <a:lnSpc>
+              <a:spcPct val="90000"/>
+            </a:lnSpc>
+            <a:spcBef>
+              <a:spcPct val="0"/>
+            </a:spcBef>
+            <a:spcAft>
+              <a:spcPct val="15000"/>
+            </a:spcAft>
+            <a:buChar char="•"/>
+          </a:pPr>
+          <a:r>
+            <a:rPr lang="en-US" sz="2100" kern="1200" dirty="0"/>
+            <a:t>Monsters</a:t>
+          </a:r>
+        </a:p>
+        <a:p>
+          <a:pPr marL="457200" lvl="2" indent="-228600" algn="l" defTabSz="933450">
+            <a:lnSpc>
+              <a:spcPct val="90000"/>
+            </a:lnSpc>
+            <a:spcBef>
+              <a:spcPct val="0"/>
+            </a:spcBef>
+            <a:spcAft>
+              <a:spcPct val="15000"/>
+            </a:spcAft>
+            <a:buChar char="•"/>
+          </a:pPr>
+          <a:r>
+            <a:rPr lang="en-US" sz="2100" kern="1200" dirty="0"/>
+            <a:t>Level</a:t>
+          </a:r>
+        </a:p>
+        <a:p>
+          <a:pPr marL="457200" lvl="2" indent="-228600" algn="l" defTabSz="933450">
+            <a:lnSpc>
+              <a:spcPct val="90000"/>
+            </a:lnSpc>
+            <a:spcBef>
+              <a:spcPct val="0"/>
+            </a:spcBef>
+            <a:spcAft>
+              <a:spcPct val="15000"/>
+            </a:spcAft>
+            <a:buChar char="•"/>
+          </a:pPr>
+          <a:r>
+            <a:rPr lang="en-US" sz="2100" kern="1200" dirty="0"/>
+            <a:t>Puzzles</a:t>
+          </a:r>
+        </a:p>
+      </dsp:txBody>
+      <dsp:txXfrm>
+        <a:off x="3226347" y="514467"/>
+        <a:ext cx="1933880" cy="2578507"/>
+      </dsp:txXfrm>
+    </dsp:sp>
+    <dsp:sp modelId="{306CC7D4-86B5-4735-96EF-90B4573CD7CA}">
+      <dsp:nvSpPr>
+        <dsp:cNvPr id="0" name=""/>
+        <dsp:cNvSpPr/>
+      </dsp:nvSpPr>
+      <dsp:spPr>
+        <a:xfrm>
+          <a:off x="5160228" y="514467"/>
+          <a:ext cx="3223134" cy="2578507"/>
+        </a:xfrm>
+        <a:prstGeom prst="chevron">
+          <a:avLst>
+            <a:gd name="adj" fmla="val 25000"/>
+          </a:avLst>
+        </a:prstGeom>
+        <a:solidFill>
+          <a:schemeClr val="accent1">
+            <a:hueOff val="0"/>
+            <a:satOff val="0"/>
+            <a:lumOff val="0"/>
+            <a:alphaOff val="0"/>
+          </a:schemeClr>
+        </a:solidFill>
+        <a:ln w="15875" cap="rnd" cmpd="sng" algn="ctr">
+          <a:solidFill>
+            <a:schemeClr val="lt1">
+              <a:hueOff val="0"/>
+              <a:satOff val="0"/>
+              <a:lumOff val="0"/>
+              <a:alphaOff val="0"/>
+            </a:schemeClr>
+          </a:solidFill>
+          <a:prstDash val="solid"/>
+        </a:ln>
+        <a:effectLst/>
+      </dsp:spPr>
+      <dsp:style>
+        <a:lnRef idx="2">
+          <a:scrgbClr r="0" g="0" b="0"/>
+        </a:lnRef>
+        <a:fillRef idx="1">
+          <a:scrgbClr r="0" g="0" b="0"/>
+        </a:fillRef>
+        <a:effectRef idx="0">
+          <a:scrgbClr r="0" g="0" b="0"/>
+        </a:effectRef>
+        <a:fontRef idx="minor">
+          <a:schemeClr val="lt1"/>
+        </a:fontRef>
+      </dsp:style>
+      <dsp:txBody>
+        <a:bodyPr spcFirstLastPara="0" vert="horz" wrap="square" lIns="113705" tIns="60960" rIns="113705" bIns="60960" numCol="1" spcCol="1270" anchor="t" anchorCtr="0">
+          <a:noAutofit/>
+        </a:bodyPr>
+        <a:lstStyle/>
+        <a:p>
+          <a:pPr marL="0" lvl="0" indent="0" algn="l" defTabSz="1066800">
+            <a:lnSpc>
+              <a:spcPct val="90000"/>
+            </a:lnSpc>
+            <a:spcBef>
+              <a:spcPct val="0"/>
+            </a:spcBef>
+            <a:spcAft>
+              <a:spcPct val="35000"/>
+            </a:spcAft>
+            <a:buNone/>
+          </a:pPr>
+          <a:r>
+            <a:rPr lang="en-US" sz="2400" kern="1200" dirty="0"/>
+            <a:t>Weeks 9-12</a:t>
+          </a:r>
+        </a:p>
+        <a:p>
+          <a:pPr marL="228600" lvl="1" indent="-228600" algn="l" defTabSz="933450">
+            <a:lnSpc>
+              <a:spcPct val="90000"/>
+            </a:lnSpc>
+            <a:spcBef>
+              <a:spcPct val="0"/>
+            </a:spcBef>
+            <a:spcAft>
+              <a:spcPct val="15000"/>
+            </a:spcAft>
+            <a:buChar char="•"/>
+          </a:pPr>
+          <a:r>
+            <a:rPr lang="en-US" sz="2100" kern="1200" dirty="0"/>
+            <a:t>Catacombs</a:t>
+          </a:r>
+        </a:p>
+        <a:p>
+          <a:pPr marL="457200" lvl="2" indent="-228600" algn="l" defTabSz="933450">
+            <a:lnSpc>
+              <a:spcPct val="90000"/>
+            </a:lnSpc>
+            <a:spcBef>
+              <a:spcPct val="0"/>
+            </a:spcBef>
+            <a:spcAft>
+              <a:spcPct val="15000"/>
+            </a:spcAft>
+            <a:buChar char="•"/>
+          </a:pPr>
+          <a:r>
+            <a:rPr lang="en-US" sz="2100" kern="1200" dirty="0"/>
+            <a:t>Monsters</a:t>
+          </a:r>
+        </a:p>
+        <a:p>
+          <a:pPr marL="457200" lvl="2" indent="-228600" algn="l" defTabSz="933450">
+            <a:lnSpc>
+              <a:spcPct val="90000"/>
+            </a:lnSpc>
+            <a:spcBef>
+              <a:spcPct val="0"/>
+            </a:spcBef>
+            <a:spcAft>
+              <a:spcPct val="15000"/>
+            </a:spcAft>
+            <a:buChar char="•"/>
+          </a:pPr>
+          <a:r>
+            <a:rPr lang="en-US" sz="2100" kern="1200" dirty="0"/>
+            <a:t>Level</a:t>
+          </a:r>
+        </a:p>
+        <a:p>
+          <a:pPr marL="457200" lvl="2" indent="-228600" algn="l" defTabSz="933450">
+            <a:lnSpc>
+              <a:spcPct val="90000"/>
+            </a:lnSpc>
+            <a:spcBef>
+              <a:spcPct val="0"/>
+            </a:spcBef>
+            <a:spcAft>
+              <a:spcPct val="15000"/>
+            </a:spcAft>
+            <a:buChar char="•"/>
+          </a:pPr>
+          <a:r>
+            <a:rPr lang="en-US" sz="2100" kern="1200" dirty="0"/>
+            <a:t>Puzzles</a:t>
+          </a:r>
+          <a:endParaRPr lang="en-US" sz="2400" kern="1200" dirty="0"/>
+        </a:p>
+      </dsp:txBody>
+      <dsp:txXfrm>
+        <a:off x="5804855" y="514467"/>
+        <a:ext cx="1933880" cy="2578507"/>
+      </dsp:txXfrm>
+    </dsp:sp>
+    <dsp:sp modelId="{B203C465-15F1-48BB-B76C-A1C08EA2DB95}">
+      <dsp:nvSpPr>
+        <dsp:cNvPr id="0" name=""/>
+        <dsp:cNvSpPr/>
+      </dsp:nvSpPr>
+      <dsp:spPr>
+        <a:xfrm>
+          <a:off x="7738735" y="514467"/>
+          <a:ext cx="3223134" cy="2578507"/>
+        </a:xfrm>
+        <a:prstGeom prst="chevron">
+          <a:avLst>
+            <a:gd name="adj" fmla="val 25000"/>
+          </a:avLst>
+        </a:prstGeom>
+        <a:solidFill>
+          <a:schemeClr val="accent1">
+            <a:hueOff val="0"/>
+            <a:satOff val="0"/>
+            <a:lumOff val="0"/>
+            <a:alphaOff val="0"/>
+          </a:schemeClr>
+        </a:solidFill>
+        <a:ln w="15875" cap="rnd" cmpd="sng" algn="ctr">
+          <a:solidFill>
+            <a:schemeClr val="lt1">
+              <a:hueOff val="0"/>
+              <a:satOff val="0"/>
+              <a:lumOff val="0"/>
+              <a:alphaOff val="0"/>
+            </a:schemeClr>
+          </a:solidFill>
+          <a:prstDash val="solid"/>
+        </a:ln>
+        <a:effectLst/>
+      </dsp:spPr>
+      <dsp:style>
+        <a:lnRef idx="2">
+          <a:scrgbClr r="0" g="0" b="0"/>
+        </a:lnRef>
+        <a:fillRef idx="1">
+          <a:scrgbClr r="0" g="0" b="0"/>
+        </a:fillRef>
+        <a:effectRef idx="0">
+          <a:scrgbClr r="0" g="0" b="0"/>
+        </a:effectRef>
+        <a:fontRef idx="minor">
+          <a:schemeClr val="lt1"/>
+        </a:fontRef>
+      </dsp:style>
+      <dsp:txBody>
+        <a:bodyPr spcFirstLastPara="0" vert="horz" wrap="square" lIns="113705" tIns="50800" rIns="113705" bIns="50800" numCol="1" spcCol="1270" anchor="t" anchorCtr="0">
+          <a:noAutofit/>
+        </a:bodyPr>
+        <a:lstStyle/>
+        <a:p>
+          <a:pPr marL="0" lvl="0" indent="0" algn="l" defTabSz="889000">
+            <a:lnSpc>
+              <a:spcPct val="90000"/>
+            </a:lnSpc>
+            <a:spcBef>
+              <a:spcPct val="0"/>
+            </a:spcBef>
+            <a:spcAft>
+              <a:spcPct val="35000"/>
+            </a:spcAft>
+            <a:buNone/>
+          </a:pPr>
+          <a:r>
+            <a:rPr lang="en-US" sz="2000" kern="1200" dirty="0"/>
+            <a:t>Weeks 13-16</a:t>
+          </a:r>
+        </a:p>
+        <a:p>
+          <a:pPr marL="228600" lvl="1" indent="-228600" algn="l" defTabSz="889000">
+            <a:lnSpc>
+              <a:spcPct val="90000"/>
+            </a:lnSpc>
+            <a:spcBef>
+              <a:spcPct val="0"/>
+            </a:spcBef>
+            <a:spcAft>
+              <a:spcPct val="15000"/>
+            </a:spcAft>
+            <a:buChar char="•"/>
+          </a:pPr>
+          <a:r>
+            <a:rPr lang="en-US" sz="2000" kern="1200" dirty="0"/>
+            <a:t>Storyline</a:t>
+          </a:r>
+        </a:p>
+        <a:p>
+          <a:pPr marL="228600" lvl="1" indent="-228600" algn="l" defTabSz="889000">
+            <a:lnSpc>
+              <a:spcPct val="90000"/>
+            </a:lnSpc>
+            <a:spcBef>
+              <a:spcPct val="0"/>
+            </a:spcBef>
+            <a:spcAft>
+              <a:spcPct val="15000"/>
+            </a:spcAft>
+            <a:buChar char="•"/>
+          </a:pPr>
+          <a:r>
+            <a:rPr lang="en-US" sz="2000" kern="1200" dirty="0"/>
+            <a:t>Refinement</a:t>
+          </a:r>
+        </a:p>
+        <a:p>
+          <a:pPr marL="228600" lvl="1" indent="-228600" algn="l" defTabSz="889000">
+            <a:lnSpc>
+              <a:spcPct val="90000"/>
+            </a:lnSpc>
+            <a:spcBef>
+              <a:spcPct val="0"/>
+            </a:spcBef>
+            <a:spcAft>
+              <a:spcPct val="15000"/>
+            </a:spcAft>
+            <a:buChar char="•"/>
+          </a:pPr>
+          <a:r>
+            <a:rPr lang="en-US" sz="2000" kern="1200" dirty="0"/>
+            <a:t>Testing</a:t>
+          </a:r>
+        </a:p>
+      </dsp:txBody>
+      <dsp:txXfrm>
+        <a:off x="8383362" y="514467"/>
+        <a:ext cx="1933880" cy="2578507"/>
+      </dsp:txXfrm>
+    </dsp:sp>
+  </dsp:spTree>
+</dsp:drawing>
+</file>
+
 <file path=ppt/diagrams/layout1.xml><?xml version="1.0" encoding="utf-8"?>
 <dgm:layoutDef xmlns:dgm="http://schemas.openxmlformats.org/drawingml/2006/diagram" xmlns:a="http://schemas.openxmlformats.org/drawingml/2006/main" uniqueId="urn:microsoft.com/office/officeart/2005/8/layout/chevron1">
   <dgm:title val=""/>
@@ -3946,7 +6232,1313 @@
 </dgm:layoutDef>
 </file>
 
+<file path=ppt/diagrams/layout2.xml><?xml version="1.0" encoding="utf-8"?>
+<dgm:layoutDef xmlns:dgm="http://schemas.openxmlformats.org/drawingml/2006/diagram" xmlns:a="http://schemas.openxmlformats.org/drawingml/2006/main" uniqueId="urn:microsoft.com/office/officeart/2005/8/layout/hChevron3">
+  <dgm:title val=""/>
+  <dgm:desc val=""/>
+  <dgm:catLst>
+    <dgm:cat type="process" pri="10000"/>
+  </dgm:catLst>
+  <dgm:sampData useDef="1">
+    <dgm:dataModel>
+      <dgm:ptLst/>
+      <dgm:bg/>
+      <dgm:whole/>
+    </dgm:dataModel>
+  </dgm:sampData>
+  <dgm:styleData>
+    <dgm:dataModel>
+      <dgm:ptLst>
+        <dgm:pt modelId="0" type="doc"/>
+        <dgm:pt modelId="1"/>
+        <dgm:pt modelId="2"/>
+      </dgm:ptLst>
+      <dgm:cxnLst>
+        <dgm:cxn modelId="3" srcId="0" destId="1" srcOrd="0" destOrd="0"/>
+        <dgm:cxn modelId="4" srcId="0" destId="2" srcOrd="1" destOrd="0"/>
+      </dgm:cxnLst>
+      <dgm:bg/>
+      <dgm:whole/>
+    </dgm:dataModel>
+  </dgm:styleData>
+  <dgm:clrData>
+    <dgm:dataModel>
+      <dgm:ptLst>
+        <dgm:pt modelId="0" type="doc"/>
+        <dgm:pt modelId="1"/>
+        <dgm:pt modelId="2"/>
+        <dgm:pt modelId="3"/>
+        <dgm:pt modelId="4"/>
+      </dgm:ptLst>
+      <dgm:cxnLst>
+        <dgm:cxn modelId="5" srcId="0" destId="1" srcOrd="0" destOrd="0"/>
+        <dgm:cxn modelId="6" srcId="0" destId="2" srcOrd="1" destOrd="0"/>
+        <dgm:cxn modelId="7" srcId="0" destId="3" srcOrd="2" destOrd="0"/>
+        <dgm:cxn modelId="8" srcId="0" destId="4" srcOrd="3" destOrd="0"/>
+      </dgm:cxnLst>
+      <dgm:bg/>
+      <dgm:whole/>
+    </dgm:dataModel>
+  </dgm:clrData>
+  <dgm:layoutNode name="Name0">
+    <dgm:varLst>
+      <dgm:dir/>
+      <dgm:resizeHandles val="exact"/>
+    </dgm:varLst>
+    <dgm:choose name="Name1">
+      <dgm:if name="Name2" func="var" arg="dir" op="equ" val="norm">
+        <dgm:alg type="lin"/>
+      </dgm:if>
+      <dgm:else name="Name3">
+        <dgm:alg type="lin">
+          <dgm:param type="linDir" val="fromR"/>
+        </dgm:alg>
+      </dgm:else>
+    </dgm:choose>
+    <dgm:shape xmlns:r="http://schemas.openxmlformats.org/officeDocument/2006/relationships" r:blip="">
+      <dgm:adjLst/>
+    </dgm:shape>
+    <dgm:presOf/>
+    <dgm:choose name="Name4">
+      <dgm:if name="Name5" axis="root des" func="maxDepth" op="gte" val="2">
+        <dgm:constrLst>
+          <dgm:constr type="w" for="ch" forName="parAndChTx" refType="w"/>
+          <dgm:constr type="primFontSz" for="ch" ptType="node" op="equ"/>
+          <dgm:constr type="w" for="ch" forName="parAndChSpace" refType="w" refFor="ch" refForName="parAndChTx" fact="-0.2"/>
+          <dgm:constr type="w" for="ch" ptType="sibTrans" op="equ"/>
+        </dgm:constrLst>
+        <dgm:ruleLst/>
+        <dgm:forEach name="Name6" axis="ch" ptType="node">
+          <dgm:layoutNode name="parAndChTx">
+            <dgm:varLst>
+              <dgm:bulletEnabled val="1"/>
+            </dgm:varLst>
+            <dgm:alg type="tx"/>
+            <dgm:choose name="Name7">
+              <dgm:if name="Name8" func="var" arg="dir" op="equ" val="norm">
+                <dgm:choose name="Name9">
+                  <dgm:if name="Name10" axis="self" ptType="node" func="pos" op="equ" val="1">
+                    <dgm:shape xmlns:r="http://schemas.openxmlformats.org/officeDocument/2006/relationships" type="homePlate" r:blip="">
+                      <dgm:adjLst>
+                        <dgm:adj idx="1" val="0.25"/>
+                      </dgm:adjLst>
+                    </dgm:shape>
+                    <dgm:presOf axis="desOrSelf" ptType="node"/>
+                    <dgm:constrLst>
+                      <dgm:constr type="h" refType="w" op="equ" fact="0.8"/>
+                      <dgm:constr type="primFontSz" val="65"/>
+                      <dgm:constr type="tMarg" refType="primFontSz" fact="0.2"/>
+                      <dgm:constr type="bMarg" refType="primFontSz" fact="0.2"/>
+                      <dgm:constr type="lMarg" refType="w" fact="0.1"/>
+                      <dgm:constr type="rMarg" refType="w" fact="0.4"/>
+                    </dgm:constrLst>
+                  </dgm:if>
+                  <dgm:else name="Name11">
+                    <dgm:shape xmlns:r="http://schemas.openxmlformats.org/officeDocument/2006/relationships" type="chevron" r:blip="">
+                      <dgm:adjLst>
+                        <dgm:adj idx="1" val="0.25"/>
+                      </dgm:adjLst>
+                    </dgm:shape>
+                    <dgm:presOf axis="desOrSelf" ptType="node"/>
+                    <dgm:constrLst>
+                      <dgm:constr type="h" refType="w" op="equ" fact="0.8"/>
+                      <dgm:constr type="primFontSz" val="65"/>
+                      <dgm:constr type="tMarg" refType="primFontSz" fact="0.2"/>
+                      <dgm:constr type="bMarg" refType="primFontSz" fact="0.2"/>
+                      <dgm:constr type="lMarg" refType="w" fact="0.1"/>
+                      <dgm:constr type="rMarg" refType="w" fact="0.1"/>
+                    </dgm:constrLst>
+                  </dgm:else>
+                </dgm:choose>
+              </dgm:if>
+              <dgm:else name="Name12">
+                <dgm:choose name="Name13">
+                  <dgm:if name="Name14" axis="self" ptType="node" func="pos" op="equ" val="1">
+                    <dgm:shape xmlns:r="http://schemas.openxmlformats.org/officeDocument/2006/relationships" rot="180" type="homePlate" r:blip="">
+                      <dgm:adjLst>
+                        <dgm:adj idx="1" val="0.25"/>
+                      </dgm:adjLst>
+                    </dgm:shape>
+                    <dgm:presOf axis="desOrSelf" ptType="node"/>
+                    <dgm:constrLst>
+                      <dgm:constr type="h" refType="w" op="equ" fact="0.8"/>
+                      <dgm:constr type="primFontSz" val="65"/>
+                      <dgm:constr type="tMarg" refType="primFontSz" fact="0.2"/>
+                      <dgm:constr type="bMarg" refType="primFontSz" fact="0.2"/>
+                      <dgm:constr type="lMarg" refType="w" fact="0.4"/>
+                      <dgm:constr type="rMarg" refType="w" fact="0.1"/>
+                    </dgm:constrLst>
+                  </dgm:if>
+                  <dgm:else name="Name15">
+                    <dgm:shape xmlns:r="http://schemas.openxmlformats.org/officeDocument/2006/relationships" rot="180" type="chevron" r:blip="">
+                      <dgm:adjLst>
+                        <dgm:adj idx="1" val="0.25"/>
+                      </dgm:adjLst>
+                    </dgm:shape>
+                    <dgm:presOf axis="desOrSelf" ptType="node"/>
+                    <dgm:constrLst>
+                      <dgm:constr type="h" refType="w" op="equ" fact="0.8"/>
+                      <dgm:constr type="primFontSz" val="65"/>
+                      <dgm:constr type="tMarg" refType="primFontSz" fact="0.2"/>
+                      <dgm:constr type="bMarg" refType="primFontSz" fact="0.2"/>
+                      <dgm:constr type="lMarg" refType="w" fact="0.1"/>
+                      <dgm:constr type="rMarg" refType="w" fact="0.1"/>
+                    </dgm:constrLst>
+                  </dgm:else>
+                </dgm:choose>
+              </dgm:else>
+            </dgm:choose>
+            <dgm:ruleLst>
+              <dgm:rule type="primFontSz" val="5" fact="NaN" max="NaN"/>
+            </dgm:ruleLst>
+          </dgm:layoutNode>
+          <dgm:forEach name="Name16" axis="followSib" ptType="sibTrans" cnt="1">
+            <dgm:layoutNode name="parAndChSpace">
+              <dgm:alg type="sp"/>
+              <dgm:shape xmlns:r="http://schemas.openxmlformats.org/officeDocument/2006/relationships" r:blip="">
+                <dgm:adjLst/>
+              </dgm:shape>
+              <dgm:presOf/>
+              <dgm:constrLst/>
+              <dgm:ruleLst/>
+            </dgm:layoutNode>
+          </dgm:forEach>
+        </dgm:forEach>
+      </dgm:if>
+      <dgm:else name="Name17">
+        <dgm:constrLst>
+          <dgm:constr type="w" for="ch" forName="parTxOnly" refType="w"/>
+          <dgm:constr type="primFontSz" for="ch" ptType="node" op="equ"/>
+          <dgm:constr type="w" for="ch" forName="parSpace" refType="w" refFor="ch" refForName="parTxOnly" fact="-0.2"/>
+          <dgm:constr type="w" for="ch" ptType="sibTrans" op="equ"/>
+        </dgm:constrLst>
+        <dgm:ruleLst/>
+        <dgm:forEach name="Name18" axis="ch" ptType="node">
+          <dgm:layoutNode name="parTxOnly">
+            <dgm:varLst>
+              <dgm:bulletEnabled val="1"/>
+            </dgm:varLst>
+            <dgm:alg type="tx"/>
+            <dgm:presOf axis="desOrSelf" ptType="node"/>
+            <dgm:choose name="Name19">
+              <dgm:if name="Name20" func="var" arg="dir" op="equ" val="norm">
+                <dgm:choose name="Name21">
+                  <dgm:if name="Name22" axis="self" ptType="node" func="pos" op="equ" val="1">
+                    <dgm:shape xmlns:r="http://schemas.openxmlformats.org/officeDocument/2006/relationships" type="homePlate" r:blip="">
+                      <dgm:adjLst/>
+                    </dgm:shape>
+                    <dgm:constrLst>
+                      <dgm:constr type="h" refType="w" op="equ" fact="0.4"/>
+                      <dgm:constr type="primFontSz" val="65"/>
+                      <dgm:constr type="tMarg" refType="primFontSz" fact="0.21"/>
+                      <dgm:constr type="bMarg" refType="primFontSz" fact="0.21"/>
+                      <dgm:constr type="lMarg" refType="primFontSz" fact="0.42"/>
+                      <dgm:constr type="rMarg" refType="primFontSz" fact="0.105"/>
+                    </dgm:constrLst>
+                  </dgm:if>
+                  <dgm:else name="Name23">
+                    <dgm:shape xmlns:r="http://schemas.openxmlformats.org/officeDocument/2006/relationships" type="chevron" r:blip="">
+                      <dgm:adjLst/>
+                    </dgm:shape>
+                    <dgm:constrLst>
+                      <dgm:constr type="h" refType="w" op="equ" fact="0.4"/>
+                      <dgm:constr type="primFontSz" val="65"/>
+                      <dgm:constr type="tMarg" refType="primFontSz" fact="0.21"/>
+                      <dgm:constr type="bMarg" refType="primFontSz" fact="0.21"/>
+                      <dgm:constr type="lMarg" refType="primFontSz" fact="0.315"/>
+                      <dgm:constr type="rMarg" refType="primFontSz" fact="0.105"/>
+                    </dgm:constrLst>
+                  </dgm:else>
+                </dgm:choose>
+              </dgm:if>
+              <dgm:else name="Name24">
+                <dgm:choose name="Name25">
+                  <dgm:if name="Name26" axis="self" ptType="node" func="pos" op="equ" val="1">
+                    <dgm:shape xmlns:r="http://schemas.openxmlformats.org/officeDocument/2006/relationships" rot="180" type="homePlate" r:blip="">
+                      <dgm:adjLst/>
+                    </dgm:shape>
+                    <dgm:constrLst>
+                      <dgm:constr type="h" refType="w" op="equ" fact="0.4"/>
+                      <dgm:constr type="primFontSz" val="65"/>
+                      <dgm:constr type="tMarg" refType="primFontSz" fact="0.21"/>
+                      <dgm:constr type="bMarg" refType="primFontSz" fact="0.21"/>
+                      <dgm:constr type="lMarg" refType="primFontSz" fact="0.105"/>
+                      <dgm:constr type="rMarg" refType="primFontSz" fact="0.42"/>
+                    </dgm:constrLst>
+                  </dgm:if>
+                  <dgm:else name="Name27">
+                    <dgm:shape xmlns:r="http://schemas.openxmlformats.org/officeDocument/2006/relationships" rot="180" type="chevron" r:blip="">
+                      <dgm:adjLst/>
+                    </dgm:shape>
+                    <dgm:constrLst>
+                      <dgm:constr type="h" refType="w" op="equ" fact="0.4"/>
+                      <dgm:constr type="primFontSz" val="65"/>
+                      <dgm:constr type="tMarg" refType="primFontSz" fact="0.21"/>
+                      <dgm:constr type="bMarg" refType="primFontSz" fact="0.21"/>
+                      <dgm:constr type="lMarg" refType="primFontSz" fact="0.105"/>
+                      <dgm:constr type="rMarg" refType="primFontSz" fact="0.315"/>
+                    </dgm:constrLst>
+                  </dgm:else>
+                </dgm:choose>
+              </dgm:else>
+            </dgm:choose>
+            <dgm:ruleLst>
+              <dgm:rule type="primFontSz" val="5" fact="NaN" max="NaN"/>
+            </dgm:ruleLst>
+          </dgm:layoutNode>
+          <dgm:forEach name="Name28" axis="followSib" ptType="sibTrans" cnt="1">
+            <dgm:layoutNode name="parSpace">
+              <dgm:alg type="sp"/>
+              <dgm:shape xmlns:r="http://schemas.openxmlformats.org/officeDocument/2006/relationships" r:blip="">
+                <dgm:adjLst/>
+              </dgm:shape>
+              <dgm:presOf/>
+              <dgm:constrLst/>
+              <dgm:ruleLst/>
+            </dgm:layoutNode>
+          </dgm:forEach>
+        </dgm:forEach>
+      </dgm:else>
+    </dgm:choose>
+  </dgm:layoutNode>
+</dgm:layoutDef>
+</file>
+
 <file path=ppt/diagrams/quickStyle1.xml><?xml version="1.0" encoding="utf-8"?>
+<dgm:styleDef xmlns:dgm="http://schemas.openxmlformats.org/drawingml/2006/diagram" xmlns:a="http://schemas.openxmlformats.org/drawingml/2006/main" uniqueId="urn:microsoft.com/office/officeart/2005/8/quickstyle/simple1">
+  <dgm:title val=""/>
+  <dgm:desc val=""/>
+  <dgm:catLst>
+    <dgm:cat type="simple" pri="10100"/>
+  </dgm:catLst>
+  <dgm:scene3d>
+    <a:camera prst="orthographicFront"/>
+    <a:lightRig rig="threePt" dir="t"/>
+  </dgm:scene3d>
+  <dgm:styleLbl name="node0">
+    <dgm:scene3d>
+      <a:camera prst="orthographicFront"/>
+      <a:lightRig rig="threePt" dir="t"/>
+    </dgm:scene3d>
+    <dgm:sp3d/>
+    <dgm:txPr/>
+    <dgm:style>
+      <a:lnRef idx="2">
+        <a:scrgbClr r="0" g="0" b="0"/>
+      </a:lnRef>
+      <a:fillRef idx="1">
+        <a:scrgbClr r="0" g="0" b="0"/>
+      </a:fillRef>
+      <a:effectRef idx="0">
+        <a:scrgbClr r="0" g="0" b="0"/>
+      </a:effectRef>
+      <a:fontRef idx="minor">
+        <a:schemeClr val="lt1"/>
+      </a:fontRef>
+    </dgm:style>
+  </dgm:styleLbl>
+  <dgm:styleLbl name="lnNode1">
+    <dgm:scene3d>
+      <a:camera prst="orthographicFront"/>
+      <a:lightRig rig="threePt" dir="t"/>
+    </dgm:scene3d>
+    <dgm:sp3d/>
+    <dgm:txPr/>
+    <dgm:style>
+      <a:lnRef idx="2">
+        <a:scrgbClr r="0" g="0" b="0"/>
+      </a:lnRef>
+      <a:fillRef idx="1">
+        <a:scrgbClr r="0" g="0" b="0"/>
+      </a:fillRef>
+      <a:effectRef idx="0">
+        <a:scrgbClr r="0" g="0" b="0"/>
+      </a:effectRef>
+      <a:fontRef idx="minor">
+        <a:schemeClr val="lt1"/>
+      </a:fontRef>
+    </dgm:style>
+  </dgm:styleLbl>
+  <dgm:styleLbl name="vennNode1">
+    <dgm:scene3d>
+      <a:camera prst="orthographicFront"/>
+      <a:lightRig rig="threePt" dir="t"/>
+    </dgm:scene3d>
+    <dgm:sp3d/>
+    <dgm:txPr/>
+    <dgm:style>
+      <a:lnRef idx="2">
+        <a:scrgbClr r="0" g="0" b="0"/>
+      </a:lnRef>
+      <a:fillRef idx="1">
+        <a:scrgbClr r="0" g="0" b="0"/>
+      </a:fillRef>
+      <a:effectRef idx="0">
+        <a:scrgbClr r="0" g="0" b="0"/>
+      </a:effectRef>
+      <a:fontRef idx="minor">
+        <a:schemeClr val="tx1"/>
+      </a:fontRef>
+    </dgm:style>
+  </dgm:styleLbl>
+  <dgm:styleLbl name="alignNode1">
+    <dgm:scene3d>
+      <a:camera prst="orthographicFront"/>
+      <a:lightRig rig="threePt" dir="t"/>
+    </dgm:scene3d>
+    <dgm:sp3d/>
+    <dgm:txPr/>
+    <dgm:style>
+      <a:lnRef idx="2">
+        <a:scrgbClr r="0" g="0" b="0"/>
+      </a:lnRef>
+      <a:fillRef idx="1">
+        <a:scrgbClr r="0" g="0" b="0"/>
+      </a:fillRef>
+      <a:effectRef idx="0">
+        <a:scrgbClr r="0" g="0" b="0"/>
+      </a:effectRef>
+      <a:fontRef idx="minor">
+        <a:schemeClr val="lt1"/>
+      </a:fontRef>
+    </dgm:style>
+  </dgm:styleLbl>
+  <dgm:styleLbl name="node1">
+    <dgm:scene3d>
+      <a:camera prst="orthographicFront"/>
+      <a:lightRig rig="threePt" dir="t"/>
+    </dgm:scene3d>
+    <dgm:sp3d/>
+    <dgm:txPr/>
+    <dgm:style>
+      <a:lnRef idx="2">
+        <a:scrgbClr r="0" g="0" b="0"/>
+      </a:lnRef>
+      <a:fillRef idx="1">
+        <a:scrgbClr r="0" g="0" b="0"/>
+      </a:fillRef>
+      <a:effectRef idx="0">
+        <a:scrgbClr r="0" g="0" b="0"/>
+      </a:effectRef>
+      <a:fontRef idx="minor">
+        <a:schemeClr val="lt1"/>
+      </a:fontRef>
+    </dgm:style>
+  </dgm:styleLbl>
+  <dgm:styleLbl name="node2">
+    <dgm:scene3d>
+      <a:camera prst="orthographicFront"/>
+      <a:lightRig rig="threePt" dir="t"/>
+    </dgm:scene3d>
+    <dgm:sp3d/>
+    <dgm:txPr/>
+    <dgm:style>
+      <a:lnRef idx="2">
+        <a:scrgbClr r="0" g="0" b="0"/>
+      </a:lnRef>
+      <a:fillRef idx="1">
+        <a:scrgbClr r="0" g="0" b="0"/>
+      </a:fillRef>
+      <a:effectRef idx="0">
+        <a:scrgbClr r="0" g="0" b="0"/>
+      </a:effectRef>
+      <a:fontRef idx="minor">
+        <a:schemeClr val="lt1"/>
+      </a:fontRef>
+    </dgm:style>
+  </dgm:styleLbl>
+  <dgm:styleLbl name="node3">
+    <dgm:scene3d>
+      <a:camera prst="orthographicFront"/>
+      <a:lightRig rig="threePt" dir="t"/>
+    </dgm:scene3d>
+    <dgm:sp3d/>
+    <dgm:txPr/>
+    <dgm:style>
+      <a:lnRef idx="2">
+        <a:scrgbClr r="0" g="0" b="0"/>
+      </a:lnRef>
+      <a:fillRef idx="1">
+        <a:scrgbClr r="0" g="0" b="0"/>
+      </a:fillRef>
+      <a:effectRef idx="0">
+        <a:scrgbClr r="0" g="0" b="0"/>
+      </a:effectRef>
+      <a:fontRef idx="minor">
+        <a:schemeClr val="lt1"/>
+      </a:fontRef>
+    </dgm:style>
+  </dgm:styleLbl>
+  <dgm:styleLbl name="node4">
+    <dgm:scene3d>
+      <a:camera prst="orthographicFront"/>
+      <a:lightRig rig="threePt" dir="t"/>
+    </dgm:scene3d>
+    <dgm:sp3d/>
+    <dgm:txPr/>
+    <dgm:style>
+      <a:lnRef idx="2">
+        <a:scrgbClr r="0" g="0" b="0"/>
+      </a:lnRef>
+      <a:fillRef idx="1">
+        <a:scrgbClr r="0" g="0" b="0"/>
+      </a:fillRef>
+      <a:effectRef idx="0">
+        <a:scrgbClr r="0" g="0" b="0"/>
+      </a:effectRef>
+      <a:fontRef idx="minor">
+        <a:schemeClr val="lt1"/>
+      </a:fontRef>
+    </dgm:style>
+  </dgm:styleLbl>
+  <dgm:styleLbl name="fgImgPlace1">
+    <dgm:scene3d>
+      <a:camera prst="orthographicFront"/>
+      <a:lightRig rig="threePt" dir="t"/>
+    </dgm:scene3d>
+    <dgm:sp3d/>
+    <dgm:txPr/>
+    <dgm:style>
+      <a:lnRef idx="2">
+        <a:scrgbClr r="0" g="0" b="0"/>
+      </a:lnRef>
+      <a:fillRef idx="1">
+        <a:scrgbClr r="0" g="0" b="0"/>
+      </a:fillRef>
+      <a:effectRef idx="0">
+        <a:scrgbClr r="0" g="0" b="0"/>
+      </a:effectRef>
+      <a:fontRef idx="minor"/>
+    </dgm:style>
+  </dgm:styleLbl>
+  <dgm:styleLbl name="alignImgPlace1">
+    <dgm:scene3d>
+      <a:camera prst="orthographicFront"/>
+      <a:lightRig rig="threePt" dir="t"/>
+    </dgm:scene3d>
+    <dgm:sp3d/>
+    <dgm:txPr/>
+    <dgm:style>
+      <a:lnRef idx="2">
+        <a:scrgbClr r="0" g="0" b="0"/>
+      </a:lnRef>
+      <a:fillRef idx="1">
+        <a:scrgbClr r="0" g="0" b="0"/>
+      </a:fillRef>
+      <a:effectRef idx="0">
+        <a:scrgbClr r="0" g="0" b="0"/>
+      </a:effectRef>
+      <a:fontRef idx="minor"/>
+    </dgm:style>
+  </dgm:styleLbl>
+  <dgm:styleLbl name="bgImgPlace1">
+    <dgm:scene3d>
+      <a:camera prst="orthographicFront"/>
+      <a:lightRig rig="threePt" dir="t"/>
+    </dgm:scene3d>
+    <dgm:sp3d/>
+    <dgm:txPr/>
+    <dgm:style>
+      <a:lnRef idx="2">
+        <a:scrgbClr r="0" g="0" b="0"/>
+      </a:lnRef>
+      <a:fillRef idx="1">
+        <a:scrgbClr r="0" g="0" b="0"/>
+      </a:fillRef>
+      <a:effectRef idx="0">
+        <a:scrgbClr r="0" g="0" b="0"/>
+      </a:effectRef>
+      <a:fontRef idx="minor"/>
+    </dgm:style>
+  </dgm:styleLbl>
+  <dgm:styleLbl name="sibTrans2D1">
+    <dgm:scene3d>
+      <a:camera prst="orthographicFront"/>
+      <a:lightRig rig="threePt" dir="t"/>
+    </dgm:scene3d>
+    <dgm:sp3d/>
+    <dgm:txPr/>
+    <dgm:style>
+      <a:lnRef idx="0">
+        <a:scrgbClr r="0" g="0" b="0"/>
+      </a:lnRef>
+      <a:fillRef idx="1">
+        <a:scrgbClr r="0" g="0" b="0"/>
+      </a:fillRef>
+      <a:effectRef idx="0">
+        <a:scrgbClr r="0" g="0" b="0"/>
+      </a:effectRef>
+      <a:fontRef idx="minor">
+        <a:schemeClr val="lt1"/>
+      </a:fontRef>
+    </dgm:style>
+  </dgm:styleLbl>
+  <dgm:styleLbl name="fgSibTrans2D1">
+    <dgm:scene3d>
+      <a:camera prst="orthographicFront"/>
+      <a:lightRig rig="threePt" dir="t"/>
+    </dgm:scene3d>
+    <dgm:sp3d/>
+    <dgm:txPr/>
+    <dgm:style>
+      <a:lnRef idx="0">
+        <a:scrgbClr r="0" g="0" b="0"/>
+      </a:lnRef>
+      <a:fillRef idx="1">
+        <a:scrgbClr r="0" g="0" b="0"/>
+      </a:fillRef>
+      <a:effectRef idx="0">
+        <a:scrgbClr r="0" g="0" b="0"/>
+      </a:effectRef>
+      <a:fontRef idx="minor">
+        <a:schemeClr val="lt1"/>
+      </a:fontRef>
+    </dgm:style>
+  </dgm:styleLbl>
+  <dgm:styleLbl name="bgSibTrans2D1">
+    <dgm:scene3d>
+      <a:camera prst="orthographicFront"/>
+      <a:lightRig rig="threePt" dir="t"/>
+    </dgm:scene3d>
+    <dgm:sp3d/>
+    <dgm:txPr/>
+    <dgm:style>
+      <a:lnRef idx="0">
+        <a:scrgbClr r="0" g="0" b="0"/>
+      </a:lnRef>
+      <a:fillRef idx="1">
+        <a:scrgbClr r="0" g="0" b="0"/>
+      </a:fillRef>
+      <a:effectRef idx="0">
+        <a:scrgbClr r="0" g="0" b="0"/>
+      </a:effectRef>
+      <a:fontRef idx="minor">
+        <a:schemeClr val="lt1"/>
+      </a:fontRef>
+    </dgm:style>
+  </dgm:styleLbl>
+  <dgm:styleLbl name="sibTrans1D1">
+    <dgm:scene3d>
+      <a:camera prst="orthographicFront"/>
+      <a:lightRig rig="threePt" dir="t"/>
+    </dgm:scene3d>
+    <dgm:sp3d/>
+    <dgm:txPr/>
+    <dgm:style>
+      <a:lnRef idx="1">
+        <a:scrgbClr r="0" g="0" b="0"/>
+      </a:lnRef>
+      <a:fillRef idx="0">
+        <a:scrgbClr r="0" g="0" b="0"/>
+      </a:fillRef>
+      <a:effectRef idx="0">
+        <a:scrgbClr r="0" g="0" b="0"/>
+      </a:effectRef>
+      <a:fontRef idx="minor"/>
+    </dgm:style>
+  </dgm:styleLbl>
+  <dgm:styleLbl name="callout">
+    <dgm:scene3d>
+      <a:camera prst="orthographicFront"/>
+      <a:lightRig rig="threePt" dir="t"/>
+    </dgm:scene3d>
+    <dgm:sp3d/>
+    <dgm:txPr/>
+    <dgm:style>
+      <a:lnRef idx="2">
+        <a:scrgbClr r="0" g="0" b="0"/>
+      </a:lnRef>
+      <a:fillRef idx="1">
+        <a:scrgbClr r="0" g="0" b="0"/>
+      </a:fillRef>
+      <a:effectRef idx="0">
+        <a:scrgbClr r="0" g="0" b="0"/>
+      </a:effectRef>
+      <a:fontRef idx="minor"/>
+    </dgm:style>
+  </dgm:styleLbl>
+  <dgm:styleLbl name="asst0">
+    <dgm:scene3d>
+      <a:camera prst="orthographicFront"/>
+      <a:lightRig rig="threePt" dir="t"/>
+    </dgm:scene3d>
+    <dgm:sp3d/>
+    <dgm:txPr/>
+    <dgm:style>
+      <a:lnRef idx="2">
+        <a:scrgbClr r="0" g="0" b="0"/>
+      </a:lnRef>
+      <a:fillRef idx="1">
+        <a:scrgbClr r="0" g="0" b="0"/>
+      </a:fillRef>
+      <a:effectRef idx="0">
+        <a:scrgbClr r="0" g="0" b="0"/>
+      </a:effectRef>
+      <a:fontRef idx="minor">
+        <a:schemeClr val="lt1"/>
+      </a:fontRef>
+    </dgm:style>
+  </dgm:styleLbl>
+  <dgm:styleLbl name="asst1">
+    <dgm:scene3d>
+      <a:camera prst="orthographicFront"/>
+      <a:lightRig rig="threePt" dir="t"/>
+    </dgm:scene3d>
+    <dgm:sp3d/>
+    <dgm:txPr/>
+    <dgm:style>
+      <a:lnRef idx="2">
+        <a:scrgbClr r="0" g="0" b="0"/>
+      </a:lnRef>
+      <a:fillRef idx="1">
+        <a:scrgbClr r="0" g="0" b="0"/>
+      </a:fillRef>
+      <a:effectRef idx="0">
+        <a:scrgbClr r="0" g="0" b="0"/>
+      </a:effectRef>
+      <a:fontRef idx="minor">
+        <a:schemeClr val="lt1"/>
+      </a:fontRef>
+    </dgm:style>
+  </dgm:styleLbl>
+  <dgm:styleLbl name="asst2">
+    <dgm:scene3d>
+      <a:camera prst="orthographicFront"/>
+      <a:lightRig rig="threePt" dir="t"/>
+    </dgm:scene3d>
+    <dgm:sp3d/>
+    <dgm:txPr/>
+    <dgm:style>
+      <a:lnRef idx="2">
+        <a:scrgbClr r="0" g="0" b="0"/>
+      </a:lnRef>
+      <a:fillRef idx="1">
+        <a:scrgbClr r="0" g="0" b="0"/>
+      </a:fillRef>
+      <a:effectRef idx="0">
+        <a:scrgbClr r="0" g="0" b="0"/>
+      </a:effectRef>
+      <a:fontRef idx="minor">
+        <a:schemeClr val="lt1"/>
+      </a:fontRef>
+    </dgm:style>
+  </dgm:styleLbl>
+  <dgm:styleLbl name="asst3">
+    <dgm:scene3d>
+      <a:camera prst="orthographicFront"/>
+      <a:lightRig rig="threePt" dir="t"/>
+    </dgm:scene3d>
+    <dgm:sp3d/>
+    <dgm:txPr/>
+    <dgm:style>
+      <a:lnRef idx="2">
+        <a:scrgbClr r="0" g="0" b="0"/>
+      </a:lnRef>
+      <a:fillRef idx="1">
+        <a:scrgbClr r="0" g="0" b="0"/>
+      </a:fillRef>
+      <a:effectRef idx="0">
+        <a:scrgbClr r="0" g="0" b="0"/>
+      </a:effectRef>
+      <a:fontRef idx="minor">
+        <a:schemeClr val="lt1"/>
+      </a:fontRef>
+    </dgm:style>
+  </dgm:styleLbl>
+  <dgm:styleLbl name="asst4">
+    <dgm:scene3d>
+      <a:camera prst="orthographicFront"/>
+      <a:lightRig rig="threePt" dir="t"/>
+    </dgm:scene3d>
+    <dgm:sp3d/>
+    <dgm:txPr/>
+    <dgm:style>
+      <a:lnRef idx="2">
+        <a:scrgbClr r="0" g="0" b="0"/>
+      </a:lnRef>
+      <a:fillRef idx="1">
+        <a:scrgbClr r="0" g="0" b="0"/>
+      </a:fillRef>
+      <a:effectRef idx="0">
+        <a:scrgbClr r="0" g="0" b="0"/>
+      </a:effectRef>
+      <a:fontRef idx="minor">
+        <a:schemeClr val="lt1"/>
+      </a:fontRef>
+    </dgm:style>
+  </dgm:styleLbl>
+  <dgm:styleLbl name="parChTrans2D1">
+    <dgm:scene3d>
+      <a:camera prst="orthographicFront"/>
+      <a:lightRig rig="threePt" dir="t"/>
+    </dgm:scene3d>
+    <dgm:sp3d/>
+    <dgm:txPr/>
+    <dgm:style>
+      <a:lnRef idx="2">
+        <a:scrgbClr r="0" g="0" b="0"/>
+      </a:lnRef>
+      <a:fillRef idx="1">
+        <a:scrgbClr r="0" g="0" b="0"/>
+      </a:fillRef>
+      <a:effectRef idx="0">
+        <a:scrgbClr r="0" g="0" b="0"/>
+      </a:effectRef>
+      <a:fontRef idx="minor">
+        <a:schemeClr val="lt1"/>
+      </a:fontRef>
+    </dgm:style>
+  </dgm:styleLbl>
+  <dgm:styleLbl name="parChTrans2D2">
+    <dgm:scene3d>
+      <a:camera prst="orthographicFront"/>
+      <a:lightRig rig="threePt" dir="t"/>
+    </dgm:scene3d>
+    <dgm:sp3d/>
+    <dgm:txPr/>
+    <dgm:style>
+      <a:lnRef idx="2">
+        <a:scrgbClr r="0" g="0" b="0"/>
+      </a:lnRef>
+      <a:fillRef idx="1">
+        <a:scrgbClr r="0" g="0" b="0"/>
+      </a:fillRef>
+      <a:effectRef idx="0">
+        <a:scrgbClr r="0" g="0" b="0"/>
+      </a:effectRef>
+      <a:fontRef idx="minor">
+        <a:schemeClr val="lt1"/>
+      </a:fontRef>
+    </dgm:style>
+  </dgm:styleLbl>
+  <dgm:styleLbl name="parChTrans2D3">
+    <dgm:scene3d>
+      <a:camera prst="orthographicFront"/>
+      <a:lightRig rig="threePt" dir="t"/>
+    </dgm:scene3d>
+    <dgm:sp3d/>
+    <dgm:txPr/>
+    <dgm:style>
+      <a:lnRef idx="2">
+        <a:scrgbClr r="0" g="0" b="0"/>
+      </a:lnRef>
+      <a:fillRef idx="1">
+        <a:scrgbClr r="0" g="0" b="0"/>
+      </a:fillRef>
+      <a:effectRef idx="0">
+        <a:scrgbClr r="0" g="0" b="0"/>
+      </a:effectRef>
+      <a:fontRef idx="minor">
+        <a:schemeClr val="lt1"/>
+      </a:fontRef>
+    </dgm:style>
+  </dgm:styleLbl>
+  <dgm:styleLbl name="parChTrans2D4">
+    <dgm:scene3d>
+      <a:camera prst="orthographicFront"/>
+      <a:lightRig rig="threePt" dir="t"/>
+    </dgm:scene3d>
+    <dgm:sp3d/>
+    <dgm:txPr/>
+    <dgm:style>
+      <a:lnRef idx="2">
+        <a:scrgbClr r="0" g="0" b="0"/>
+      </a:lnRef>
+      <a:fillRef idx="1">
+        <a:scrgbClr r="0" g="0" b="0"/>
+      </a:fillRef>
+      <a:effectRef idx="0">
+        <a:scrgbClr r="0" g="0" b="0"/>
+      </a:effectRef>
+      <a:fontRef idx="minor">
+        <a:schemeClr val="lt1"/>
+      </a:fontRef>
+    </dgm:style>
+  </dgm:styleLbl>
+  <dgm:styleLbl name="parChTrans1D1">
+    <dgm:scene3d>
+      <a:camera prst="orthographicFront"/>
+      <a:lightRig rig="threePt" dir="t"/>
+    </dgm:scene3d>
+    <dgm:sp3d/>
+    <dgm:txPr/>
+    <dgm:style>
+      <a:lnRef idx="2">
+        <a:scrgbClr r="0" g="0" b="0"/>
+      </a:lnRef>
+      <a:fillRef idx="0">
+        <a:scrgbClr r="0" g="0" b="0"/>
+      </a:fillRef>
+      <a:effectRef idx="0">
+        <a:scrgbClr r="0" g="0" b="0"/>
+      </a:effectRef>
+      <a:fontRef idx="minor"/>
+    </dgm:style>
+  </dgm:styleLbl>
+  <dgm:styleLbl name="parChTrans1D2">
+    <dgm:scene3d>
+      <a:camera prst="orthographicFront"/>
+      <a:lightRig rig="threePt" dir="t"/>
+    </dgm:scene3d>
+    <dgm:sp3d/>
+    <dgm:txPr/>
+    <dgm:style>
+      <a:lnRef idx="2">
+        <a:scrgbClr r="0" g="0" b="0"/>
+      </a:lnRef>
+      <a:fillRef idx="0">
+        <a:scrgbClr r="0" g="0" b="0"/>
+      </a:fillRef>
+      <a:effectRef idx="0">
+        <a:scrgbClr r="0" g="0" b="0"/>
+      </a:effectRef>
+      <a:fontRef idx="minor"/>
+    </dgm:style>
+  </dgm:styleLbl>
+  <dgm:styleLbl name="parChTrans1D3">
+    <dgm:scene3d>
+      <a:camera prst="orthographicFront"/>
+      <a:lightRig rig="threePt" dir="t"/>
+    </dgm:scene3d>
+    <dgm:sp3d/>
+    <dgm:txPr/>
+    <dgm:style>
+      <a:lnRef idx="2">
+        <a:scrgbClr r="0" g="0" b="0"/>
+      </a:lnRef>
+      <a:fillRef idx="0">
+        <a:scrgbClr r="0" g="0" b="0"/>
+      </a:fillRef>
+      <a:effectRef idx="0">
+        <a:scrgbClr r="0" g="0" b="0"/>
+      </a:effectRef>
+      <a:fontRef idx="minor"/>
+    </dgm:style>
+  </dgm:styleLbl>
+  <dgm:styleLbl name="parChTrans1D4">
+    <dgm:scene3d>
+      <a:camera prst="orthographicFront"/>
+      <a:lightRig rig="threePt" dir="t"/>
+    </dgm:scene3d>
+    <dgm:sp3d/>
+    <dgm:txPr/>
+    <dgm:style>
+      <a:lnRef idx="2">
+        <a:scrgbClr r="0" g="0" b="0"/>
+      </a:lnRef>
+      <a:fillRef idx="0">
+        <a:scrgbClr r="0" g="0" b="0"/>
+      </a:fillRef>
+      <a:effectRef idx="0">
+        <a:scrgbClr r="0" g="0" b="0"/>
+      </a:effectRef>
+      <a:fontRef idx="minor"/>
+    </dgm:style>
+  </dgm:styleLbl>
+  <dgm:styleLbl name="fgAcc1">
+    <dgm:scene3d>
+      <a:camera prst="orthographicFront"/>
+      <a:lightRig rig="threePt" dir="t"/>
+    </dgm:scene3d>
+    <dgm:sp3d/>
+    <dgm:txPr/>
+    <dgm:style>
+      <a:lnRef idx="2">
+        <a:scrgbClr r="0" g="0" b="0"/>
+      </a:lnRef>
+      <a:fillRef idx="1">
+        <a:scrgbClr r="0" g="0" b="0"/>
+      </a:fillRef>
+      <a:effectRef idx="0">
+        <a:scrgbClr r="0" g="0" b="0"/>
+      </a:effectRef>
+      <a:fontRef idx="minor"/>
+    </dgm:style>
+  </dgm:styleLbl>
+  <dgm:styleLbl name="conFgAcc1">
+    <dgm:scene3d>
+      <a:camera prst="orthographicFront"/>
+      <a:lightRig rig="threePt" dir="t"/>
+    </dgm:scene3d>
+    <dgm:sp3d/>
+    <dgm:txPr/>
+    <dgm:style>
+      <a:lnRef idx="2">
+        <a:scrgbClr r="0" g="0" b="0"/>
+      </a:lnRef>
+      <a:fillRef idx="1">
+        <a:scrgbClr r="0" g="0" b="0"/>
+      </a:fillRef>
+      <a:effectRef idx="0">
+        <a:scrgbClr r="0" g="0" b="0"/>
+      </a:effectRef>
+      <a:fontRef idx="minor"/>
+    </dgm:style>
+  </dgm:styleLbl>
+  <dgm:styleLbl name="alignAcc1">
+    <dgm:scene3d>
+      <a:camera prst="orthographicFront"/>
+      <a:lightRig rig="threePt" dir="t"/>
+    </dgm:scene3d>
+    <dgm:sp3d/>
+    <dgm:txPr/>
+    <dgm:style>
+      <a:lnRef idx="2">
+        <a:scrgbClr r="0" g="0" b="0"/>
+      </a:lnRef>
+      <a:fillRef idx="1">
+        <a:scrgbClr r="0" g="0" b="0"/>
+      </a:fillRef>
+      <a:effectRef idx="0">
+        <a:scrgbClr r="0" g="0" b="0"/>
+      </a:effectRef>
+      <a:fontRef idx="minor"/>
+    </dgm:style>
+  </dgm:styleLbl>
+  <dgm:styleLbl name="trAlignAcc1">
+    <dgm:scene3d>
+      <a:camera prst="orthographicFront"/>
+      <a:lightRig rig="threePt" dir="t"/>
+    </dgm:scene3d>
+    <dgm:sp3d/>
+    <dgm:txPr/>
+    <dgm:style>
+      <a:lnRef idx="1">
+        <a:scrgbClr r="0" g="0" b="0"/>
+      </a:lnRef>
+      <a:fillRef idx="1">
+        <a:scrgbClr r="0" g="0" b="0"/>
+      </a:fillRef>
+      <a:effectRef idx="0">
+        <a:scrgbClr r="0" g="0" b="0"/>
+      </a:effectRef>
+      <a:fontRef idx="minor"/>
+    </dgm:style>
+  </dgm:styleLbl>
+  <dgm:styleLbl name="bgAcc1">
+    <dgm:scene3d>
+      <a:camera prst="orthographicFront"/>
+      <a:lightRig rig="threePt" dir="t"/>
+    </dgm:scene3d>
+    <dgm:sp3d/>
+    <dgm:txPr/>
+    <dgm:style>
+      <a:lnRef idx="2">
+        <a:scrgbClr r="0" g="0" b="0"/>
+      </a:lnRef>
+      <a:fillRef idx="1">
+        <a:scrgbClr r="0" g="0" b="0"/>
+      </a:fillRef>
+      <a:effectRef idx="0">
+        <a:scrgbClr r="0" g="0" b="0"/>
+      </a:effectRef>
+      <a:fontRef idx="minor"/>
+    </dgm:style>
+  </dgm:styleLbl>
+  <dgm:styleLbl name="solidFgAcc1">
+    <dgm:scene3d>
+      <a:camera prst="orthographicFront"/>
+      <a:lightRig rig="threePt" dir="t"/>
+    </dgm:scene3d>
+    <dgm:sp3d/>
+    <dgm:txPr/>
+    <dgm:style>
+      <a:lnRef idx="2">
+        <a:scrgbClr r="0" g="0" b="0"/>
+      </a:lnRef>
+      <a:fillRef idx="1">
+        <a:scrgbClr r="0" g="0" b="0"/>
+      </a:fillRef>
+      <a:effectRef idx="0">
+        <a:scrgbClr r="0" g="0" b="0"/>
+      </a:effectRef>
+      <a:fontRef idx="minor"/>
+    </dgm:style>
+  </dgm:styleLbl>
+  <dgm:styleLbl name="solidAlignAcc1">
+    <dgm:scene3d>
+      <a:camera prst="orthographicFront"/>
+      <a:lightRig rig="threePt" dir="t"/>
+    </dgm:scene3d>
+    <dgm:sp3d/>
+    <dgm:txPr/>
+    <dgm:style>
+      <a:lnRef idx="2">
+        <a:scrgbClr r="0" g="0" b="0"/>
+      </a:lnRef>
+      <a:fillRef idx="1">
+        <a:scrgbClr r="0" g="0" b="0"/>
+      </a:fillRef>
+      <a:effectRef idx="0">
+        <a:scrgbClr r="0" g="0" b="0"/>
+      </a:effectRef>
+      <a:fontRef idx="minor"/>
+    </dgm:style>
+  </dgm:styleLbl>
+  <dgm:styleLbl name="solidBgAcc1">
+    <dgm:scene3d>
+      <a:camera prst="orthographicFront"/>
+      <a:lightRig rig="threePt" dir="t"/>
+    </dgm:scene3d>
+    <dgm:sp3d/>
+    <dgm:txPr/>
+    <dgm:style>
+      <a:lnRef idx="2">
+        <a:scrgbClr r="0" g="0" b="0"/>
+      </a:lnRef>
+      <a:fillRef idx="1">
+        <a:scrgbClr r="0" g="0" b="0"/>
+      </a:fillRef>
+      <a:effectRef idx="0">
+        <a:scrgbClr r="0" g="0" b="0"/>
+      </a:effectRef>
+      <a:fontRef idx="minor"/>
+    </dgm:style>
+  </dgm:styleLbl>
+  <dgm:styleLbl name="fgAccFollowNode1">
+    <dgm:scene3d>
+      <a:camera prst="orthographicFront"/>
+      <a:lightRig rig="threePt" dir="t"/>
+    </dgm:scene3d>
+    <dgm:sp3d/>
+    <dgm:txPr/>
+    <dgm:style>
+      <a:lnRef idx="2">
+        <a:scrgbClr r="0" g="0" b="0"/>
+      </a:lnRef>
+      <a:fillRef idx="1">
+        <a:scrgbClr r="0" g="0" b="0"/>
+      </a:fillRef>
+      <a:effectRef idx="0">
+        <a:scrgbClr r="0" g="0" b="0"/>
+      </a:effectRef>
+      <a:fontRef idx="minor"/>
+    </dgm:style>
+  </dgm:styleLbl>
+  <dgm:styleLbl name="alignAccFollowNode1">
+    <dgm:scene3d>
+      <a:camera prst="orthographicFront"/>
+      <a:lightRig rig="threePt" dir="t"/>
+    </dgm:scene3d>
+    <dgm:sp3d/>
+    <dgm:txPr/>
+    <dgm:style>
+      <a:lnRef idx="2">
+        <a:scrgbClr r="0" g="0" b="0"/>
+      </a:lnRef>
+      <a:fillRef idx="1">
+        <a:scrgbClr r="0" g="0" b="0"/>
+      </a:fillRef>
+      <a:effectRef idx="0">
+        <a:scrgbClr r="0" g="0" b="0"/>
+      </a:effectRef>
+      <a:fontRef idx="minor"/>
+    </dgm:style>
+  </dgm:styleLbl>
+  <dgm:styleLbl name="bgAccFollowNode1">
+    <dgm:scene3d>
+      <a:camera prst="orthographicFront"/>
+      <a:lightRig rig="threePt" dir="t"/>
+    </dgm:scene3d>
+    <dgm:sp3d/>
+    <dgm:txPr/>
+    <dgm:style>
+      <a:lnRef idx="2">
+        <a:scrgbClr r="0" g="0" b="0"/>
+      </a:lnRef>
+      <a:fillRef idx="1">
+        <a:scrgbClr r="0" g="0" b="0"/>
+      </a:fillRef>
+      <a:effectRef idx="0">
+        <a:scrgbClr r="0" g="0" b="0"/>
+      </a:effectRef>
+      <a:fontRef idx="minor"/>
+    </dgm:style>
+  </dgm:styleLbl>
+  <dgm:styleLbl name="fgAcc0">
+    <dgm:scene3d>
+      <a:camera prst="orthographicFront"/>
+      <a:lightRig rig="threePt" dir="t"/>
+    </dgm:scene3d>
+    <dgm:sp3d/>
+    <dgm:txPr/>
+    <dgm:style>
+      <a:lnRef idx="2">
+        <a:scrgbClr r="0" g="0" b="0"/>
+      </a:lnRef>
+      <a:fillRef idx="1">
+        <a:scrgbClr r="0" g="0" b="0"/>
+      </a:fillRef>
+      <a:effectRef idx="0">
+        <a:scrgbClr r="0" g="0" b="0"/>
+      </a:effectRef>
+      <a:fontRef idx="minor"/>
+    </dgm:style>
+  </dgm:styleLbl>
+  <dgm:styleLbl name="fgAcc2">
+    <dgm:scene3d>
+      <a:camera prst="orthographicFront"/>
+      <a:lightRig rig="threePt" dir="t"/>
+    </dgm:scene3d>
+    <dgm:sp3d/>
+    <dgm:txPr/>
+    <dgm:style>
+      <a:lnRef idx="2">
+        <a:scrgbClr r="0" g="0" b="0"/>
+      </a:lnRef>
+      <a:fillRef idx="1">
+        <a:scrgbClr r="0" g="0" b="0"/>
+      </a:fillRef>
+      <a:effectRef idx="0">
+        <a:scrgbClr r="0" g="0" b="0"/>
+      </a:effectRef>
+      <a:fontRef idx="minor"/>
+    </dgm:style>
+  </dgm:styleLbl>
+  <dgm:styleLbl name="fgAcc3">
+    <dgm:scene3d>
+      <a:camera prst="orthographicFront"/>
+      <a:lightRig rig="threePt" dir="t"/>
+    </dgm:scene3d>
+    <dgm:sp3d/>
+    <dgm:txPr/>
+    <dgm:style>
+      <a:lnRef idx="2">
+        <a:scrgbClr r="0" g="0" b="0"/>
+      </a:lnRef>
+      <a:fillRef idx="1">
+        <a:scrgbClr r="0" g="0" b="0"/>
+      </a:fillRef>
+      <a:effectRef idx="0">
+        <a:scrgbClr r="0" g="0" b="0"/>
+      </a:effectRef>
+      <a:fontRef idx="minor"/>
+    </dgm:style>
+  </dgm:styleLbl>
+  <dgm:styleLbl name="fgAcc4">
+    <dgm:scene3d>
+      <a:camera prst="orthographicFront"/>
+      <a:lightRig rig="threePt" dir="t"/>
+    </dgm:scene3d>
+    <dgm:sp3d/>
+    <dgm:txPr/>
+    <dgm:style>
+      <a:lnRef idx="2">
+        <a:scrgbClr r="0" g="0" b="0"/>
+      </a:lnRef>
+      <a:fillRef idx="1">
+        <a:scrgbClr r="0" g="0" b="0"/>
+      </a:fillRef>
+      <a:effectRef idx="0">
+        <a:scrgbClr r="0" g="0" b="0"/>
+      </a:effectRef>
+      <a:fontRef idx="minor"/>
+    </dgm:style>
+  </dgm:styleLbl>
+  <dgm:styleLbl name="bgShp">
+    <dgm:scene3d>
+      <a:camera prst="orthographicFront"/>
+      <a:lightRig rig="threePt" dir="t"/>
+    </dgm:scene3d>
+    <dgm:sp3d/>
+    <dgm:txPr/>
+    <dgm:style>
+      <a:lnRef idx="0">
+        <a:scrgbClr r="0" g="0" b="0"/>
+      </a:lnRef>
+      <a:fillRef idx="1">
+        <a:scrgbClr r="0" g="0" b="0"/>
+      </a:fillRef>
+      <a:effectRef idx="0">
+        <a:scrgbClr r="0" g="0" b="0"/>
+      </a:effectRef>
+      <a:fontRef idx="minor"/>
+    </dgm:style>
+  </dgm:styleLbl>
+  <dgm:styleLbl name="dkBgShp">
+    <dgm:scene3d>
+      <a:camera prst="orthographicFront"/>
+      <a:lightRig rig="threePt" dir="t"/>
+    </dgm:scene3d>
+    <dgm:sp3d/>
+    <dgm:txPr/>
+    <dgm:style>
+      <a:lnRef idx="0">
+        <a:scrgbClr r="0" g="0" b="0"/>
+      </a:lnRef>
+      <a:fillRef idx="1">
+        <a:scrgbClr r="0" g="0" b="0"/>
+      </a:fillRef>
+      <a:effectRef idx="0">
+        <a:scrgbClr r="0" g="0" b="0"/>
+      </a:effectRef>
+      <a:fontRef idx="minor"/>
+    </dgm:style>
+  </dgm:styleLbl>
+  <dgm:styleLbl name="trBgShp">
+    <dgm:scene3d>
+      <a:camera prst="orthographicFront"/>
+      <a:lightRig rig="threePt" dir="t"/>
+    </dgm:scene3d>
+    <dgm:sp3d/>
+    <dgm:txPr/>
+    <dgm:style>
+      <a:lnRef idx="0">
+        <a:scrgbClr r="0" g="0" b="0"/>
+      </a:lnRef>
+      <a:fillRef idx="1">
+        <a:scrgbClr r="0" g="0" b="0"/>
+      </a:fillRef>
+      <a:effectRef idx="0">
+        <a:scrgbClr r="0" g="0" b="0"/>
+      </a:effectRef>
+      <a:fontRef idx="minor"/>
+    </dgm:style>
+  </dgm:styleLbl>
+  <dgm:styleLbl name="fgShp">
+    <dgm:scene3d>
+      <a:camera prst="orthographicFront"/>
+      <a:lightRig rig="threePt" dir="t"/>
+    </dgm:scene3d>
+    <dgm:sp3d/>
+    <dgm:txPr/>
+    <dgm:style>
+      <a:lnRef idx="2">
+        <a:scrgbClr r="0" g="0" b="0"/>
+      </a:lnRef>
+      <a:fillRef idx="1">
+        <a:scrgbClr r="0" g="0" b="0"/>
+      </a:fillRef>
+      <a:effectRef idx="0">
+        <a:scrgbClr r="0" g="0" b="0"/>
+      </a:effectRef>
+      <a:fontRef idx="minor"/>
+    </dgm:style>
+  </dgm:styleLbl>
+  <dgm:styleLbl name="revTx">
+    <dgm:scene3d>
+      <a:camera prst="orthographicFront"/>
+      <a:lightRig rig="threePt" dir="t"/>
+    </dgm:scene3d>
+    <dgm:sp3d/>
+    <dgm:txPr/>
+    <dgm:style>
+      <a:lnRef idx="0">
+        <a:scrgbClr r="0" g="0" b="0"/>
+      </a:lnRef>
+      <a:fillRef idx="0">
+        <a:scrgbClr r="0" g="0" b="0"/>
+      </a:fillRef>
+      <a:effectRef idx="0">
+        <a:scrgbClr r="0" g="0" b="0"/>
+      </a:effectRef>
+      <a:fontRef idx="minor"/>
+    </dgm:style>
+  </dgm:styleLbl>
+</dgm:styleDef>
+</file>
+
+<file path=ppt/diagrams/quickStyle2.xml><?xml version="1.0" encoding="utf-8"?>
 <dgm:styleDef xmlns:dgm="http://schemas.openxmlformats.org/drawingml/2006/diagram" xmlns:a="http://schemas.openxmlformats.org/drawingml/2006/main" uniqueId="urn:microsoft.com/office/officeart/2005/8/quickstyle/simple1">
   <dgm:title val=""/>
   <dgm:desc val=""/>
@@ -5168,7 +8760,7 @@
           <a:p>
             <a:fld id="{4710969A-8FFC-4E3F-8A8A-4D4AF92BD055}" type="datetimeFigureOut">
               <a:rPr lang="en-US" smtClean="0"/>
-              <a:t>10/14/2023</a:t>
+              <a:t>10/21/2023</a:t>
             </a:fld>
             <a:endParaRPr lang="en-US"/>
           </a:p>
@@ -5506,7 +9098,7 @@
           <a:p>
             <a:fld id="{4710969A-8FFC-4E3F-8A8A-4D4AF92BD055}" type="datetimeFigureOut">
               <a:rPr lang="en-US" smtClean="0"/>
-              <a:t>10/14/2023</a:t>
+              <a:t>10/21/2023</a:t>
             </a:fld>
             <a:endParaRPr lang="en-US"/>
           </a:p>
@@ -5907,7 +9499,7 @@
           <a:p>
             <a:fld id="{4710969A-8FFC-4E3F-8A8A-4D4AF92BD055}" type="datetimeFigureOut">
               <a:rPr lang="en-US" smtClean="0"/>
-              <a:t>10/14/2023</a:t>
+              <a:t>10/21/2023</a:t>
             </a:fld>
             <a:endParaRPr lang="en-US"/>
           </a:p>
@@ -6243,7 +9835,7 @@
           <a:p>
             <a:fld id="{4710969A-8FFC-4E3F-8A8A-4D4AF92BD055}" type="datetimeFigureOut">
               <a:rPr lang="en-US" smtClean="0"/>
-              <a:t>10/14/2023</a:t>
+              <a:t>10/21/2023</a:t>
             </a:fld>
             <a:endParaRPr lang="en-US"/>
           </a:p>
@@ -6563,7 +10155,7 @@
           <a:p>
             <a:fld id="{4710969A-8FFC-4E3F-8A8A-4D4AF92BD055}" type="datetimeFigureOut">
               <a:rPr lang="en-US" smtClean="0"/>
-              <a:t>10/14/2023</a:t>
+              <a:t>10/21/2023</a:t>
             </a:fld>
             <a:endParaRPr lang="en-US"/>
           </a:p>
@@ -6959,7 +10551,7 @@
           <a:p>
             <a:fld id="{4710969A-8FFC-4E3F-8A8A-4D4AF92BD055}" type="datetimeFigureOut">
               <a:rPr lang="en-US" smtClean="0"/>
-              <a:t>10/14/2023</a:t>
+              <a:t>10/21/2023</a:t>
             </a:fld>
             <a:endParaRPr lang="en-US"/>
           </a:p>
@@ -7216,7 +10808,7 @@
           <a:p>
             <a:fld id="{4710969A-8FFC-4E3F-8A8A-4D4AF92BD055}" type="datetimeFigureOut">
               <a:rPr lang="en-US" smtClean="0"/>
-              <a:t>10/14/2023</a:t>
+              <a:t>10/21/2023</a:t>
             </a:fld>
             <a:endParaRPr lang="en-US"/>
           </a:p>
@@ -7478,7 +11070,7 @@
           <a:p>
             <a:fld id="{4710969A-8FFC-4E3F-8A8A-4D4AF92BD055}" type="datetimeFigureOut">
               <a:rPr lang="en-US" smtClean="0"/>
-              <a:t>10/14/2023</a:t>
+              <a:t>10/21/2023</a:t>
             </a:fld>
             <a:endParaRPr lang="en-US"/>
           </a:p>
@@ -7740,7 +11332,7 @@
           <a:p>
             <a:fld id="{4710969A-8FFC-4E3F-8A8A-4D4AF92BD055}" type="datetimeFigureOut">
               <a:rPr lang="en-US" smtClean="0"/>
-              <a:t>10/14/2023</a:t>
+              <a:t>10/21/2023</a:t>
             </a:fld>
             <a:endParaRPr lang="en-US"/>
           </a:p>
@@ -8069,7 +11661,7 @@
           <a:p>
             <a:fld id="{4710969A-8FFC-4E3F-8A8A-4D4AF92BD055}" type="datetimeFigureOut">
               <a:rPr lang="en-US" smtClean="0"/>
-              <a:t>10/14/2023</a:t>
+              <a:t>10/21/2023</a:t>
             </a:fld>
             <a:endParaRPr lang="en-US"/>
           </a:p>
@@ -8392,7 +11984,7 @@
           <a:p>
             <a:fld id="{4710969A-8FFC-4E3F-8A8A-4D4AF92BD055}" type="datetimeFigureOut">
               <a:rPr lang="en-US" smtClean="0"/>
-              <a:t>10/14/2023</a:t>
+              <a:t>10/21/2023</a:t>
             </a:fld>
             <a:endParaRPr lang="en-US"/>
           </a:p>
@@ -8849,7 +12441,7 @@
           <a:p>
             <a:fld id="{4710969A-8FFC-4E3F-8A8A-4D4AF92BD055}" type="datetimeFigureOut">
               <a:rPr lang="en-US" smtClean="0"/>
-              <a:t>10/14/2023</a:t>
+              <a:t>10/21/2023</a:t>
             </a:fld>
             <a:endParaRPr lang="en-US"/>
           </a:p>
@@ -9054,7 +12646,7 @@
           <a:p>
             <a:fld id="{4710969A-8FFC-4E3F-8A8A-4D4AF92BD055}" type="datetimeFigureOut">
               <a:rPr lang="en-US" smtClean="0"/>
-              <a:t>10/14/2023</a:t>
+              <a:t>10/21/2023</a:t>
             </a:fld>
             <a:endParaRPr lang="en-US"/>
           </a:p>
@@ -9231,7 +12823,7 @@
           <a:p>
             <a:fld id="{4710969A-8FFC-4E3F-8A8A-4D4AF92BD055}" type="datetimeFigureOut">
               <a:rPr lang="en-US" smtClean="0"/>
-              <a:t>10/14/2023</a:t>
+              <a:t>10/21/2023</a:t>
             </a:fld>
             <a:endParaRPr lang="en-US"/>
           </a:p>
@@ -9564,7 +13156,7 @@
           <a:p>
             <a:fld id="{4710969A-8FFC-4E3F-8A8A-4D4AF92BD055}" type="datetimeFigureOut">
               <a:rPr lang="en-US" smtClean="0"/>
-              <a:t>10/14/2023</a:t>
+              <a:t>10/21/2023</a:t>
             </a:fld>
             <a:endParaRPr lang="en-US"/>
           </a:p>
@@ -9909,7 +13501,7 @@
           <a:p>
             <a:fld id="{4710969A-8FFC-4E3F-8A8A-4D4AF92BD055}" type="datetimeFigureOut">
               <a:rPr lang="en-US" smtClean="0"/>
-              <a:t>10/14/2023</a:t>
+              <a:t>10/21/2023</a:t>
             </a:fld>
             <a:endParaRPr lang="en-US"/>
           </a:p>
@@ -12026,7 +15618,7 @@
           <a:p>
             <a:fld id="{4710969A-8FFC-4E3F-8A8A-4D4AF92BD055}" type="datetimeFigureOut">
               <a:rPr lang="en-US" smtClean="0"/>
-              <a:t>10/14/2023</a:t>
+              <a:t>10/21/2023</a:t>
             </a:fld>
             <a:endParaRPr lang="en-US"/>
           </a:p>
@@ -12574,7 +16166,7 @@
                   </a:schemeClr>
                 </a:solidFill>
               </a:rPr>
-              <a:t>Pitch Date:  10/22/2023							Update 10/22/2023</a:t>
+              <a:t>Pitch Date:  October 22, 2023					Update October 22, 2023</a:t>
             </a:r>
           </a:p>
           <a:p>
@@ -12586,7 +16178,7 @@
                   </a:schemeClr>
                 </a:solidFill>
               </a:rPr>
-              <a:t>Release Date:  2/4/2023							1 Commit</a:t>
+              <a:t>Release Date:  February 10, 2024					Commits</a:t>
             </a:r>
           </a:p>
           <a:p>
@@ -13023,6 +16615,18 @@
   <p:clrMapOvr>
     <a:masterClrMapping/>
   </p:clrMapOvr>
+  <mc:AlternateContent xmlns:mc="http://schemas.openxmlformats.org/markup-compatibility/2006">
+    <mc:Choice xmlns:p14="http://schemas.microsoft.com/office/powerpoint/2010/main" Requires="p14">
+      <p:transition spd="slow" p14:dur="1500">
+        <p:split orient="vert"/>
+      </p:transition>
+    </mc:Choice>
+    <mc:Fallback>
+      <p:transition spd="slow">
+        <p:split orient="vert"/>
+      </p:transition>
+    </mc:Fallback>
+  </mc:AlternateContent>
 </p:sld>
 </file>
 
@@ -13288,7 +16892,7 @@
           <a:p>
             <a:r>
               <a:rPr lang="en-US" dirty="0"/>
-              <a:t>My Gaming Experience</a:t>
+              <a:t>Projects I lead</a:t>
             </a:r>
           </a:p>
         </p:txBody>
@@ -13496,21 +17100,8 @@
                   <a:schemeClr val="bg1"/>
                 </a:solidFill>
               </a:rPr>
-              <a:t>Night of the </a:t>
+              <a:t>Night of the Lich</a:t>
             </a:r>
-            <a:r>
-              <a:rPr lang="en-US" sz="2800" b="1" dirty="0" err="1">
-                <a:solidFill>
-                  <a:schemeClr val="bg1"/>
-                </a:solidFill>
-              </a:rPr>
-              <a:t>Litch</a:t>
-            </a:r>
-            <a:endParaRPr lang="en-US" sz="2800" b="1" dirty="0">
-              <a:solidFill>
-                <a:schemeClr val="bg1"/>
-              </a:solidFill>
-            </a:endParaRPr>
           </a:p>
         </p:txBody>
       </p:sp>
@@ -14206,10 +17797,61 @@
           <a:bodyPr/>
           <a:lstStyle/>
           <a:p>
-            <a:endParaRPr lang="en-US"/>
+            <a:r>
+              <a:rPr lang="en-US" dirty="0"/>
+              <a:t>Descent Below the Crypt</a:t>
+            </a:r>
+          </a:p>
+          <a:p>
+            <a:r>
+              <a:rPr lang="en-US" dirty="0"/>
+              <a:t>Diablo (the original)</a:t>
+            </a:r>
+          </a:p>
+          <a:p>
+            <a:pPr marL="0" indent="0">
+              <a:buNone/>
+            </a:pPr>
+            <a:endParaRPr lang="en-US" dirty="0"/>
           </a:p>
         </p:txBody>
       </p:sp>
+      <p:pic>
+        <p:nvPicPr>
+          <p:cNvPr id="6" name="Picture 5" descr="A video game advertisement with a red and orange monster&#10;&#10;Description automatically generated">
+            <a:extLst>
+              <a:ext uri="{FF2B5EF4-FFF2-40B4-BE49-F238E27FC236}">
+                <a16:creationId xmlns:a16="http://schemas.microsoft.com/office/drawing/2014/main" id="{D3AEEAF6-3AE7-327F-D32B-020B93A9F4D9}"/>
+              </a:ext>
+            </a:extLst>
+          </p:cNvPr>
+          <p:cNvPicPr>
+            <a:picLocks noChangeAspect="1"/>
+          </p:cNvPicPr>
+          <p:nvPr/>
+        </p:nvPicPr>
+        <p:blipFill>
+          <a:blip r:embed="rId2">
+            <a:extLst>
+              <a:ext uri="{28A0092B-C50C-407E-A947-70E740481C1C}">
+                <a14:useLocalDpi xmlns:a14="http://schemas.microsoft.com/office/drawing/2010/main" val="0"/>
+              </a:ext>
+            </a:extLst>
+          </a:blip>
+          <a:stretch>
+            <a:fillRect/>
+          </a:stretch>
+        </p:blipFill>
+        <p:spPr>
+          <a:xfrm>
+            <a:off x="7046912" y="3590617"/>
+            <a:ext cx="3297872" cy="2459663"/>
+          </a:xfrm>
+          <a:prstGeom prst="rect">
+            <a:avLst/>
+          </a:prstGeom>
+        </p:spPr>
+      </p:pic>
     </p:spTree>
     <p:extLst>
       <p:ext uri="{BB962C8B-B14F-4D97-AF65-F5344CB8AC3E}">
@@ -14372,7 +18014,53 @@
           <a:bodyPr/>
           <a:lstStyle/>
           <a:p>
-            <a:endParaRPr lang="en-US"/>
+            <a:r>
+              <a:rPr lang="en-US" dirty="0"/>
+              <a:t>An adventure of Salvatore slaying goblins and bugbears in a castle, and skeletons and wizards in the catacombs.</a:t>
+            </a:r>
+          </a:p>
+          <a:p>
+            <a:pPr lvl="1"/>
+            <a:r>
+              <a:rPr lang="en-US" dirty="0"/>
+              <a:t>Improved monster AI for combat.</a:t>
+            </a:r>
+          </a:p>
+          <a:p>
+            <a:r>
+              <a:rPr lang="en-US" dirty="0"/>
+              <a:t>Finding fun items while exploring.</a:t>
+            </a:r>
+          </a:p>
+          <a:p>
+            <a:pPr lvl="1"/>
+            <a:r>
+              <a:rPr lang="en-US" dirty="0"/>
+              <a:t>Coins, and potions.</a:t>
+            </a:r>
+          </a:p>
+          <a:p>
+            <a:r>
+              <a:rPr lang="en-US" dirty="0"/>
+              <a:t>A good story along the way.</a:t>
+            </a:r>
+          </a:p>
+          <a:p>
+            <a:pPr lvl="1"/>
+            <a:r>
+              <a:rPr lang="en-US" dirty="0"/>
+              <a:t>A lure into the castle, to discover an adventure awaits in the catacombs.</a:t>
+            </a:r>
+          </a:p>
+          <a:p>
+            <a:pPr indent="-285750"/>
+            <a:r>
+              <a:rPr lang="en-US" dirty="0"/>
+              <a:t>Keeping it fun</a:t>
+            </a:r>
+          </a:p>
+          <a:p>
+            <a:endParaRPr lang="en-US" dirty="0"/>
           </a:p>
         </p:txBody>
       </p:sp>
@@ -14434,31 +18122,37 @@
           </a:p>
         </p:txBody>
       </p:sp>
-      <p:sp>
-        <p:nvSpPr>
-          <p:cNvPr id="3" name="Content Placeholder 2">
+      <p:graphicFrame>
+        <p:nvGraphicFramePr>
+          <p:cNvPr id="4" name="Content Placeholder 3">
             <a:extLst>
               <a:ext uri="{FF2B5EF4-FFF2-40B4-BE49-F238E27FC236}">
-                <a16:creationId xmlns:a16="http://schemas.microsoft.com/office/drawing/2014/main" id="{9C4EA411-11DE-E905-3421-2CAE8A6E3C02}"/>
+                <a16:creationId xmlns:a16="http://schemas.microsoft.com/office/drawing/2014/main" id="{9C4FA549-8557-4981-51FE-E9C7AFE207AC}"/>
               </a:ext>
             </a:extLst>
           </p:cNvPr>
-          <p:cNvSpPr>
-            <a:spLocks noGrp="1"/>
-          </p:cNvSpPr>
+          <p:cNvGraphicFramePr>
+            <a:graphicFrameLocks noGrp="1"/>
+          </p:cNvGraphicFramePr>
           <p:nvPr>
             <p:ph idx="1"/>
+            <p:extLst>
+              <p:ext uri="{D42A27DB-BD31-4B8C-83A1-F6EECF244321}">
+                <p14:modId xmlns:p14="http://schemas.microsoft.com/office/powerpoint/2010/main" val="94623868"/>
+              </p:ext>
+            </p:extLst>
           </p:nvPr>
-        </p:nvSpPr>
-        <p:spPr/>
-        <p:txBody>
-          <a:bodyPr/>
-          <a:lstStyle/>
-          <a:p>
-            <a:endParaRPr lang="en-US"/>
-          </a:p>
-        </p:txBody>
-      </p:sp>
+        </p:nvGraphicFramePr>
+        <p:xfrm>
+          <a:off x="945265" y="2110451"/>
+          <a:ext cx="10965083" cy="3607443"/>
+        </p:xfrm>
+        <a:graphic>
+          <a:graphicData uri="http://schemas.openxmlformats.org/drawingml/2006/diagram">
+            <dgm:relIds xmlns:dgm="http://schemas.openxmlformats.org/drawingml/2006/diagram" xmlns:r="http://schemas.openxmlformats.org/officeDocument/2006/relationships" r:dm="rId2" r:lo="rId3" r:qs="rId4" r:cs="rId5"/>
+          </a:graphicData>
+        </a:graphic>
+      </p:graphicFrame>
     </p:spTree>
     <p:extLst>
       <p:ext uri="{BB962C8B-B14F-4D97-AF65-F5344CB8AC3E}">
@@ -14533,12 +18227,82 @@
             <p:ph idx="1"/>
           </p:nvPr>
         </p:nvSpPr>
-        <p:spPr/>
+        <p:spPr>
+          <a:xfrm>
+            <a:off x="2337285" y="2035628"/>
+            <a:ext cx="8915400" cy="3777622"/>
+          </a:xfrm>
+        </p:spPr>
         <p:txBody>
-          <a:bodyPr/>
+          <a:bodyPr>
+            <a:normAutofit lnSpcReduction="10000"/>
+          </a:bodyPr>
           <a:lstStyle/>
           <a:p>
-            <a:endParaRPr lang="en-US"/>
+            <a:r>
+              <a:rPr lang="en-US" dirty="0"/>
+              <a:t>Coding</a:t>
+            </a:r>
+          </a:p>
+          <a:p>
+            <a:pPr lvl="1"/>
+            <a:r>
+              <a:rPr lang="en-US" dirty="0"/>
+              <a:t>Help generating an inventory system</a:t>
+            </a:r>
+          </a:p>
+          <a:p>
+            <a:pPr lvl="1"/>
+            <a:r>
+              <a:rPr lang="en-US" dirty="0"/>
+              <a:t>Unique tactics for monsters</a:t>
+            </a:r>
+          </a:p>
+          <a:p>
+            <a:r>
+              <a:rPr lang="en-US" dirty="0"/>
+              <a:t>Animation</a:t>
+            </a:r>
+          </a:p>
+          <a:p>
+            <a:pPr lvl="1"/>
+            <a:r>
+              <a:rPr lang="en-US" dirty="0"/>
+              <a:t>Walking, dying, attacking goblins, crossbowman, and wizard</a:t>
+            </a:r>
+          </a:p>
+          <a:p>
+            <a:r>
+              <a:rPr lang="en-US" dirty="0"/>
+              <a:t>Music</a:t>
+            </a:r>
+          </a:p>
+          <a:p>
+            <a:pPr lvl="1"/>
+            <a:r>
+              <a:rPr lang="en-US" dirty="0"/>
+              <a:t>Medieval Background</a:t>
+            </a:r>
+          </a:p>
+          <a:p>
+            <a:r>
+              <a:rPr lang="en-US" dirty="0"/>
+              <a:t>Sounds</a:t>
+            </a:r>
+          </a:p>
+          <a:p>
+            <a:pPr lvl="1"/>
+            <a:r>
+              <a:rPr lang="en-US" dirty="0"/>
+              <a:t>Narrating story – Character Voices </a:t>
+            </a:r>
+          </a:p>
+          <a:p>
+            <a:pPr lvl="1"/>
+            <a:r>
+              <a:rPr lang="en-US" dirty="0"/>
+              <a:t>Sound effects for attacking, blocking, and being hurt.</a:t>
+            </a:r>
           </a:p>
         </p:txBody>
       </p:sp>
@@ -14546,6 +18310,113 @@
     <p:extLst>
       <p:ext uri="{BB962C8B-B14F-4D97-AF65-F5344CB8AC3E}">
         <p14:creationId xmlns:p14="http://schemas.microsoft.com/office/powerpoint/2010/main" val="2228426716"/>
+      </p:ext>
+    </p:extLst>
+  </p:cSld>
+  <p:clrMapOvr>
+    <a:masterClrMapping/>
+  </p:clrMapOvr>
+</p:sld>
+</file>
+
+<file path=ppt/slides/slide8.xml><?xml version="1.0" encoding="utf-8"?>
+<p:sld xmlns:a="http://schemas.openxmlformats.org/drawingml/2006/main" xmlns:r="http://schemas.openxmlformats.org/officeDocument/2006/relationships" xmlns:p="http://schemas.openxmlformats.org/presentationml/2006/main">
+  <p:cSld>
+    <p:spTree>
+      <p:nvGrpSpPr>
+        <p:cNvPr id="1" name=""/>
+        <p:cNvGrpSpPr/>
+        <p:nvPr/>
+      </p:nvGrpSpPr>
+      <p:grpSpPr>
+        <a:xfrm>
+          <a:off x="0" y="0"/>
+          <a:ext cx="0" cy="0"/>
+          <a:chOff x="0" y="0"/>
+          <a:chExt cx="0" cy="0"/>
+        </a:xfrm>
+      </p:grpSpPr>
+      <p:sp>
+        <p:nvSpPr>
+          <p:cNvPr id="2" name="Title 1">
+            <a:extLst>
+              <a:ext uri="{FF2B5EF4-FFF2-40B4-BE49-F238E27FC236}">
+                <a16:creationId xmlns:a16="http://schemas.microsoft.com/office/drawing/2014/main" id="{44E74DF2-5EF2-3F34-75E3-2748D36A8B66}"/>
+              </a:ext>
+            </a:extLst>
+          </p:cNvPr>
+          <p:cNvSpPr>
+            <a:spLocks noGrp="1"/>
+          </p:cNvSpPr>
+          <p:nvPr>
+            <p:ph type="title"/>
+          </p:nvPr>
+        </p:nvSpPr>
+        <p:spPr/>
+        <p:txBody>
+          <a:bodyPr/>
+          <a:lstStyle/>
+          <a:p>
+            <a:r>
+              <a:rPr lang="en-US" dirty="0"/>
+              <a:t>Join us in Channel!</a:t>
+            </a:r>
+          </a:p>
+        </p:txBody>
+      </p:sp>
+      <p:sp>
+        <p:nvSpPr>
+          <p:cNvPr id="3" name="Content Placeholder 2">
+            <a:extLst>
+              <a:ext uri="{FF2B5EF4-FFF2-40B4-BE49-F238E27FC236}">
+                <a16:creationId xmlns:a16="http://schemas.microsoft.com/office/drawing/2014/main" id="{9C4EA411-11DE-E905-3421-2CAE8A6E3C02}"/>
+              </a:ext>
+            </a:extLst>
+          </p:cNvPr>
+          <p:cNvSpPr>
+            <a:spLocks noGrp="1"/>
+          </p:cNvSpPr>
+          <p:nvPr>
+            <p:ph idx="1"/>
+          </p:nvPr>
+        </p:nvSpPr>
+        <p:spPr>
+          <a:xfrm>
+            <a:off x="2337285" y="2035628"/>
+            <a:ext cx="8915400" cy="3777622"/>
+          </a:xfrm>
+        </p:spPr>
+        <p:txBody>
+          <a:bodyPr>
+            <a:normAutofit/>
+          </a:bodyPr>
+          <a:lstStyle/>
+          <a:p>
+            <a:r>
+              <a:rPr lang="en-US" dirty="0"/>
+              <a:t>Channel is Team-</a:t>
+            </a:r>
+            <a:r>
+              <a:rPr lang="en-US" dirty="0" err="1"/>
+              <a:t>js</a:t>
+            </a:r>
+            <a:r>
+              <a:rPr lang="en-US" dirty="0"/>
+              <a:t>-Adventure-Of-Salvatore</a:t>
+            </a:r>
+          </a:p>
+          <a:p>
+            <a:pPr marL="0" indent="0">
+              <a:buNone/>
+            </a:pPr>
+            <a:endParaRPr lang="en-US" dirty="0"/>
+          </a:p>
+        </p:txBody>
+      </p:sp>
+    </p:spTree>
+    <p:extLst>
+      <p:ext uri="{BB962C8B-B14F-4D97-AF65-F5344CB8AC3E}">
+        <p14:creationId xmlns:p14="http://schemas.microsoft.com/office/powerpoint/2010/main" val="3916152852"/>
       </p:ext>
     </p:extLst>
   </p:cSld>

--- a/vince_mckeown/DungeonExplorer/slides/pitch.pptx
+++ b/vince_mckeown/DungeonExplorer/slides/pitch.pptx
@@ -122,7 +122,7 @@
 <file path=ppt/revisionInfo.xml><?xml version="1.0" encoding="utf-8"?>
 <p1510:revInfo xmlns:a="http://schemas.openxmlformats.org/drawingml/2006/main" xmlns:r="http://schemas.openxmlformats.org/officeDocument/2006/relationships" xmlns:p1510="http://schemas.microsoft.com/office/powerpoint/2015/10/main">
   <p1510:revLst>
-    <p1510:client id="{A85D52D4-5BB4-419E-9F72-290F12A4CB0E}" v="373" dt="2023-10-21T17:07:45.710"/>
+    <p1510:client id="{A85D52D4-5BB4-419E-9F72-290F12A4CB0E}" v="459" dt="2024-04-07T11:28:00.612"/>
   </p1510:revLst>
 </p1510:revInfo>
 </file>
@@ -132,18 +132,18 @@
   <pc:docChgLst>
     <pc:chgData name="Pauline McKeown" userId="31f1b572cc8f689e" providerId="LiveId" clId="{A85D52D4-5BB4-419E-9F72-290F12A4CB0E}"/>
     <pc:docChg chg="undo custSel addSld delSld modSld">
-      <pc:chgData name="Pauline McKeown" userId="31f1b572cc8f689e" providerId="LiveId" clId="{A85D52D4-5BB4-419E-9F72-290F12A4CB0E}" dt="2023-10-21T17:07:45.704" v="1961"/>
+      <pc:chgData name="Pauline McKeown" userId="31f1b572cc8f689e" providerId="LiveId" clId="{A85D52D4-5BB4-419E-9F72-290F12A4CB0E}" dt="2024-04-07T11:48:34.204" v="2426" actId="20577"/>
       <pc:docMkLst>
         <pc:docMk/>
       </pc:docMkLst>
       <pc:sldChg chg="addSp delSp modSp mod modTransition">
-        <pc:chgData name="Pauline McKeown" userId="31f1b572cc8f689e" providerId="LiveId" clId="{A85D52D4-5BB4-419E-9F72-290F12A4CB0E}" dt="2023-10-21T17:07:45.704" v="1961"/>
+        <pc:chgData name="Pauline McKeown" userId="31f1b572cc8f689e" providerId="LiveId" clId="{A85D52D4-5BB4-419E-9F72-290F12A4CB0E}" dt="2024-04-07T10:34:57.690" v="2058" actId="20577"/>
         <pc:sldMkLst>
           <pc:docMk/>
           <pc:sldMk cId="4214349629" sldId="256"/>
         </pc:sldMkLst>
         <pc:spChg chg="mod ord">
-          <ac:chgData name="Pauline McKeown" userId="31f1b572cc8f689e" providerId="LiveId" clId="{A85D52D4-5BB4-419E-9F72-290F12A4CB0E}" dt="2023-10-14T13:33:35.251" v="330" actId="207"/>
+          <ac:chgData name="Pauline McKeown" userId="31f1b572cc8f689e" providerId="LiveId" clId="{A85D52D4-5BB4-419E-9F72-290F12A4CB0E}" dt="2024-04-07T10:31:01.684" v="1987" actId="20577"/>
           <ac:spMkLst>
             <pc:docMk/>
             <pc:sldMk cId="4214349629" sldId="256"/>
@@ -151,7 +151,7 @@
           </ac:spMkLst>
         </pc:spChg>
         <pc:spChg chg="mod">
-          <ac:chgData name="Pauline McKeown" userId="31f1b572cc8f689e" providerId="LiveId" clId="{A85D52D4-5BB4-419E-9F72-290F12A4CB0E}" dt="2023-10-20T15:55:12.003" v="1711" actId="20577"/>
+          <ac:chgData name="Pauline McKeown" userId="31f1b572cc8f689e" providerId="LiveId" clId="{A85D52D4-5BB4-419E-9F72-290F12A4CB0E}" dt="2024-04-07T10:34:57.690" v="2058" actId="20577"/>
           <ac:spMkLst>
             <pc:docMk/>
             <pc:sldMk cId="4214349629" sldId="256"/>
@@ -232,7 +232,7 @@
         </pc:picChg>
       </pc:sldChg>
       <pc:sldChg chg="addSp delSp modSp new mod modAnim">
-        <pc:chgData name="Pauline McKeown" userId="31f1b572cc8f689e" providerId="LiveId" clId="{A85D52D4-5BB4-419E-9F72-290F12A4CB0E}" dt="2023-10-20T15:55:40.555" v="1727" actId="20577"/>
+        <pc:chgData name="Pauline McKeown" userId="31f1b572cc8f689e" providerId="LiveId" clId="{A85D52D4-5BB4-419E-9F72-290F12A4CB0E}" dt="2024-04-07T10:37:26.094" v="2087" actId="20577"/>
         <pc:sldMkLst>
           <pc:docMk/>
           <pc:sldMk cId="2127320520" sldId="257"/>
@@ -243,6 +243,14 @@
             <pc:docMk/>
             <pc:sldMk cId="2127320520" sldId="257"/>
             <ac:spMk id="2" creationId="{44E74DF2-5EF2-3F34-75E3-2748D36A8B66}"/>
+          </ac:spMkLst>
+        </pc:spChg>
+        <pc:spChg chg="add mod">
+          <ac:chgData name="Pauline McKeown" userId="31f1b572cc8f689e" providerId="LiveId" clId="{A85D52D4-5BB4-419E-9F72-290F12A4CB0E}" dt="2024-04-07T10:37:26.094" v="2087" actId="20577"/>
+          <ac:spMkLst>
+            <pc:docMk/>
+            <pc:sldMk cId="2127320520" sldId="257"/>
+            <ac:spMk id="3" creationId="{0F1233F1-1E77-C182-5D72-ED217E21F9A7}"/>
           </ac:spMkLst>
         </pc:spChg>
         <pc:spChg chg="del">
@@ -390,14 +398,14 @@
           </ac:picMkLst>
         </pc:picChg>
       </pc:sldChg>
-      <pc:sldChg chg="addSp delSp modSp add mod">
-        <pc:chgData name="Pauline McKeown" userId="31f1b572cc8f689e" providerId="LiveId" clId="{A85D52D4-5BB4-419E-9F72-290F12A4CB0E}" dt="2023-10-15T18:52:22.338" v="603" actId="1076"/>
+      <pc:sldChg chg="addSp delSp modSp add mod setBg">
+        <pc:chgData name="Pauline McKeown" userId="31f1b572cc8f689e" providerId="LiveId" clId="{A85D52D4-5BB4-419E-9F72-290F12A4CB0E}" dt="2024-04-07T11:28:25.066" v="2396" actId="26606"/>
         <pc:sldMkLst>
           <pc:docMk/>
           <pc:sldMk cId="1465306405" sldId="258"/>
         </pc:sldMkLst>
         <pc:spChg chg="mod">
-          <ac:chgData name="Pauline McKeown" userId="31f1b572cc8f689e" providerId="LiveId" clId="{A85D52D4-5BB4-419E-9F72-290F12A4CB0E}" dt="2023-10-14T13:10:12.773" v="158" actId="20577"/>
+          <ac:chgData name="Pauline McKeown" userId="31f1b572cc8f689e" providerId="LiveId" clId="{A85D52D4-5BB4-419E-9F72-290F12A4CB0E}" dt="2024-04-07T11:28:25.066" v="2396" actId="26606"/>
           <ac:spMkLst>
             <pc:docMk/>
             <pc:sldMk cId="1465306405" sldId="258"/>
@@ -405,11 +413,27 @@
           </ac:spMkLst>
         </pc:spChg>
         <pc:spChg chg="mod">
-          <ac:chgData name="Pauline McKeown" userId="31f1b572cc8f689e" providerId="LiveId" clId="{A85D52D4-5BB4-419E-9F72-290F12A4CB0E}" dt="2023-10-15T18:42:28.774" v="590" actId="5793"/>
+          <ac:chgData name="Pauline McKeown" userId="31f1b572cc8f689e" providerId="LiveId" clId="{A85D52D4-5BB4-419E-9F72-290F12A4CB0E}" dt="2024-04-07T11:28:25.066" v="2396" actId="26606"/>
           <ac:spMkLst>
             <pc:docMk/>
             <pc:sldMk cId="1465306405" sldId="258"/>
             <ac:spMk id="3" creationId="{9C4EA411-11DE-E905-3421-2CAE8A6E3C02}"/>
+          </ac:spMkLst>
+        </pc:spChg>
+        <pc:spChg chg="add">
+          <ac:chgData name="Pauline McKeown" userId="31f1b572cc8f689e" providerId="LiveId" clId="{A85D52D4-5BB4-419E-9F72-290F12A4CB0E}" dt="2024-04-07T11:28:25.066" v="2396" actId="26606"/>
+          <ac:spMkLst>
+            <pc:docMk/>
+            <pc:sldMk cId="1465306405" sldId="258"/>
+            <ac:spMk id="13" creationId="{23C7736A-5A08-4021-9AB6-390DFF506AA8}"/>
+          </ac:spMkLst>
+        </pc:spChg>
+        <pc:spChg chg="add">
+          <ac:chgData name="Pauline McKeown" userId="31f1b572cc8f689e" providerId="LiveId" clId="{A85D52D4-5BB4-419E-9F72-290F12A4CB0E}" dt="2024-04-07T11:28:25.066" v="2396" actId="26606"/>
+          <ac:spMkLst>
+            <pc:docMk/>
+            <pc:sldMk cId="1465306405" sldId="258"/>
+            <ac:spMk id="15" creationId="{433DF4D3-8A35-461A-ABE0-F56B78A1371F}"/>
           </ac:spMkLst>
         </pc:spChg>
         <pc:picChg chg="add del mod">
@@ -420,12 +444,28 @@
             <ac:picMk id="4" creationId="{73A5BB44-8F78-1D7E-C837-12DD1A298F91}"/>
           </ac:picMkLst>
         </pc:picChg>
-        <pc:picChg chg="add mod">
-          <ac:chgData name="Pauline McKeown" userId="31f1b572cc8f689e" providerId="LiveId" clId="{A85D52D4-5BB4-419E-9F72-290F12A4CB0E}" dt="2023-10-15T18:52:22.338" v="603" actId="1076"/>
+        <pc:picChg chg="add mod ord">
+          <ac:chgData name="Pauline McKeown" userId="31f1b572cc8f689e" providerId="LiveId" clId="{A85D52D4-5BB4-419E-9F72-290F12A4CB0E}" dt="2024-04-07T11:28:25.066" v="2396" actId="26606"/>
+          <ac:picMkLst>
+            <pc:docMk/>
+            <pc:sldMk cId="1465306405" sldId="258"/>
+            <ac:picMk id="5" creationId="{FE4EECE1-4F3B-393B-ED56-42D8EBA90DCA}"/>
+          </ac:picMkLst>
+        </pc:picChg>
+        <pc:picChg chg="add del mod">
+          <ac:chgData name="Pauline McKeown" userId="31f1b572cc8f689e" providerId="LiveId" clId="{A85D52D4-5BB4-419E-9F72-290F12A4CB0E}" dt="2024-04-07T10:30:08.468" v="1962" actId="478"/>
           <ac:picMkLst>
             <pc:docMk/>
             <pc:sldMk cId="1465306405" sldId="258"/>
             <ac:picMk id="6" creationId="{D3AEEAF6-3AE7-327F-D32B-020B93A9F4D9}"/>
+          </ac:picMkLst>
+        </pc:picChg>
+        <pc:picChg chg="add mod ord">
+          <ac:chgData name="Pauline McKeown" userId="31f1b572cc8f689e" providerId="LiveId" clId="{A85D52D4-5BB4-419E-9F72-290F12A4CB0E}" dt="2024-04-07T11:28:25.066" v="2396" actId="26606"/>
+          <ac:picMkLst>
+            <pc:docMk/>
+            <pc:sldMk cId="1465306405" sldId="258"/>
+            <ac:picMk id="8" creationId="{E8EBB7F5-6602-9551-CDE5-3264B4C2AF3C}"/>
           </ac:picMkLst>
         </pc:picChg>
       </pc:sldChg>
@@ -445,13 +485,13 @@
         </pc:spChg>
       </pc:sldChg>
       <pc:sldChg chg="modSp add mod">
-        <pc:chgData name="Pauline McKeown" userId="31f1b572cc8f689e" providerId="LiveId" clId="{A85D52D4-5BB4-419E-9F72-290F12A4CB0E}" dt="2023-10-15T20:16:12.383" v="1652" actId="20577"/>
+        <pc:chgData name="Pauline McKeown" userId="31f1b572cc8f689e" providerId="LiveId" clId="{A85D52D4-5BB4-419E-9F72-290F12A4CB0E}" dt="2024-04-07T11:48:34.204" v="2426" actId="20577"/>
         <pc:sldMkLst>
           <pc:docMk/>
           <pc:sldMk cId="3244594980" sldId="260"/>
         </pc:sldMkLst>
         <pc:spChg chg="mod">
-          <ac:chgData name="Pauline McKeown" userId="31f1b572cc8f689e" providerId="LiveId" clId="{A85D52D4-5BB4-419E-9F72-290F12A4CB0E}" dt="2023-10-14T13:11:59.819" v="233" actId="20577"/>
+          <ac:chgData name="Pauline McKeown" userId="31f1b572cc8f689e" providerId="LiveId" clId="{A85D52D4-5BB4-419E-9F72-290F12A4CB0E}" dt="2024-04-07T11:48:25.017" v="2425" actId="20577"/>
           <ac:spMkLst>
             <pc:docMk/>
             <pc:sldMk cId="3244594980" sldId="260"/>
@@ -459,7 +499,7 @@
           </ac:spMkLst>
         </pc:spChg>
         <pc:spChg chg="mod">
-          <ac:chgData name="Pauline McKeown" userId="31f1b572cc8f689e" providerId="LiveId" clId="{A85D52D4-5BB4-419E-9F72-290F12A4CB0E}" dt="2023-10-15T20:16:12.383" v="1652" actId="20577"/>
+          <ac:chgData name="Pauline McKeown" userId="31f1b572cc8f689e" providerId="LiveId" clId="{A85D52D4-5BB4-419E-9F72-290F12A4CB0E}" dt="2024-04-07T11:48:34.204" v="2426" actId="20577"/>
           <ac:spMkLst>
             <pc:docMk/>
             <pc:sldMk cId="3244594980" sldId="260"/>
@@ -468,7 +508,7 @@
         </pc:spChg>
       </pc:sldChg>
       <pc:sldChg chg="addSp delSp modSp add mod">
-        <pc:chgData name="Pauline McKeown" userId="31f1b572cc8f689e" providerId="LiveId" clId="{A85D52D4-5BB4-419E-9F72-290F12A4CB0E}" dt="2023-10-20T15:56:28.402" v="1737" actId="20577"/>
+        <pc:chgData name="Pauline McKeown" userId="31f1b572cc8f689e" providerId="LiveId" clId="{A85D52D4-5BB4-419E-9F72-290F12A4CB0E}" dt="2024-04-07T10:48:16.071" v="2282" actId="20577"/>
         <pc:sldMkLst>
           <pc:docMk/>
           <pc:sldMk cId="1381033241" sldId="261"/>
@@ -490,7 +530,7 @@
           </ac:spMkLst>
         </pc:spChg>
         <pc:graphicFrameChg chg="add mod modGraphic">
-          <ac:chgData name="Pauline McKeown" userId="31f1b572cc8f689e" providerId="LiveId" clId="{A85D52D4-5BB4-419E-9F72-290F12A4CB0E}" dt="2023-10-20T15:56:28.402" v="1737" actId="20577"/>
+          <ac:chgData name="Pauline McKeown" userId="31f1b572cc8f689e" providerId="LiveId" clId="{A85D52D4-5BB4-419E-9F72-290F12A4CB0E}" dt="2024-04-07T10:48:16.071" v="2282" actId="20577"/>
           <ac:graphicFrameMkLst>
             <pc:docMk/>
             <pc:sldMk cId="1381033241" sldId="261"/>
@@ -522,7 +562,7 @@
         </pc:spChg>
       </pc:sldChg>
       <pc:sldChg chg="modSp add mod">
-        <pc:chgData name="Pauline McKeown" userId="31f1b572cc8f689e" providerId="LiveId" clId="{A85D52D4-5BB4-419E-9F72-290F12A4CB0E}" dt="2023-10-20T16:00:08.668" v="1960" actId="20577"/>
+        <pc:chgData name="Pauline McKeown" userId="31f1b572cc8f689e" providerId="LiveId" clId="{A85D52D4-5BB4-419E-9F72-290F12A4CB0E}" dt="2024-04-07T10:51:27.636" v="2380" actId="20577"/>
         <pc:sldMkLst>
           <pc:docMk/>
           <pc:sldMk cId="3916152852" sldId="263"/>
@@ -536,7 +576,7 @@
           </ac:spMkLst>
         </pc:spChg>
         <pc:spChg chg="mod">
-          <ac:chgData name="Pauline McKeown" userId="31f1b572cc8f689e" providerId="LiveId" clId="{A85D52D4-5BB4-419E-9F72-290F12A4CB0E}" dt="2023-10-20T16:00:08.668" v="1960" actId="20577"/>
+          <ac:chgData name="Pauline McKeown" userId="31f1b572cc8f689e" providerId="LiveId" clId="{A85D52D4-5BB4-419E-9F72-290F12A4CB0E}" dt="2024-04-07T10:51:27.636" v="2380" actId="20577"/>
           <ac:spMkLst>
             <pc:docMk/>
             <pc:sldMk cId="3916152852" sldId="263"/>
@@ -3434,14 +3474,14 @@
       </dgm:t>
     </dgm:pt>
     <dgm:pt modelId="{7D6372B8-D4BB-4A9A-ADA4-98F81D363F79}">
-      <dgm:prSet phldrT="[Text]"/>
+      <dgm:prSet phldrT="[Text]" custT="1"/>
       <dgm:spPr/>
       <dgm:t>
         <a:bodyPr/>
         <a:lstStyle/>
         <a:p>
           <a:r>
-            <a:rPr lang="en-US" sz="2100" dirty="0"/>
+            <a:rPr lang="en-US" sz="1800" dirty="0"/>
             <a:t>Combat</a:t>
           </a:r>
         </a:p>
@@ -3470,14 +3510,14 @@
       </dgm:t>
     </dgm:pt>
     <dgm:pt modelId="{6993D8EE-0DC4-4A16-BCEF-D0001D378C66}">
-      <dgm:prSet phldrT="[Text]"/>
+      <dgm:prSet phldrT="[Text]" custT="1"/>
       <dgm:spPr/>
       <dgm:t>
         <a:bodyPr/>
         <a:lstStyle/>
         <a:p>
           <a:r>
-            <a:rPr lang="en-US" sz="2100" dirty="0"/>
+            <a:rPr lang="en-US" sz="1800" dirty="0"/>
             <a:t>Inventory</a:t>
           </a:r>
         </a:p>
@@ -3542,14 +3582,14 @@
       </dgm:t>
     </dgm:pt>
     <dgm:pt modelId="{B8E008A8-8104-4B0D-9DDB-213F0041460F}">
-      <dgm:prSet phldrT="[Text]"/>
+      <dgm:prSet phldrT="[Text]" custT="1"/>
       <dgm:spPr/>
       <dgm:t>
         <a:bodyPr/>
         <a:lstStyle/>
         <a:p>
           <a:r>
-            <a:rPr lang="en-US" sz="2100" dirty="0"/>
+            <a:rPr lang="en-US" sz="1800" dirty="0"/>
             <a:t>Pathfinding</a:t>
           </a:r>
         </a:p>
@@ -3586,7 +3626,7 @@
         <a:p>
           <a:r>
             <a:rPr lang="en-US" sz="2100" dirty="0"/>
-            <a:t>Castle</a:t>
+            <a:t>Enemies</a:t>
           </a:r>
         </a:p>
       </dgm:t>
@@ -3757,42 +3797,6 @@
         </a:p>
       </dgm:t>
     </dgm:pt>
-    <dgm:pt modelId="{E07514EE-35D1-43D7-B4A9-77E6A51CFDC7}">
-      <dgm:prSet phldrT="[Text]" custT="1"/>
-      <dgm:spPr/>
-      <dgm:t>
-        <a:bodyPr/>
-        <a:lstStyle/>
-        <a:p>
-          <a:r>
-            <a:rPr lang="en-US" sz="2100" dirty="0"/>
-            <a:t>Catacombs</a:t>
-          </a:r>
-        </a:p>
-      </dgm:t>
-    </dgm:pt>
-    <dgm:pt modelId="{324DD7DF-97C6-46F9-8E0D-0834DA58704E}" type="parTrans" cxnId="{C74A8231-78FF-4A5C-9909-39265AE349A8}">
-      <dgm:prSet/>
-      <dgm:spPr/>
-      <dgm:t>
-        <a:bodyPr/>
-        <a:lstStyle/>
-        <a:p>
-          <a:endParaRPr lang="en-US"/>
-        </a:p>
-      </dgm:t>
-    </dgm:pt>
-    <dgm:pt modelId="{6AF7869B-60C2-4F3D-8EB1-F65443FEE595}" type="sibTrans" cxnId="{C74A8231-78FF-4A5C-9909-39265AE349A8}">
-      <dgm:prSet/>
-      <dgm:spPr/>
-      <dgm:t>
-        <a:bodyPr/>
-        <a:lstStyle/>
-        <a:p>
-          <a:endParaRPr lang="en-US"/>
-        </a:p>
-      </dgm:t>
-    </dgm:pt>
     <dgm:pt modelId="{7628AE3D-B74C-4C90-B0DC-28E4C1D9FF3C}">
       <dgm:prSet phldrT="[Text]" custT="1"/>
       <dgm:spPr/>
@@ -3802,7 +3806,7 @@
         <a:p>
           <a:r>
             <a:rPr lang="en-US" sz="2100" dirty="0"/>
-            <a:t>Monsters</a:t>
+            <a:t>Level Design</a:t>
           </a:r>
         </a:p>
       </dgm:t>
@@ -3837,8 +3841,8 @@
         <a:lstStyle/>
         <a:p>
           <a:r>
-            <a:rPr lang="en-US" sz="2100" dirty="0"/>
-            <a:t>Level</a:t>
+            <a:rPr lang="en-US" sz="1800" dirty="0"/>
+            <a:t>Placement</a:t>
           </a:r>
         </a:p>
       </dgm:t>
@@ -3873,10 +3877,9 @@
         <a:lstStyle/>
         <a:p>
           <a:r>
-            <a:rPr lang="en-US" sz="2100" dirty="0"/>
+            <a:rPr lang="en-US" sz="1800" dirty="0"/>
             <a:t>Puzzles</a:t>
           </a:r>
-          <a:endParaRPr lang="en-US" sz="2400" dirty="0"/>
         </a:p>
       </dgm:t>
     </dgm:pt>
@@ -4010,6 +4013,42 @@
         </a:p>
       </dgm:t>
     </dgm:pt>
+    <dgm:pt modelId="{66093D39-663F-4718-BAB0-E62C37A01369}">
+      <dgm:prSet phldrT="[Text]" custT="1"/>
+      <dgm:spPr/>
+      <dgm:t>
+        <a:bodyPr/>
+        <a:lstStyle/>
+        <a:p>
+          <a:r>
+            <a:rPr lang="en-US" sz="1800" dirty="0"/>
+            <a:t>Difficulty</a:t>
+          </a:r>
+        </a:p>
+      </dgm:t>
+    </dgm:pt>
+    <dgm:pt modelId="{5D87AB8F-87A8-4737-B0C7-8CF923A92139}" type="parTrans" cxnId="{B9E75233-A2ED-437C-9D80-81A1850FF748}">
+      <dgm:prSet/>
+      <dgm:spPr/>
+      <dgm:t>
+        <a:bodyPr/>
+        <a:lstStyle/>
+        <a:p>
+          <a:endParaRPr lang="en-US"/>
+        </a:p>
+      </dgm:t>
+    </dgm:pt>
+    <dgm:pt modelId="{6F3B364D-C7AD-48BF-B596-A9F1727F93C7}" type="sibTrans" cxnId="{B9E75233-A2ED-437C-9D80-81A1850FF748}">
+      <dgm:prSet/>
+      <dgm:spPr/>
+      <dgm:t>
+        <a:bodyPr/>
+        <a:lstStyle/>
+        <a:p>
+          <a:endParaRPr lang="en-US"/>
+        </a:p>
+      </dgm:t>
+    </dgm:pt>
     <dgm:pt modelId="{945715E5-A15F-4EB3-A663-C007B3F9427F}" type="pres">
       <dgm:prSet presAssocID="{AC395F03-F456-4DE2-8004-81FC65E4291B}" presName="Name0" presStyleCnt="0">
         <dgm:presLayoutVars>
@@ -4070,21 +4109,21 @@
     <dgm:cxn modelId="{CB4E380F-0823-40DA-BDE3-C38B6543AAB1}" type="presOf" srcId="{2E8ABB77-C9A0-4543-A1B6-DF9687BE5042}" destId="{B203C465-15F1-48BB-B76C-A1C08EA2DB95}" srcOrd="0" destOrd="3" presId="urn:microsoft.com/office/officeart/2005/8/layout/hChevron3"/>
     <dgm:cxn modelId="{A436790F-3FBB-47D5-B5DE-9AF4499C8511}" srcId="{D80B3018-4239-4024-BE34-20AD4B4BA90D}" destId="{80DA9952-68E5-4825-9FE6-9F28833ADA2B}" srcOrd="0" destOrd="0" parTransId="{1CE6E7F9-1192-4137-A486-5BB6784CF413}" sibTransId="{B1C06439-8EBB-4EDE-B00B-946780775733}"/>
     <dgm:cxn modelId="{29478415-314F-4B31-AEE9-B0EEB794D2E9}" type="presOf" srcId="{887DFC68-0DF8-4CAF-AC26-5D2F76A9B168}" destId="{F73A1A33-9B7A-451E-AC5A-7E10F06FB1D8}" srcOrd="0" destOrd="0" presId="urn:microsoft.com/office/officeart/2005/8/layout/hChevron3"/>
-    <dgm:cxn modelId="{85939015-867F-4E90-A78C-35AA2B10B994}" type="presOf" srcId="{E07514EE-35D1-43D7-B4A9-77E6A51CFDC7}" destId="{306CC7D4-86B5-4735-96EF-90B4573CD7CA}" srcOrd="0" destOrd="1" presId="urn:microsoft.com/office/officeart/2005/8/layout/hChevron3"/>
     <dgm:cxn modelId="{6E50271C-4868-4F62-9A9B-40A3E3D7982E}" srcId="{AC395F03-F456-4DE2-8004-81FC65E4291B}" destId="{52837896-590A-48FC-9EBF-4F07435C235F}" srcOrd="3" destOrd="0" parTransId="{4FAFD303-509D-4C13-B784-A77EC097E417}" sibTransId="{27C4ECCD-7376-4A59-BDD4-C50AB0694AA5}"/>
     <dgm:cxn modelId="{0F77571F-CB5A-4048-8860-ED3B29229D79}" type="presOf" srcId="{2C7AB860-542D-428F-A285-A1FCF5ABC8B5}" destId="{B203C465-15F1-48BB-B76C-A1C08EA2DB95}" srcOrd="0" destOrd="1" presId="urn:microsoft.com/office/officeart/2005/8/layout/hChevron3"/>
     <dgm:cxn modelId="{70384C28-D6B2-462D-8BE6-230700083960}" srcId="{AC395F03-F456-4DE2-8004-81FC65E4291B}" destId="{F80438B4-C1CA-4352-AD1A-237AAAC60D72}" srcOrd="2" destOrd="0" parTransId="{3FB10138-87A6-44F0-B446-6095FD2B0732}" sibTransId="{D1C89F3F-3E30-4E2E-9074-65E907508868}"/>
     <dgm:cxn modelId="{AB21D528-B2DB-4E5B-B323-2AA00102E54C}" srcId="{887DFC68-0DF8-4CAF-AC26-5D2F76A9B168}" destId="{9171D1FD-331C-43F2-BA8A-18A3C8E1740D}" srcOrd="0" destOrd="0" parTransId="{1A412F7A-DB27-4084-8E3B-DD7981090396}" sibTransId="{C2F0D146-379B-4708-AF2D-E4D674962808}"/>
-    <dgm:cxn modelId="{C74A8231-78FF-4A5C-9909-39265AE349A8}" srcId="{F80438B4-C1CA-4352-AD1A-237AAAC60D72}" destId="{E07514EE-35D1-43D7-B4A9-77E6A51CFDC7}" srcOrd="0" destOrd="0" parTransId="{324DD7DF-97C6-46F9-8E0D-0834DA58704E}" sibTransId="{6AF7869B-60C2-4F3D-8EB1-F65443FEE595}"/>
+    <dgm:cxn modelId="{B9E75233-A2ED-437C-9D80-81A1850FF748}" srcId="{7628AE3D-B74C-4C90-B0DC-28E4C1D9FF3C}" destId="{66093D39-663F-4718-BAB0-E62C37A01369}" srcOrd="2" destOrd="0" parTransId="{5D87AB8F-87A8-4737-B0C7-8CF923A92139}" sibTransId="{6F3B364D-C7AD-48BF-B596-A9F1727F93C7}"/>
     <dgm:cxn modelId="{D21C855D-9310-4BCD-A2D6-19013B0B0DFE}" srcId="{AC395F03-F456-4DE2-8004-81FC65E4291B}" destId="{29297AEF-8659-4B29-BF60-AA47593D8008}" srcOrd="1" destOrd="0" parTransId="{E4EF205E-E14E-40FE-9BBF-CAF8B8542140}" sibTransId="{74C9750A-F6AB-468A-94B7-A561EF507271}"/>
+    <dgm:cxn modelId="{C8D2645F-FAE8-4C8E-AC83-C8FEA6789F48}" type="presOf" srcId="{66093D39-663F-4718-BAB0-E62C37A01369}" destId="{306CC7D4-86B5-4735-96EF-90B4573CD7CA}" srcOrd="0" destOrd="4" presId="urn:microsoft.com/office/officeart/2005/8/layout/hChevron3"/>
     <dgm:cxn modelId="{3166DF5F-1365-46CB-A872-90359243F985}" srcId="{16C91B15-B722-488A-98C6-417082CB9FFD}" destId="{B8E008A8-8104-4B0D-9DDB-213F0041460F}" srcOrd="0" destOrd="0" parTransId="{E889392F-A4B5-4BD7-B61F-46951FA25D83}" sibTransId="{B3B9702B-6651-4540-AE86-24032B4901F4}"/>
-    <dgm:cxn modelId="{28C41160-08C1-4546-BC9C-F7E822440DC6}" type="presOf" srcId="{0D351C7E-0E01-4082-947D-370F7E1C1EB0}" destId="{306CC7D4-86B5-4735-96EF-90B4573CD7CA}" srcOrd="0" destOrd="4" presId="urn:microsoft.com/office/officeart/2005/8/layout/hChevron3"/>
-    <dgm:cxn modelId="{79875D61-B46E-4DAF-B250-31171C27F6B7}" srcId="{E07514EE-35D1-43D7-B4A9-77E6A51CFDC7}" destId="{0D351C7E-0E01-4082-947D-370F7E1C1EB0}" srcOrd="2" destOrd="0" parTransId="{62B31597-0820-4358-B77C-71DCBEC711B0}" sibTransId="{FA6AFC60-D148-4449-96F4-B00B743F3F35}"/>
+    <dgm:cxn modelId="{28C41160-08C1-4546-BC9C-F7E822440DC6}" type="presOf" srcId="{0D351C7E-0E01-4082-947D-370F7E1C1EB0}" destId="{306CC7D4-86B5-4735-96EF-90B4573CD7CA}" srcOrd="0" destOrd="3" presId="urn:microsoft.com/office/officeart/2005/8/layout/hChevron3"/>
+    <dgm:cxn modelId="{79875D61-B46E-4DAF-B250-31171C27F6B7}" srcId="{7628AE3D-B74C-4C90-B0DC-28E4C1D9FF3C}" destId="{0D351C7E-0E01-4082-947D-370F7E1C1EB0}" srcOrd="1" destOrd="0" parTransId="{62B31597-0820-4358-B77C-71DCBEC711B0}" sibTransId="{FA6AFC60-D148-4449-96F4-B00B743F3F35}"/>
     <dgm:cxn modelId="{5850AC41-B0E3-422C-BAF6-82B4E3C0D5B9}" type="presOf" srcId="{16C91B15-B722-488A-98C6-417082CB9FFD}" destId="{F73A1A33-9B7A-451E-AC5A-7E10F06FB1D8}" srcOrd="0" destOrd="2" presId="urn:microsoft.com/office/officeart/2005/8/layout/hChevron3"/>
     <dgm:cxn modelId="{7FE1FE42-9F7A-408D-8F5C-BD3715E8BD4D}" type="presOf" srcId="{9171D1FD-331C-43F2-BA8A-18A3C8E1740D}" destId="{F73A1A33-9B7A-451E-AC5A-7E10F06FB1D8}" srcOrd="0" destOrd="1" presId="urn:microsoft.com/office/officeart/2005/8/layout/hChevron3"/>
     <dgm:cxn modelId="{3DFAF44F-C509-456D-882D-7953E8C455EB}" srcId="{29297AEF-8659-4B29-BF60-AA47593D8008}" destId="{D80B3018-4239-4024-BE34-20AD4B4BA90D}" srcOrd="0" destOrd="0" parTransId="{7625A539-71AF-4CCD-AE36-70E6EABC9B35}" sibTransId="{859E3569-616D-4BF5-AE97-918988D0B3FC}"/>
-    <dgm:cxn modelId="{B47C5354-3321-4D41-9D11-3F9B6840E5A6}" type="presOf" srcId="{D29E88E0-7C36-40FD-B9DA-097B8966F5E8}" destId="{306CC7D4-86B5-4735-96EF-90B4573CD7CA}" srcOrd="0" destOrd="3" presId="urn:microsoft.com/office/officeart/2005/8/layout/hChevron3"/>
-    <dgm:cxn modelId="{5DCAC875-AA1F-457E-98EB-7F151882B5FF}" type="presOf" srcId="{7628AE3D-B74C-4C90-B0DC-28E4C1D9FF3C}" destId="{306CC7D4-86B5-4735-96EF-90B4573CD7CA}" srcOrd="0" destOrd="2" presId="urn:microsoft.com/office/officeart/2005/8/layout/hChevron3"/>
+    <dgm:cxn modelId="{B47C5354-3321-4D41-9D11-3F9B6840E5A6}" type="presOf" srcId="{D29E88E0-7C36-40FD-B9DA-097B8966F5E8}" destId="{306CC7D4-86B5-4735-96EF-90B4573CD7CA}" srcOrd="0" destOrd="2" presId="urn:microsoft.com/office/officeart/2005/8/layout/hChevron3"/>
+    <dgm:cxn modelId="{5DCAC875-AA1F-457E-98EB-7F151882B5FF}" type="presOf" srcId="{7628AE3D-B74C-4C90-B0DC-28E4C1D9FF3C}" destId="{306CC7D4-86B5-4735-96EF-90B4573CD7CA}" srcOrd="0" destOrd="1" presId="urn:microsoft.com/office/officeart/2005/8/layout/hChevron3"/>
     <dgm:cxn modelId="{BF9F0856-D2FD-4B56-A7CA-410C4B4EAF03}" type="presOf" srcId="{6993D8EE-0DC4-4A16-BCEF-D0001D378C66}" destId="{F73A1A33-9B7A-451E-AC5A-7E10F06FB1D8}" srcOrd="0" destOrd="5" presId="urn:microsoft.com/office/officeart/2005/8/layout/hChevron3"/>
     <dgm:cxn modelId="{804C6A58-0531-4141-825C-EED67AF03827}" srcId="{52837896-590A-48FC-9EBF-4F07435C235F}" destId="{2E8ABB77-C9A0-4543-A1B6-DF9687BE5042}" srcOrd="2" destOrd="0" parTransId="{9B815DB1-196C-4094-B897-43EAE8E887AE}" sibTransId="{FE07E6C8-9927-4436-9972-AC2588712B44}"/>
     <dgm:cxn modelId="{73DFD57B-17EE-4F3F-9606-4281400B15FE}" type="presOf" srcId="{FC2D5D16-0313-4CFE-8D22-44B214300941}" destId="{08780306-792E-4891-800E-003C8CABE436}" srcOrd="0" destOrd="4" presId="urn:microsoft.com/office/officeart/2005/8/layout/hChevron3"/>
@@ -4092,10 +4131,10 @@
     <dgm:cxn modelId="{7C802489-B1E4-43B8-85A5-194241ADF979}" type="presOf" srcId="{D80B3018-4239-4024-BE34-20AD4B4BA90D}" destId="{08780306-792E-4891-800E-003C8CABE436}" srcOrd="0" destOrd="1" presId="urn:microsoft.com/office/officeart/2005/8/layout/hChevron3"/>
     <dgm:cxn modelId="{9BEE5795-35EA-4861-8540-4C11E9786D55}" srcId="{D80B3018-4239-4024-BE34-20AD4B4BA90D}" destId="{8BA83E31-7642-44F9-8F45-0ACBECD06617}" srcOrd="1" destOrd="0" parTransId="{3CA3FACB-66CB-4935-A14A-1879AD4ABBA7}" sibTransId="{819BA6F1-BCF5-4346-AD83-BC3A5C193603}"/>
     <dgm:cxn modelId="{1847AC96-BB00-4504-AA46-B38D67C25710}" type="presOf" srcId="{8BA83E31-7642-44F9-8F45-0ACBECD06617}" destId="{08780306-792E-4891-800E-003C8CABE436}" srcOrd="0" destOrd="3" presId="urn:microsoft.com/office/officeart/2005/8/layout/hChevron3"/>
-    <dgm:cxn modelId="{C12933A4-F678-429F-B502-11AF501DD102}" srcId="{E07514EE-35D1-43D7-B4A9-77E6A51CFDC7}" destId="{7628AE3D-B74C-4C90-B0DC-28E4C1D9FF3C}" srcOrd="0" destOrd="0" parTransId="{6301FC5E-3E06-401B-B15E-9ABE78353AD5}" sibTransId="{EB8E0860-9A7E-4EFC-AF64-8E02A02D8DED}"/>
+    <dgm:cxn modelId="{C12933A4-F678-429F-B502-11AF501DD102}" srcId="{F80438B4-C1CA-4352-AD1A-237AAAC60D72}" destId="{7628AE3D-B74C-4C90-B0DC-28E4C1D9FF3C}" srcOrd="0" destOrd="0" parTransId="{6301FC5E-3E06-401B-B15E-9ABE78353AD5}" sibTransId="{EB8E0860-9A7E-4EFC-AF64-8E02A02D8DED}"/>
     <dgm:cxn modelId="{F94769A5-0A79-4B9C-A765-235F500401F5}" type="presOf" srcId="{AC395F03-F456-4DE2-8004-81FC65E4291B}" destId="{945715E5-A15F-4EB3-A663-C007B3F9427F}" srcOrd="0" destOrd="0" presId="urn:microsoft.com/office/officeart/2005/8/layout/hChevron3"/>
     <dgm:cxn modelId="{B360FEB2-E387-422D-9A1D-80142821220D}" srcId="{887DFC68-0DF8-4CAF-AC26-5D2F76A9B168}" destId="{16C91B15-B722-488A-98C6-417082CB9FFD}" srcOrd="1" destOrd="0" parTransId="{EC2C6214-D139-47AE-BC37-1E5ED0D4E149}" sibTransId="{0F6ECBE2-F247-4D3E-B30B-D42F9820C27F}"/>
-    <dgm:cxn modelId="{D2DD84BE-D710-4883-AAF3-3550FC696F3B}" srcId="{E07514EE-35D1-43D7-B4A9-77E6A51CFDC7}" destId="{D29E88E0-7C36-40FD-B9DA-097B8966F5E8}" srcOrd="1" destOrd="0" parTransId="{D95B2AA9-0970-4DBF-8746-66B9A9DAF226}" sibTransId="{6EAB8013-9506-4659-86AA-7F8B142A26D0}"/>
+    <dgm:cxn modelId="{D2DD84BE-D710-4883-AAF3-3550FC696F3B}" srcId="{7628AE3D-B74C-4C90-B0DC-28E4C1D9FF3C}" destId="{D29E88E0-7C36-40FD-B9DA-097B8966F5E8}" srcOrd="0" destOrd="0" parTransId="{D95B2AA9-0970-4DBF-8746-66B9A9DAF226}" sibTransId="{6EAB8013-9506-4659-86AA-7F8B142A26D0}"/>
     <dgm:cxn modelId="{38E993C3-DD90-479F-8092-7A29F779561A}" type="presOf" srcId="{F80438B4-C1CA-4352-AD1A-237AAAC60D72}" destId="{306CC7D4-86B5-4735-96EF-90B4573CD7CA}" srcOrd="0" destOrd="0" presId="urn:microsoft.com/office/officeart/2005/8/layout/hChevron3"/>
     <dgm:cxn modelId="{52CA9FC3-3D49-4C5E-86A8-DB22CC4BC972}" type="presOf" srcId="{29297AEF-8659-4B29-BF60-AA47593D8008}" destId="{08780306-792E-4891-800E-003C8CABE436}" srcOrd="0" destOrd="0" presId="urn:microsoft.com/office/officeart/2005/8/layout/hChevron3"/>
     <dgm:cxn modelId="{E83D2DD1-AAD9-41D2-B124-1168C9A805F1}" type="presOf" srcId="{52837896-590A-48FC-9EBF-4F07435C235F}" destId="{B203C465-15F1-48BB-B76C-A1C08EA2DB95}" srcOrd="0" destOrd="0" presId="urn:microsoft.com/office/officeart/2005/8/layout/hChevron3"/>
@@ -5450,7 +5489,7 @@
           </a:r>
         </a:p>
         <a:p>
-          <a:pPr marL="457200" lvl="2" indent="-228600" algn="l" defTabSz="933450">
+          <a:pPr marL="342900" lvl="2" indent="-171450" algn="l" defTabSz="800100">
             <a:lnSpc>
               <a:spcPct val="90000"/>
             </a:lnSpc>
@@ -5463,12 +5502,12 @@
             <a:buChar char="•"/>
           </a:pPr>
           <a:r>
-            <a:rPr lang="en-US" sz="2100" kern="1200" dirty="0"/>
+            <a:rPr lang="en-US" sz="1800" kern="1200" dirty="0"/>
             <a:t>Pathfinding</a:t>
           </a:r>
         </a:p>
         <a:p>
-          <a:pPr marL="457200" lvl="2" indent="-228600" algn="l" defTabSz="933450">
+          <a:pPr marL="342900" lvl="2" indent="-171450" algn="l" defTabSz="800100">
             <a:lnSpc>
               <a:spcPct val="90000"/>
             </a:lnSpc>
@@ -5481,12 +5520,12 @@
             <a:buChar char="•"/>
           </a:pPr>
           <a:r>
-            <a:rPr lang="en-US" sz="2100" kern="1200" dirty="0"/>
+            <a:rPr lang="en-US" sz="1800" kern="1200" dirty="0"/>
             <a:t>Combat</a:t>
           </a:r>
         </a:p>
         <a:p>
-          <a:pPr marL="457200" lvl="2" indent="-228600" algn="l" defTabSz="933450">
+          <a:pPr marL="342900" lvl="2" indent="-171450" algn="l" defTabSz="800100">
             <a:lnSpc>
               <a:spcPct val="90000"/>
             </a:lnSpc>
@@ -5499,7 +5538,7 @@
             <a:buChar char="•"/>
           </a:pPr>
           <a:r>
-            <a:rPr lang="en-US" sz="2100" kern="1200" dirty="0"/>
+            <a:rPr lang="en-US" sz="1800" kern="1200" dirty="0"/>
             <a:t>Inventory</a:t>
           </a:r>
         </a:p>
@@ -5597,7 +5636,7 @@
           </a:pPr>
           <a:r>
             <a:rPr lang="en-US" sz="2100" kern="1200" dirty="0"/>
-            <a:t>Castle</a:t>
+            <a:t>Enemies</a:t>
           </a:r>
         </a:p>
         <a:p>
@@ -5748,11 +5787,11 @@
           </a:pPr>
           <a:r>
             <a:rPr lang="en-US" sz="2100" kern="1200" dirty="0"/>
-            <a:t>Catacombs</a:t>
+            <a:t>Level Design</a:t>
           </a:r>
         </a:p>
         <a:p>
-          <a:pPr marL="457200" lvl="2" indent="-228600" algn="l" defTabSz="933450">
+          <a:pPr marL="342900" lvl="2" indent="-171450" algn="l" defTabSz="800100">
             <a:lnSpc>
               <a:spcPct val="90000"/>
             </a:lnSpc>
@@ -5765,12 +5804,12 @@
             <a:buChar char="•"/>
           </a:pPr>
           <a:r>
-            <a:rPr lang="en-US" sz="2100" kern="1200" dirty="0"/>
-            <a:t>Monsters</a:t>
+            <a:rPr lang="en-US" sz="1800" kern="1200" dirty="0"/>
+            <a:t>Placement</a:t>
           </a:r>
         </a:p>
         <a:p>
-          <a:pPr marL="457200" lvl="2" indent="-228600" algn="l" defTabSz="933450">
+          <a:pPr marL="342900" lvl="2" indent="-171450" algn="l" defTabSz="800100">
             <a:lnSpc>
               <a:spcPct val="90000"/>
             </a:lnSpc>
@@ -5783,12 +5822,12 @@
             <a:buChar char="•"/>
           </a:pPr>
           <a:r>
-            <a:rPr lang="en-US" sz="2100" kern="1200" dirty="0"/>
-            <a:t>Level</a:t>
+            <a:rPr lang="en-US" sz="1800" kern="1200" dirty="0"/>
+            <a:t>Puzzles</a:t>
           </a:r>
         </a:p>
         <a:p>
-          <a:pPr marL="457200" lvl="2" indent="-228600" algn="l" defTabSz="933450">
+          <a:pPr marL="342900" lvl="2" indent="-171450" algn="l" defTabSz="800100">
             <a:lnSpc>
               <a:spcPct val="90000"/>
             </a:lnSpc>
@@ -5801,10 +5840,9 @@
             <a:buChar char="•"/>
           </a:pPr>
           <a:r>
-            <a:rPr lang="en-US" sz="2100" kern="1200" dirty="0"/>
-            <a:t>Puzzles</a:t>
+            <a:rPr lang="en-US" sz="1800" kern="1200" dirty="0"/>
+            <a:t>Difficulty</a:t>
           </a:r>
-          <a:endParaRPr lang="en-US" sz="2400" kern="1200" dirty="0"/>
         </a:p>
       </dsp:txBody>
       <dsp:txXfrm>
@@ -8760,7 +8798,7 @@
           <a:p>
             <a:fld id="{4710969A-8FFC-4E3F-8A8A-4D4AF92BD055}" type="datetimeFigureOut">
               <a:rPr lang="en-US" smtClean="0"/>
-              <a:t>10/21/2023</a:t>
+              <a:t>4/7/2024</a:t>
             </a:fld>
             <a:endParaRPr lang="en-US"/>
           </a:p>
@@ -9098,7 +9136,7 @@
           <a:p>
             <a:fld id="{4710969A-8FFC-4E3F-8A8A-4D4AF92BD055}" type="datetimeFigureOut">
               <a:rPr lang="en-US" smtClean="0"/>
-              <a:t>10/21/2023</a:t>
+              <a:t>4/7/2024</a:t>
             </a:fld>
             <a:endParaRPr lang="en-US"/>
           </a:p>
@@ -9499,7 +9537,7 @@
           <a:p>
             <a:fld id="{4710969A-8FFC-4E3F-8A8A-4D4AF92BD055}" type="datetimeFigureOut">
               <a:rPr lang="en-US" smtClean="0"/>
-              <a:t>10/21/2023</a:t>
+              <a:t>4/7/2024</a:t>
             </a:fld>
             <a:endParaRPr lang="en-US"/>
           </a:p>
@@ -9835,7 +9873,7 @@
           <a:p>
             <a:fld id="{4710969A-8FFC-4E3F-8A8A-4D4AF92BD055}" type="datetimeFigureOut">
               <a:rPr lang="en-US" smtClean="0"/>
-              <a:t>10/21/2023</a:t>
+              <a:t>4/7/2024</a:t>
             </a:fld>
             <a:endParaRPr lang="en-US"/>
           </a:p>
@@ -10155,7 +10193,7 @@
           <a:p>
             <a:fld id="{4710969A-8FFC-4E3F-8A8A-4D4AF92BD055}" type="datetimeFigureOut">
               <a:rPr lang="en-US" smtClean="0"/>
-              <a:t>10/21/2023</a:t>
+              <a:t>4/7/2024</a:t>
             </a:fld>
             <a:endParaRPr lang="en-US"/>
           </a:p>
@@ -10551,7 +10589,7 @@
           <a:p>
             <a:fld id="{4710969A-8FFC-4E3F-8A8A-4D4AF92BD055}" type="datetimeFigureOut">
               <a:rPr lang="en-US" smtClean="0"/>
-              <a:t>10/21/2023</a:t>
+              <a:t>4/7/2024</a:t>
             </a:fld>
             <a:endParaRPr lang="en-US"/>
           </a:p>
@@ -10808,7 +10846,7 @@
           <a:p>
             <a:fld id="{4710969A-8FFC-4E3F-8A8A-4D4AF92BD055}" type="datetimeFigureOut">
               <a:rPr lang="en-US" smtClean="0"/>
-              <a:t>10/21/2023</a:t>
+              <a:t>4/7/2024</a:t>
             </a:fld>
             <a:endParaRPr lang="en-US"/>
           </a:p>
@@ -11070,7 +11108,7 @@
           <a:p>
             <a:fld id="{4710969A-8FFC-4E3F-8A8A-4D4AF92BD055}" type="datetimeFigureOut">
               <a:rPr lang="en-US" smtClean="0"/>
-              <a:t>10/21/2023</a:t>
+              <a:t>4/7/2024</a:t>
             </a:fld>
             <a:endParaRPr lang="en-US"/>
           </a:p>
@@ -11332,7 +11370,7 @@
           <a:p>
             <a:fld id="{4710969A-8FFC-4E3F-8A8A-4D4AF92BD055}" type="datetimeFigureOut">
               <a:rPr lang="en-US" smtClean="0"/>
-              <a:t>10/21/2023</a:t>
+              <a:t>4/7/2024</a:t>
             </a:fld>
             <a:endParaRPr lang="en-US"/>
           </a:p>
@@ -11661,7 +11699,7 @@
           <a:p>
             <a:fld id="{4710969A-8FFC-4E3F-8A8A-4D4AF92BD055}" type="datetimeFigureOut">
               <a:rPr lang="en-US" smtClean="0"/>
-              <a:t>10/21/2023</a:t>
+              <a:t>4/7/2024</a:t>
             </a:fld>
             <a:endParaRPr lang="en-US"/>
           </a:p>
@@ -11984,7 +12022,7 @@
           <a:p>
             <a:fld id="{4710969A-8FFC-4E3F-8A8A-4D4AF92BD055}" type="datetimeFigureOut">
               <a:rPr lang="en-US" smtClean="0"/>
-              <a:t>10/21/2023</a:t>
+              <a:t>4/7/2024</a:t>
             </a:fld>
             <a:endParaRPr lang="en-US"/>
           </a:p>
@@ -12441,7 +12479,7 @@
           <a:p>
             <a:fld id="{4710969A-8FFC-4E3F-8A8A-4D4AF92BD055}" type="datetimeFigureOut">
               <a:rPr lang="en-US" smtClean="0"/>
-              <a:t>10/21/2023</a:t>
+              <a:t>4/7/2024</a:t>
             </a:fld>
             <a:endParaRPr lang="en-US"/>
           </a:p>
@@ -12646,7 +12684,7 @@
           <a:p>
             <a:fld id="{4710969A-8FFC-4E3F-8A8A-4D4AF92BD055}" type="datetimeFigureOut">
               <a:rPr lang="en-US" smtClean="0"/>
-              <a:t>10/21/2023</a:t>
+              <a:t>4/7/2024</a:t>
             </a:fld>
             <a:endParaRPr lang="en-US"/>
           </a:p>
@@ -12823,7 +12861,7 @@
           <a:p>
             <a:fld id="{4710969A-8FFC-4E3F-8A8A-4D4AF92BD055}" type="datetimeFigureOut">
               <a:rPr lang="en-US" smtClean="0"/>
-              <a:t>10/21/2023</a:t>
+              <a:t>4/7/2024</a:t>
             </a:fld>
             <a:endParaRPr lang="en-US"/>
           </a:p>
@@ -13156,7 +13194,7 @@
           <a:p>
             <a:fld id="{4710969A-8FFC-4E3F-8A8A-4D4AF92BD055}" type="datetimeFigureOut">
               <a:rPr lang="en-US" smtClean="0"/>
-              <a:t>10/21/2023</a:t>
+              <a:t>4/7/2024</a:t>
             </a:fld>
             <a:endParaRPr lang="en-US"/>
           </a:p>
@@ -13501,7 +13539,7 @@
           <a:p>
             <a:fld id="{4710969A-8FFC-4E3F-8A8A-4D4AF92BD055}" type="datetimeFigureOut">
               <a:rPr lang="en-US" smtClean="0"/>
-              <a:t>10/21/2023</a:t>
+              <a:t>4/7/2024</a:t>
             </a:fld>
             <a:endParaRPr lang="en-US"/>
           </a:p>
@@ -15618,7 +15656,7 @@
           <a:p>
             <a:fld id="{4710969A-8FFC-4E3F-8A8A-4D4AF92BD055}" type="datetimeFigureOut">
               <a:rPr lang="en-US" smtClean="0"/>
-              <a:t>10/21/2023</a:t>
+              <a:t>4/7/2024</a:t>
             </a:fld>
             <a:endParaRPr lang="en-US"/>
           </a:p>
@@ -16166,7 +16204,7 @@
                   </a:schemeClr>
                 </a:solidFill>
               </a:rPr>
-              <a:t>Pitch Date:  October 22, 2023					Update October 22, 2023</a:t>
+              <a:t>Pitch Date:  April 7, 2024							Pitch!</a:t>
             </a:r>
           </a:p>
           <a:p>
@@ -16178,7 +16216,7 @@
                   </a:schemeClr>
                 </a:solidFill>
               </a:rPr>
-              <a:t>Release Date:  February 10, 2024					Commits</a:t>
+              <a:t>Release Date:  July 28, 2024						1 Commit</a:t>
             </a:r>
           </a:p>
           <a:p>
@@ -16600,7 +16638,7 @@
                 </a:solidFill>
                 <a:latin typeface="Lucida Handwriting" panose="03010101010101010101" pitchFamily="66" charset="0"/>
               </a:rPr>
-              <a:t>The Adventure of Salvatore</a:t>
+              <a:t>Underground Tactics</a:t>
             </a:r>
           </a:p>
         </p:txBody>
@@ -16615,13 +16653,13 @@
   <p:clrMapOvr>
     <a:masterClrMapping/>
   </p:clrMapOvr>
-  <mc:AlternateContent xmlns:mc="http://schemas.openxmlformats.org/markup-compatibility/2006">
-    <mc:Choice xmlns:p14="http://schemas.microsoft.com/office/powerpoint/2010/main" Requires="p14">
+  <mc:AlternateContent xmlns:mc="http://schemas.openxmlformats.org/markup-compatibility/2006" xmlns:p14="http://schemas.microsoft.com/office/powerpoint/2010/main">
+    <mc:Choice Requires="p14">
       <p:transition spd="slow" p14:dur="1500">
         <p:split orient="vert"/>
       </p:transition>
     </mc:Choice>
-    <mc:Fallback>
+    <mc:Fallback xmlns="">
       <p:transition spd="slow">
         <p:split orient="vert"/>
       </p:transition>
@@ -17140,6 +17178,45 @@
                 </a:solidFill>
               </a:rPr>
               <a:t>Springfield Property Manager</a:t>
+            </a:r>
+          </a:p>
+        </p:txBody>
+      </p:sp>
+      <p:sp>
+        <p:nvSpPr>
+          <p:cNvPr id="3" name="TextBox 2">
+            <a:extLst>
+              <a:ext uri="{FF2B5EF4-FFF2-40B4-BE49-F238E27FC236}">
+                <a16:creationId xmlns:a16="http://schemas.microsoft.com/office/drawing/2014/main" id="{0F1233F1-1E77-C182-5D72-ED217E21F9A7}"/>
+              </a:ext>
+            </a:extLst>
+          </p:cNvPr>
+          <p:cNvSpPr txBox="1"/>
+          <p:nvPr/>
+        </p:nvSpPr>
+        <p:spPr>
+          <a:xfrm>
+            <a:off x="611384" y="5654289"/>
+            <a:ext cx="3810408" cy="954107"/>
+          </a:xfrm>
+          <a:prstGeom prst="rect">
+            <a:avLst/>
+          </a:prstGeom>
+          <a:noFill/>
+        </p:spPr>
+        <p:txBody>
+          <a:bodyPr wrap="square" rtlCol="0">
+            <a:spAutoFit/>
+          </a:bodyPr>
+          <a:lstStyle/>
+          <a:p>
+            <a:r>
+              <a:rPr lang="en-US" sz="2800" b="1" dirty="0">
+                <a:solidFill>
+                  <a:schemeClr val="bg1"/>
+                </a:solidFill>
+              </a:rPr>
+              <a:t>The Adventures of Salvatore</a:t>
             </a:r>
           </a:p>
         </p:txBody>
@@ -17695,6 +17772,88 @@
                             </p:childTnLst>
                           </p:cTn>
                         </p:par>
+                        <p:par>
+                          <p:cTn id="36" fill="hold">
+                            <p:stCondLst>
+                              <p:cond delay="8500"/>
+                            </p:stCondLst>
+                            <p:childTnLst>
+                              <p:par>
+                                <p:cTn id="37" presetID="2" presetClass="entr" presetSubtype="4" fill="hold" grpId="0" nodeType="afterEffect">
+                                  <p:stCondLst>
+                                    <p:cond delay="0"/>
+                                  </p:stCondLst>
+                                  <p:childTnLst>
+                                    <p:set>
+                                      <p:cBhvr>
+                                        <p:cTn id="38" dur="1" fill="hold">
+                                          <p:stCondLst>
+                                            <p:cond delay="0"/>
+                                          </p:stCondLst>
+                                        </p:cTn>
+                                        <p:tgtEl>
+                                          <p:spTgt spid="3"/>
+                                        </p:tgtEl>
+                                        <p:attrNameLst>
+                                          <p:attrName>style.visibility</p:attrName>
+                                        </p:attrNameLst>
+                                      </p:cBhvr>
+                                      <p:to>
+                                        <p:strVal val="visible"/>
+                                      </p:to>
+                                    </p:set>
+                                    <p:anim calcmode="lin" valueType="num">
+                                      <p:cBhvr additive="base">
+                                        <p:cTn id="39" dur="500" fill="hold"/>
+                                        <p:tgtEl>
+                                          <p:spTgt spid="3"/>
+                                        </p:tgtEl>
+                                        <p:attrNameLst>
+                                          <p:attrName>ppt_x</p:attrName>
+                                        </p:attrNameLst>
+                                      </p:cBhvr>
+                                      <p:tavLst>
+                                        <p:tav tm="0">
+                                          <p:val>
+                                            <p:strVal val="#ppt_x"/>
+                                          </p:val>
+                                        </p:tav>
+                                        <p:tav tm="100000">
+                                          <p:val>
+                                            <p:strVal val="#ppt_x"/>
+                                          </p:val>
+                                        </p:tav>
+                                      </p:tavLst>
+                                    </p:anim>
+                                    <p:anim calcmode="lin" valueType="num">
+                                      <p:cBhvr additive="base">
+                                        <p:cTn id="40" dur="500" fill="hold"/>
+                                        <p:tgtEl>
+                                          <p:spTgt spid="3"/>
+                                        </p:tgtEl>
+                                        <p:attrNameLst>
+                                          <p:attrName>ppt_y</p:attrName>
+                                        </p:attrNameLst>
+                                      </p:cBhvr>
+                                      <p:tavLst>
+                                        <p:tav tm="0">
+                                          <p:val>
+                                            <p:strVal val="1+#ppt_h/2"/>
+                                          </p:val>
+                                        </p:tav>
+                                        <p:tav tm="100000">
+                                          <p:val>
+                                            <p:strVal val="#ppt_y"/>
+                                          </p:val>
+                                        </p:tav>
+                                      </p:tavLst>
+                                    </p:anim>
+                                  </p:childTnLst>
+                                </p:cTn>
+                              </p:par>
+                            </p:childTnLst>
+                          </p:cTn>
+                        </p:par>
                       </p:childTnLst>
                     </p:cTn>
                   </p:par>
@@ -17726,6 +17885,7 @@
       <p:bldP spid="7" grpId="0"/>
       <p:bldP spid="8" grpId="0"/>
       <p:bldP spid="9" grpId="0"/>
+      <p:bldP spid="3" grpId="0"/>
     </p:bldLst>
   </p:timing>
 </p:sld>
@@ -17734,6 +17894,32 @@
 <file path=ppt/slides/slide3.xml><?xml version="1.0" encoding="utf-8"?>
 <p:sld xmlns:a="http://schemas.openxmlformats.org/drawingml/2006/main" xmlns:r="http://schemas.openxmlformats.org/officeDocument/2006/relationships" xmlns:p="http://schemas.openxmlformats.org/presentationml/2006/main">
   <p:cSld>
+    <p:bg>
+      <p:bgPr>
+        <a:gradFill rotWithShape="1">
+          <a:gsLst>
+            <a:gs pos="0">
+              <a:schemeClr val="bg2">
+                <a:tint val="90000"/>
+                <a:satMod val="92000"/>
+                <a:lumMod val="120000"/>
+              </a:schemeClr>
+            </a:gs>
+            <a:gs pos="100000">
+              <a:schemeClr val="bg2">
+                <a:shade val="98000"/>
+                <a:satMod val="120000"/>
+                <a:lumMod val="98000"/>
+              </a:schemeClr>
+            </a:gs>
+          </a:gsLst>
+          <a:path path="circle">
+            <a:fillToRect l="50000" t="50000" r="100000" b="100000"/>
+          </a:path>
+        </a:gradFill>
+        <a:effectLst/>
+      </p:bgPr>
+    </p:bg>
     <p:spTree>
       <p:nvGrpSpPr>
         <p:cNvPr id="1" name=""/>
@@ -17748,6 +17934,335 @@
           <a:chExt cx="0" cy="0"/>
         </a:xfrm>
       </p:grpSpPr>
+      <p:pic>
+        <p:nvPicPr>
+          <p:cNvPr id="8" name="Picture 7" descr="A video game screen with characters and a building&#10;&#10;Description automatically generated">
+            <a:extLst>
+              <a:ext uri="{FF2B5EF4-FFF2-40B4-BE49-F238E27FC236}">
+                <a16:creationId xmlns:a16="http://schemas.microsoft.com/office/drawing/2014/main" id="{E8EBB7F5-6602-9551-CDE5-3264B4C2AF3C}"/>
+              </a:ext>
+            </a:extLst>
+          </p:cNvPr>
+          <p:cNvPicPr>
+            <a:picLocks noChangeAspect="1"/>
+          </p:cNvPicPr>
+          <p:nvPr/>
+        </p:nvPicPr>
+        <p:blipFill rotWithShape="1">
+          <a:blip r:embed="rId2">
+            <a:extLst>
+              <a:ext uri="{28A0092B-C50C-407E-A947-70E740481C1C}">
+                <a14:useLocalDpi xmlns:a14="http://schemas.microsoft.com/office/drawing/2010/main" val="0"/>
+              </a:ext>
+            </a:extLst>
+          </a:blip>
+          <a:srcRect t="20898" r="-1" b="-1"/>
+          <a:stretch/>
+        </p:blipFill>
+        <p:spPr>
+          <a:xfrm>
+            <a:off x="4485555" y="10"/>
+            <a:ext cx="7706444" cy="3428990"/>
+          </a:xfrm>
+          <a:prstGeom prst="rect">
+            <a:avLst/>
+          </a:prstGeom>
+        </p:spPr>
+      </p:pic>
+      <p:pic>
+        <p:nvPicPr>
+          <p:cNvPr id="5" name="Picture 4" descr="A game board with a game and dice">
+            <a:extLst>
+              <a:ext uri="{FF2B5EF4-FFF2-40B4-BE49-F238E27FC236}">
+                <a16:creationId xmlns:a16="http://schemas.microsoft.com/office/drawing/2014/main" id="{FE4EECE1-4F3B-393B-ED56-42D8EBA90DCA}"/>
+              </a:ext>
+            </a:extLst>
+          </p:cNvPr>
+          <p:cNvPicPr>
+            <a:picLocks noChangeAspect="1"/>
+          </p:cNvPicPr>
+          <p:nvPr/>
+        </p:nvPicPr>
+        <p:blipFill rotWithShape="1">
+          <a:blip r:embed="rId3">
+            <a:extLst>
+              <a:ext uri="{28A0092B-C50C-407E-A947-70E740481C1C}">
+                <a14:useLocalDpi xmlns:a14="http://schemas.microsoft.com/office/drawing/2010/main" val="0"/>
+              </a:ext>
+            </a:extLst>
+          </a:blip>
+          <a:srcRect t="17201" r="-1" b="13546"/>
+          <a:stretch/>
+        </p:blipFill>
+        <p:spPr>
+          <a:xfrm>
+            <a:off x="4485557" y="3429000"/>
+            <a:ext cx="7706443" cy="3429000"/>
+          </a:xfrm>
+          <a:prstGeom prst="rect">
+            <a:avLst/>
+          </a:prstGeom>
+        </p:spPr>
+      </p:pic>
+      <p:sp useBgFill="1">
+        <p:nvSpPr>
+          <p:cNvPr id="13" name="Freeform: Shape 12">
+            <a:extLst>
+              <a:ext uri="{FF2B5EF4-FFF2-40B4-BE49-F238E27FC236}">
+                <a16:creationId xmlns:a16="http://schemas.microsoft.com/office/drawing/2014/main" id="{23C7736A-5A08-4021-9AB6-390DFF506AA8}"/>
+              </a:ext>
+              <a:ext uri="{C183D7F6-B498-43B3-948B-1728B52AA6E4}">
+                <adec:decorative xmlns:adec="http://schemas.microsoft.com/office/drawing/2017/decorative" val="1"/>
+              </a:ext>
+            </a:extLst>
+          </p:cNvPr>
+          <p:cNvSpPr>
+            <a:spLocks noGrp="1" noRot="1" noChangeAspect="1" noMove="1" noResize="1" noEditPoints="1" noAdjustHandles="1" noChangeArrowheads="1" noChangeShapeType="1" noTextEdit="1"/>
+          </p:cNvSpPr>
+          <p:nvPr>
+            <p:extLst>
+              <p:ext uri="{386F3935-93C4-4BCD-93E2-E3B085C9AB24}">
+                <p16:designElem xmlns:p16="http://schemas.microsoft.com/office/powerpoint/2015/main" val="1"/>
+              </p:ext>
+            </p:extLst>
+          </p:nvPr>
+        </p:nvSpPr>
+        <p:spPr bwMode="grayWhite">
+          <a:xfrm>
+            <a:off x="0" y="0"/>
+            <a:ext cx="8170246" cy="6858000"/>
+          </a:xfrm>
+          <a:custGeom>
+            <a:avLst/>
+            <a:gdLst>
+              <a:gd name="connsiteX0" fmla="*/ 4738960 w 8170246"/>
+              <a:gd name="connsiteY0" fmla="*/ 0 h 6858000"/>
+              <a:gd name="connsiteX1" fmla="*/ 4862151 w 8170246"/>
+              <a:gd name="connsiteY1" fmla="*/ 0 h 6858000"/>
+              <a:gd name="connsiteX2" fmla="*/ 8088169 w 8170246"/>
+              <a:gd name="connsiteY2" fmla="*/ 3226735 h 6858000"/>
+              <a:gd name="connsiteX3" fmla="*/ 8088169 w 8170246"/>
+              <a:gd name="connsiteY3" fmla="*/ 3626507 h 6858000"/>
+              <a:gd name="connsiteX4" fmla="*/ 4857393 w 8170246"/>
+              <a:gd name="connsiteY4" fmla="*/ 6858000 h 6858000"/>
+              <a:gd name="connsiteX5" fmla="*/ 4783581 w 8170246"/>
+              <a:gd name="connsiteY5" fmla="*/ 6858000 h 6858000"/>
+              <a:gd name="connsiteX6" fmla="*/ 4734202 w 8170246"/>
+              <a:gd name="connsiteY6" fmla="*/ 6858000 h 6858000"/>
+              <a:gd name="connsiteX7" fmla="*/ 7964978 w 8170246"/>
+              <a:gd name="connsiteY7" fmla="*/ 3626507 h 6858000"/>
+              <a:gd name="connsiteX8" fmla="*/ 7964978 w 8170246"/>
+              <a:gd name="connsiteY8" fmla="*/ 3226735 h 6858000"/>
+              <a:gd name="connsiteX9" fmla="*/ 4738960 w 8170246"/>
+              <a:gd name="connsiteY9" fmla="*/ 0 h 6858000"/>
+              <a:gd name="connsiteX10" fmla="*/ 0 w 8170246"/>
+              <a:gd name="connsiteY10" fmla="*/ 0 h 6858000"/>
+              <a:gd name="connsiteX11" fmla="*/ 98791 w 8170246"/>
+              <a:gd name="connsiteY11" fmla="*/ 0 h 6858000"/>
+              <a:gd name="connsiteX12" fmla="*/ 4456718 w 8170246"/>
+              <a:gd name="connsiteY12" fmla="*/ 0 h 6858000"/>
+              <a:gd name="connsiteX13" fmla="*/ 4603489 w 8170246"/>
+              <a:gd name="connsiteY13" fmla="*/ 0 h 6858000"/>
+              <a:gd name="connsiteX14" fmla="*/ 7829507 w 8170246"/>
+              <a:gd name="connsiteY14" fmla="*/ 3226735 h 6858000"/>
+              <a:gd name="connsiteX15" fmla="*/ 7829507 w 8170246"/>
+              <a:gd name="connsiteY15" fmla="*/ 3626507 h 6858000"/>
+              <a:gd name="connsiteX16" fmla="*/ 4598731 w 8170246"/>
+              <a:gd name="connsiteY16" fmla="*/ 6858000 h 6858000"/>
+              <a:gd name="connsiteX17" fmla="*/ 4540663 w 8170246"/>
+              <a:gd name="connsiteY17" fmla="*/ 6858000 h 6858000"/>
+              <a:gd name="connsiteX18" fmla="*/ 133398 w 8170246"/>
+              <a:gd name="connsiteY18" fmla="*/ 6858000 h 6858000"/>
+              <a:gd name="connsiteX19" fmla="*/ 0 w 8170246"/>
+              <a:gd name="connsiteY19" fmla="*/ 6858000 h 6858000"/>
+            </a:gdLst>
+            <a:ahLst/>
+            <a:cxnLst>
+              <a:cxn ang="0">
+                <a:pos x="connsiteX0" y="connsiteY0"/>
+              </a:cxn>
+              <a:cxn ang="0">
+                <a:pos x="connsiteX1" y="connsiteY1"/>
+              </a:cxn>
+              <a:cxn ang="0">
+                <a:pos x="connsiteX2" y="connsiteY2"/>
+              </a:cxn>
+              <a:cxn ang="0">
+                <a:pos x="connsiteX3" y="connsiteY3"/>
+              </a:cxn>
+              <a:cxn ang="0">
+                <a:pos x="connsiteX4" y="connsiteY4"/>
+              </a:cxn>
+              <a:cxn ang="0">
+                <a:pos x="connsiteX5" y="connsiteY5"/>
+              </a:cxn>
+              <a:cxn ang="0">
+                <a:pos x="connsiteX6" y="connsiteY6"/>
+              </a:cxn>
+              <a:cxn ang="0">
+                <a:pos x="connsiteX7" y="connsiteY7"/>
+              </a:cxn>
+              <a:cxn ang="0">
+                <a:pos x="connsiteX8" y="connsiteY8"/>
+              </a:cxn>
+              <a:cxn ang="0">
+                <a:pos x="connsiteX9" y="connsiteY9"/>
+              </a:cxn>
+              <a:cxn ang="0">
+                <a:pos x="connsiteX10" y="connsiteY10"/>
+              </a:cxn>
+              <a:cxn ang="0">
+                <a:pos x="connsiteX11" y="connsiteY11"/>
+              </a:cxn>
+              <a:cxn ang="0">
+                <a:pos x="connsiteX12" y="connsiteY12"/>
+              </a:cxn>
+              <a:cxn ang="0">
+                <a:pos x="connsiteX13" y="connsiteY13"/>
+              </a:cxn>
+              <a:cxn ang="0">
+                <a:pos x="connsiteX14" y="connsiteY14"/>
+              </a:cxn>
+              <a:cxn ang="0">
+                <a:pos x="connsiteX15" y="connsiteY15"/>
+              </a:cxn>
+              <a:cxn ang="0">
+                <a:pos x="connsiteX16" y="connsiteY16"/>
+              </a:cxn>
+              <a:cxn ang="0">
+                <a:pos x="connsiteX17" y="connsiteY17"/>
+              </a:cxn>
+              <a:cxn ang="0">
+                <a:pos x="connsiteX18" y="connsiteY18"/>
+              </a:cxn>
+              <a:cxn ang="0">
+                <a:pos x="connsiteX19" y="connsiteY19"/>
+              </a:cxn>
+            </a:cxnLst>
+            <a:rect l="l" t="t" r="r" b="b"/>
+            <a:pathLst>
+              <a:path w="8170246" h="6858000">
+                <a:moveTo>
+                  <a:pt x="4738960" y="0"/>
+                </a:moveTo>
+                <a:lnTo>
+                  <a:pt x="4862151" y="0"/>
+                </a:lnTo>
+                <a:cubicBezTo>
+                  <a:pt x="4862151" y="0"/>
+                  <a:pt x="4862151" y="0"/>
+                  <a:pt x="8088169" y="3226735"/>
+                </a:cubicBezTo>
+                <a:cubicBezTo>
+                  <a:pt x="8197606" y="3336196"/>
+                  <a:pt x="8197606" y="3517045"/>
+                  <a:pt x="8088169" y="3626507"/>
+                </a:cubicBezTo>
+                <a:cubicBezTo>
+                  <a:pt x="8088169" y="3626507"/>
+                  <a:pt x="8088169" y="3626507"/>
+                  <a:pt x="4857393" y="6858000"/>
+                </a:cubicBezTo>
+                <a:cubicBezTo>
+                  <a:pt x="4857393" y="6858000"/>
+                  <a:pt x="4857393" y="6858000"/>
+                  <a:pt x="4783581" y="6858000"/>
+                </a:cubicBezTo>
+                <a:lnTo>
+                  <a:pt x="4734202" y="6858000"/>
+                </a:lnTo>
+                <a:cubicBezTo>
+                  <a:pt x="7964978" y="3626507"/>
+                  <a:pt x="7964978" y="3626507"/>
+                  <a:pt x="7964978" y="3626507"/>
+                </a:cubicBezTo>
+                <a:cubicBezTo>
+                  <a:pt x="8074415" y="3517045"/>
+                  <a:pt x="8074415" y="3336196"/>
+                  <a:pt x="7964978" y="3226735"/>
+                </a:cubicBezTo>
+                <a:cubicBezTo>
+                  <a:pt x="4738960" y="0"/>
+                  <a:pt x="4738960" y="0"/>
+                  <a:pt x="4738960" y="0"/>
+                </a:cubicBezTo>
+                <a:close/>
+                <a:moveTo>
+                  <a:pt x="0" y="0"/>
+                </a:moveTo>
+                <a:lnTo>
+                  <a:pt x="98791" y="0"/>
+                </a:lnTo>
+                <a:cubicBezTo>
+                  <a:pt x="1075904" y="0"/>
+                  <a:pt x="2469401" y="0"/>
+                  <a:pt x="4456718" y="0"/>
+                </a:cubicBezTo>
+                <a:lnTo>
+                  <a:pt x="4603489" y="0"/>
+                </a:lnTo>
+                <a:cubicBezTo>
+                  <a:pt x="4603489" y="0"/>
+                  <a:pt x="4603489" y="0"/>
+                  <a:pt x="7829507" y="3226735"/>
+                </a:cubicBezTo>
+                <a:cubicBezTo>
+                  <a:pt x="7938944" y="3336196"/>
+                  <a:pt x="7938944" y="3517045"/>
+                  <a:pt x="7829507" y="3626507"/>
+                </a:cubicBezTo>
+                <a:cubicBezTo>
+                  <a:pt x="7829507" y="3626507"/>
+                  <a:pt x="7829507" y="3626507"/>
+                  <a:pt x="4598731" y="6858000"/>
+                </a:cubicBezTo>
+                <a:lnTo>
+                  <a:pt x="4540663" y="6858000"/>
+                </a:lnTo>
+                <a:cubicBezTo>
+                  <a:pt x="4077749" y="6858000"/>
+                  <a:pt x="2938270" y="6858000"/>
+                  <a:pt x="133398" y="6858000"/>
+                </a:cubicBezTo>
+                <a:lnTo>
+                  <a:pt x="0" y="6858000"/>
+                </a:lnTo>
+                <a:close/>
+              </a:path>
+            </a:pathLst>
+          </a:custGeom>
+          <a:ln>
+            <a:noFill/>
+          </a:ln>
+          <a:effectLst/>
+        </p:spPr>
+        <p:style>
+          <a:lnRef idx="1">
+            <a:schemeClr val="accent1"/>
+          </a:lnRef>
+          <a:fillRef idx="3">
+            <a:schemeClr val="accent1"/>
+          </a:fillRef>
+          <a:effectRef idx="2">
+            <a:schemeClr val="accent1"/>
+          </a:effectRef>
+          <a:fontRef idx="minor">
+            <a:schemeClr val="lt1"/>
+          </a:fontRef>
+        </p:style>
+        <p:txBody>
+          <a:bodyPr vert="horz" wrap="square" lIns="91440" tIns="45720" rIns="91440" bIns="45720" numCol="1" anchor="t" anchorCtr="0" compatLnSpc="1">
+            <a:prstTxWarp prst="textNoShape">
+              <a:avLst/>
+            </a:prstTxWarp>
+            <a:noAutofit/>
+          </a:bodyPr>
+          <a:lstStyle/>
+          <a:p>
+            <a:endParaRPr lang="en-US" dirty="0"/>
+          </a:p>
+        </p:txBody>
+      </p:sp>
       <p:sp>
         <p:nvSpPr>
           <p:cNvPr id="2" name="Title 1">
@@ -17764,15 +18279,83 @@
             <p:ph type="title"/>
           </p:nvPr>
         </p:nvSpPr>
-        <p:spPr/>
+        <p:spPr>
+          <a:xfrm>
+            <a:off x="535525" y="624110"/>
+            <a:ext cx="4623955" cy="1280890"/>
+          </a:xfrm>
+        </p:spPr>
+        <p:txBody>
+          <a:bodyPr>
+            <a:normAutofit/>
+          </a:bodyPr>
+          <a:lstStyle/>
+          <a:p>
+            <a:r>
+              <a:rPr lang="en-US" sz="3300"/>
+              <a:t>Inspiration for Underground Tactics</a:t>
+            </a:r>
+          </a:p>
+        </p:txBody>
+      </p:sp>
+      <p:sp>
+        <p:nvSpPr>
+          <p:cNvPr id="15" name="Rectangle 14">
+            <a:extLst>
+              <a:ext uri="{FF2B5EF4-FFF2-40B4-BE49-F238E27FC236}">
+                <a16:creationId xmlns:a16="http://schemas.microsoft.com/office/drawing/2014/main" id="{433DF4D3-8A35-461A-ABE0-F56B78A1371F}"/>
+              </a:ext>
+              <a:ext uri="{C183D7F6-B498-43B3-948B-1728B52AA6E4}">
+                <adec:decorative xmlns:adec="http://schemas.microsoft.com/office/drawing/2017/decorative" val="1"/>
+              </a:ext>
+            </a:extLst>
+          </p:cNvPr>
+          <p:cNvSpPr>
+            <a:spLocks noGrp="1" noRot="1" noChangeAspect="1" noMove="1" noResize="1" noEditPoints="1" noAdjustHandles="1" noChangeArrowheads="1" noChangeShapeType="1" noTextEdit="1"/>
+          </p:cNvSpPr>
+          <p:nvPr>
+            <p:extLst>
+              <p:ext uri="{386F3935-93C4-4BCD-93E2-E3B085C9AB24}">
+                <p16:designElem xmlns:p16="http://schemas.microsoft.com/office/powerpoint/2015/main" val="1"/>
+              </p:ext>
+            </p:extLst>
+          </p:nvPr>
+        </p:nvSpPr>
+        <p:spPr>
+          <a:xfrm>
+            <a:off x="0" y="0"/>
+            <a:ext cx="182880" cy="6858000"/>
+          </a:xfrm>
+          <a:prstGeom prst="rect">
+            <a:avLst/>
+          </a:prstGeom>
+          <a:solidFill>
+            <a:schemeClr val="tx2"/>
+          </a:solidFill>
+          <a:ln>
+            <a:noFill/>
+          </a:ln>
+          <a:effectLst/>
+        </p:spPr>
+        <p:style>
+          <a:lnRef idx="1">
+            <a:schemeClr val="accent1"/>
+          </a:lnRef>
+          <a:fillRef idx="3">
+            <a:schemeClr val="accent1"/>
+          </a:fillRef>
+          <a:effectRef idx="2">
+            <a:schemeClr val="accent1"/>
+          </a:effectRef>
+          <a:fontRef idx="minor">
+            <a:schemeClr val="lt1"/>
+          </a:fontRef>
+        </p:style>
         <p:txBody>
           <a:bodyPr/>
           <a:lstStyle/>
           <a:p>
-            <a:r>
-              <a:rPr lang="en-US" dirty="0"/>
-              <a:t>Inspiration for The Adventure of Salvatore</a:t>
-            </a:r>
+            <a:endParaRPr lang="en-US"/>
           </a:p>
         </p:txBody>
       </p:sp>
@@ -17792,9 +18375,16 @@
             <p:ph idx="1"/>
           </p:nvPr>
         </p:nvSpPr>
-        <p:spPr/>
+        <p:spPr>
+          <a:xfrm>
+            <a:off x="531812" y="2133600"/>
+            <a:ext cx="4625882" cy="3777622"/>
+          </a:xfrm>
+        </p:spPr>
         <p:txBody>
-          <a:bodyPr/>
+          <a:bodyPr>
+            <a:normAutofit/>
+          </a:bodyPr>
           <a:lstStyle/>
           <a:p>
             <a:r>
@@ -17805,8 +18395,32 @@
           <a:p>
             <a:r>
               <a:rPr lang="en-US" dirty="0"/>
-              <a:t>Diablo (the original)</a:t>
+              <a:t>The Adventures of Salvatore</a:t>
             </a:r>
+          </a:p>
+          <a:p>
+            <a:r>
+              <a:rPr lang="en-US" dirty="0"/>
+              <a:t>Dungeons and Dragons (Rules)</a:t>
+            </a:r>
+          </a:p>
+          <a:p>
+            <a:r>
+              <a:rPr lang="en-US" dirty="0"/>
+              <a:t>Final Fantasy Tactics</a:t>
+            </a:r>
+          </a:p>
+          <a:p>
+            <a:r>
+              <a:rPr lang="en-US" dirty="0"/>
+              <a:t>Throneless</a:t>
+            </a:r>
+          </a:p>
+          <a:p>
+            <a:endParaRPr lang="en-US" dirty="0"/>
+          </a:p>
+          <a:p>
+            <a:endParaRPr lang="en-US" dirty="0"/>
           </a:p>
           <a:p>
             <a:pPr marL="0" indent="0">
@@ -17816,42 +18430,6 @@
           </a:p>
         </p:txBody>
       </p:sp>
-      <p:pic>
-        <p:nvPicPr>
-          <p:cNvPr id="6" name="Picture 5" descr="A video game advertisement with a red and orange monster&#10;&#10;Description automatically generated">
-            <a:extLst>
-              <a:ext uri="{FF2B5EF4-FFF2-40B4-BE49-F238E27FC236}">
-                <a16:creationId xmlns:a16="http://schemas.microsoft.com/office/drawing/2014/main" id="{D3AEEAF6-3AE7-327F-D32B-020B93A9F4D9}"/>
-              </a:ext>
-            </a:extLst>
-          </p:cNvPr>
-          <p:cNvPicPr>
-            <a:picLocks noChangeAspect="1"/>
-          </p:cNvPicPr>
-          <p:nvPr/>
-        </p:nvPicPr>
-        <p:blipFill>
-          <a:blip r:embed="rId2">
-            <a:extLst>
-              <a:ext uri="{28A0092B-C50C-407E-A947-70E740481C1C}">
-                <a14:useLocalDpi xmlns:a14="http://schemas.microsoft.com/office/drawing/2010/main" val="0"/>
-              </a:ext>
-            </a:extLst>
-          </a:blip>
-          <a:stretch>
-            <a:fillRect/>
-          </a:stretch>
-        </p:blipFill>
-        <p:spPr>
-          <a:xfrm>
-            <a:off x="7046912" y="3590617"/>
-            <a:ext cx="3297872" cy="2459663"/>
-          </a:xfrm>
-          <a:prstGeom prst="rect">
-            <a:avLst/>
-          </a:prstGeom>
-        </p:spPr>
-      </p:pic>
     </p:spTree>
     <p:extLst>
       <p:ext uri="{BB962C8B-B14F-4D97-AF65-F5344CB8AC3E}">
@@ -17988,7 +18566,7 @@
           <a:p>
             <a:r>
               <a:rPr lang="en-US" dirty="0"/>
-              <a:t>The Vision of The Adventure of Salvatore</a:t>
+              <a:t>The Vision of Underground Tactics</a:t>
             </a:r>
           </a:p>
         </p:txBody>
@@ -18016,7 +18594,15 @@
           <a:p>
             <a:r>
               <a:rPr lang="en-US" dirty="0"/>
-              <a:t>An adventure of Salvatore slaying goblins and bugbears in a castle, and skeletons and wizards in the catacombs.</a:t>
+              <a:t>An </a:t>
+            </a:r>
+            <a:r>
+              <a:rPr lang="en-US"/>
+              <a:t>adventure of slaying </a:t>
+            </a:r>
+            <a:r>
+              <a:rPr lang="en-US" dirty="0"/>
+              <a:t>goblins and bugbears in a castle, and skeletons and wizards in the catacombs.</a:t>
             </a:r>
           </a:p>
           <a:p>
@@ -18049,8 +18635,21 @@
             <a:pPr lvl="1"/>
             <a:r>
               <a:rPr lang="en-US" dirty="0"/>
-              <a:t>A lure into the castle, to discover an adventure awaits in the catacombs.</a:t>
+              <a:t>A lure into the underground.</a:t>
             </a:r>
+          </a:p>
+          <a:p>
+            <a:r>
+              <a:rPr lang="en-US" dirty="0"/>
+              <a:t>Creating D&amp;D combat and quests… but on the computer </a:t>
+            </a:r>
+            <a:r>
+              <a:rPr lang="en-US" dirty="0">
+                <a:sym typeface="Wingdings" panose="05000000000000000000" pitchFamily="2" charset="2"/>
+              </a:rPr>
+              <a:t></a:t>
+            </a:r>
+            <a:endParaRPr lang="en-US" dirty="0"/>
           </a:p>
           <a:p>
             <a:pPr indent="-285750"/>
@@ -18138,7 +18737,7 @@
             <p:ph idx="1"/>
             <p:extLst>
               <p:ext uri="{D42A27DB-BD31-4B8C-83A1-F6EECF244321}">
-                <p14:modId xmlns:p14="http://schemas.microsoft.com/office/powerpoint/2010/main" val="94623868"/>
+                <p14:modId xmlns:p14="http://schemas.microsoft.com/office/powerpoint/2010/main" val="3072405774"/>
               </p:ext>
             </p:extLst>
           </p:nvPr>
@@ -18402,7 +19001,7 @@
             </a:r>
             <a:r>
               <a:rPr lang="en-US" dirty="0"/>
-              <a:t>-Adventure-Of-Salvatore</a:t>
+              <a:t>-underground-tactics</a:t>
             </a:r>
           </a:p>
           <a:p>
